--- a/html-css_ppt/7강. html 폼.pptx
+++ b/html-css_ppt/7강. html 폼.pptx
@@ -5,7 +5,7 @@
     <p:sldMasterId id="2147483648" r:id="rId1"/>
   </p:sldMasterIdLst>
   <p:notesMasterIdLst>
-    <p:notesMasterId r:id="rId44"/>
+    <p:notesMasterId r:id="rId45"/>
   </p:notesMasterIdLst>
   <p:sldIdLst>
     <p:sldId id="256" r:id="rId2"/>
@@ -18,38 +18,39 @@
     <p:sldId id="436" r:id="rId9"/>
     <p:sldId id="357" r:id="rId10"/>
     <p:sldId id="404" r:id="rId11"/>
-    <p:sldId id="446" r:id="rId12"/>
-    <p:sldId id="406" r:id="rId13"/>
-    <p:sldId id="381" r:id="rId14"/>
-    <p:sldId id="427" r:id="rId15"/>
-    <p:sldId id="324" r:id="rId16"/>
-    <p:sldId id="383" r:id="rId17"/>
-    <p:sldId id="385" r:id="rId18"/>
-    <p:sldId id="387" r:id="rId19"/>
-    <p:sldId id="440" r:id="rId20"/>
-    <p:sldId id="386" r:id="rId21"/>
-    <p:sldId id="421" r:id="rId22"/>
-    <p:sldId id="416" r:id="rId23"/>
-    <p:sldId id="428" r:id="rId24"/>
-    <p:sldId id="429" r:id="rId25"/>
-    <p:sldId id="412" r:id="rId26"/>
-    <p:sldId id="441" r:id="rId27"/>
-    <p:sldId id="442" r:id="rId28"/>
-    <p:sldId id="443" r:id="rId29"/>
-    <p:sldId id="444" r:id="rId30"/>
-    <p:sldId id="445" r:id="rId31"/>
-    <p:sldId id="369" r:id="rId32"/>
-    <p:sldId id="370" r:id="rId33"/>
-    <p:sldId id="413" r:id="rId34"/>
-    <p:sldId id="414" r:id="rId35"/>
-    <p:sldId id="415" r:id="rId36"/>
-    <p:sldId id="423" r:id="rId37"/>
-    <p:sldId id="424" r:id="rId38"/>
-    <p:sldId id="425" r:id="rId39"/>
-    <p:sldId id="426" r:id="rId40"/>
-    <p:sldId id="433" r:id="rId41"/>
-    <p:sldId id="434" r:id="rId42"/>
-    <p:sldId id="435" r:id="rId43"/>
+    <p:sldId id="406" r:id="rId12"/>
+    <p:sldId id="381" r:id="rId13"/>
+    <p:sldId id="427" r:id="rId14"/>
+    <p:sldId id="324" r:id="rId15"/>
+    <p:sldId id="383" r:id="rId16"/>
+    <p:sldId id="385" r:id="rId17"/>
+    <p:sldId id="387" r:id="rId18"/>
+    <p:sldId id="440" r:id="rId19"/>
+    <p:sldId id="386" r:id="rId20"/>
+    <p:sldId id="421" r:id="rId21"/>
+    <p:sldId id="416" r:id="rId22"/>
+    <p:sldId id="428" r:id="rId23"/>
+    <p:sldId id="429" r:id="rId24"/>
+    <p:sldId id="412" r:id="rId25"/>
+    <p:sldId id="446" r:id="rId26"/>
+    <p:sldId id="447" r:id="rId27"/>
+    <p:sldId id="441" r:id="rId28"/>
+    <p:sldId id="442" r:id="rId29"/>
+    <p:sldId id="443" r:id="rId30"/>
+    <p:sldId id="444" r:id="rId31"/>
+    <p:sldId id="445" r:id="rId32"/>
+    <p:sldId id="369" r:id="rId33"/>
+    <p:sldId id="370" r:id="rId34"/>
+    <p:sldId id="413" r:id="rId35"/>
+    <p:sldId id="414" r:id="rId36"/>
+    <p:sldId id="415" r:id="rId37"/>
+    <p:sldId id="423" r:id="rId38"/>
+    <p:sldId id="424" r:id="rId39"/>
+    <p:sldId id="425" r:id="rId40"/>
+    <p:sldId id="426" r:id="rId41"/>
+    <p:sldId id="433" r:id="rId42"/>
+    <p:sldId id="434" r:id="rId43"/>
+    <p:sldId id="435" r:id="rId44"/>
   </p:sldIdLst>
   <p:sldSz cx="9906000" cy="6858000" type="A4"/>
   <p:notesSz cx="6858000" cy="9144000"/>
@@ -150,7 +151,7 @@
   </p:defaultTextStyle>
   <p:extLst>
     <p:ext uri="{EFAFB233-063F-42B5-8137-9DF3F51BA10A}">
-      <p15:sldGuideLst xmlns="" xmlns:p15="http://schemas.microsoft.com/office/powerpoint/2012/main">
+      <p15:sldGuideLst xmlns:p15="http://schemas.microsoft.com/office/powerpoint/2012/main">
         <p15:guide id="1" orient="horz" pos="2160">
           <p15:clr>
             <a:srgbClr val="A4A3A4"/>
@@ -249,7 +250,7 @@
           <a:p>
             <a:fld id="{7665CDAC-D627-4E87-877A-1B781DD4CADC}" type="datetimeFigureOut">
               <a:rPr lang="ko-KR" altLang="en-US" smtClean="0"/>
-              <a:t>2022-06-01</a:t>
+              <a:t>2023-03-23</a:t>
             </a:fld>
             <a:endParaRPr lang="ko-KR" altLang="en-US"/>
           </a:p>
@@ -663,7 +664,7 @@
           <a:p>
             <a:fld id="{C25BCFD5-C4DF-4EBC-B718-C69ED2FBDE6F}" type="datetime1">
               <a:rPr lang="ko-KR" altLang="en-US" smtClean="0"/>
-              <a:t>2022-06-01</a:t>
+              <a:t>2023-03-23</a:t>
             </a:fld>
             <a:endParaRPr lang="ko-KR" altLang="en-US"/>
           </a:p>
@@ -1081,7 +1082,7 @@
           <a:p>
             <a:fld id="{AB448CD7-D367-43D5-B461-ACE552E75063}" type="datetime1">
               <a:rPr lang="ko-KR" altLang="en-US" smtClean="0"/>
-              <a:t>2022-06-01</a:t>
+              <a:t>2023-03-23</a:t>
             </a:fld>
             <a:endParaRPr lang="ko-KR" altLang="en-US"/>
           </a:p>
@@ -1261,7 +1262,7 @@
           <a:p>
             <a:fld id="{B6E49E79-7361-4780-8BEF-7EDE3708298A}" type="datetime1">
               <a:rPr lang="ko-KR" altLang="en-US" smtClean="0"/>
-              <a:t>2022-06-01</a:t>
+              <a:t>2023-03-23</a:t>
             </a:fld>
             <a:endParaRPr lang="ko-KR" altLang="en-US"/>
           </a:p>
@@ -1435,7 +1436,7 @@
           <a:p>
             <a:fld id="{A4D42E3C-B70B-437C-85CF-1286301B9CBA}" type="datetime1">
               <a:rPr lang="ko-KR" altLang="en-US" smtClean="0"/>
-              <a:t>2022-06-01</a:t>
+              <a:t>2023-03-23</a:t>
             </a:fld>
             <a:endParaRPr lang="ko-KR" altLang="en-US"/>
           </a:p>
@@ -1681,7 +1682,7 @@
           <a:p>
             <a:fld id="{B3369A20-5B3D-4D98-A822-26B93D177A40}" type="datetime1">
               <a:rPr lang="ko-KR" altLang="en-US" smtClean="0"/>
-              <a:t>2022-06-01</a:t>
+              <a:t>2023-03-23</a:t>
             </a:fld>
             <a:endParaRPr lang="ko-KR" altLang="en-US"/>
           </a:p>
@@ -1969,7 +1970,7 @@
           <a:p>
             <a:fld id="{685CD4CE-9E43-4F70-A9D8-A2130CA7D92A}" type="datetime1">
               <a:rPr lang="ko-KR" altLang="en-US" smtClean="0"/>
-              <a:t>2022-06-01</a:t>
+              <a:t>2023-03-23</a:t>
             </a:fld>
             <a:endParaRPr lang="ko-KR" altLang="en-US"/>
           </a:p>
@@ -2391,7 +2392,7 @@
           <a:p>
             <a:fld id="{F752BD92-DA3E-4A0B-90C9-7DE5E15B6E96}" type="datetime1">
               <a:rPr lang="ko-KR" altLang="en-US" smtClean="0"/>
-              <a:t>2022-06-01</a:t>
+              <a:t>2023-03-23</a:t>
             </a:fld>
             <a:endParaRPr lang="ko-KR" altLang="en-US"/>
           </a:p>
@@ -2509,7 +2510,7 @@
           <a:p>
             <a:fld id="{8EA2B83A-F366-424E-B742-340ACF856BB5}" type="datetime1">
               <a:rPr lang="ko-KR" altLang="en-US" smtClean="0"/>
-              <a:t>2022-06-01</a:t>
+              <a:t>2023-03-23</a:t>
             </a:fld>
             <a:endParaRPr lang="ko-KR" altLang="en-US"/>
           </a:p>
@@ -2604,7 +2605,7 @@
           <a:p>
             <a:fld id="{9A49D68B-5DBD-48E9-A8D4-FCBC4B3DD9C6}" type="datetime1">
               <a:rPr lang="ko-KR" altLang="en-US" smtClean="0"/>
-              <a:t>2022-06-01</a:t>
+              <a:t>2023-03-23</a:t>
             </a:fld>
             <a:endParaRPr lang="ko-KR" altLang="en-US"/>
           </a:p>
@@ -2881,7 +2882,7 @@
           <a:p>
             <a:fld id="{4CAB534F-7D16-467B-9320-91F98915D181}" type="datetime1">
               <a:rPr lang="ko-KR" altLang="en-US" smtClean="0"/>
-              <a:t>2022-06-01</a:t>
+              <a:t>2023-03-23</a:t>
             </a:fld>
             <a:endParaRPr lang="ko-KR" altLang="en-US"/>
           </a:p>
@@ -3134,7 +3135,7 @@
           <a:p>
             <a:fld id="{A390A91F-2F8D-4486-A69D-D680F95444B0}" type="datetime1">
               <a:rPr lang="ko-KR" altLang="en-US" smtClean="0"/>
-              <a:t>2022-06-01</a:t>
+              <a:t>2023-03-23</a:t>
             </a:fld>
             <a:endParaRPr lang="ko-KR" altLang="en-US"/>
           </a:p>
@@ -3314,7 +3315,7 @@
           <a:p>
             <a:fld id="{2238BBEA-E8DD-414A-BF68-FC2AFA7CFF2D}" type="datetime1">
               <a:rPr lang="ko-KR" altLang="en-US" smtClean="0"/>
-              <a:t>2022-06-01</a:t>
+              <a:t>2023-03-23</a:t>
             </a:fld>
             <a:endParaRPr lang="ko-KR" altLang="en-US"/>
           </a:p>
@@ -4543,9 +4544,10 @@
           <a:p>
             <a:pPr algn="ctr"/>
             <a:r>
-              <a:rPr lang="ko-KR" altLang="en-US" sz="2800" dirty="0"/>
-              <a:t>폼 요소에 접근하는 방법</a:t>
-            </a:r>
+              <a:rPr lang="ko-KR" altLang="en-US" sz="2800" dirty="0" smtClean="0"/>
+              <a:t>로그인 폼 만들기</a:t>
+            </a:r>
+            <a:endParaRPr lang="ko-KR" altLang="en-US" sz="2800" dirty="0"/>
           </a:p>
         </p:txBody>
       </p:sp>
@@ -4567,256 +4569,6 @@
             <a:fld id="{1BDE3FE7-3AEA-4B05-AC5A-802D1816ACF0}" type="slidenum">
               <a:rPr lang="ko-KR" altLang="en-US" smtClean="0"/>
               <a:t>11</a:t>
-            </a:fld>
-            <a:endParaRPr lang="ko-KR" altLang="en-US"/>
-          </a:p>
-        </p:txBody>
-      </p:sp>
-      <p:pic>
-        <p:nvPicPr>
-          <p:cNvPr id="7" name="그림 6"/>
-          <p:cNvPicPr>
-            <a:picLocks noChangeAspect="1"/>
-          </p:cNvPicPr>
-          <p:nvPr/>
-        </p:nvPicPr>
-        <p:blipFill>
-          <a:blip r:embed="rId2">
-            <a:extLst>
-              <a:ext uri="{28A0092B-C50C-407E-A947-70E740481C1C}">
-                <a14:useLocalDpi xmlns:a14="http://schemas.microsoft.com/office/drawing/2010/main" val="0"/>
-              </a:ext>
-            </a:extLst>
-          </a:blip>
-          <a:stretch>
-            <a:fillRect/>
-          </a:stretch>
-        </p:blipFill>
-        <p:spPr>
-          <a:xfrm>
-            <a:off x="992561" y="1356637"/>
-            <a:ext cx="3384376" cy="428687"/>
-          </a:xfrm>
-          <a:prstGeom prst="rect">
-            <a:avLst/>
-          </a:prstGeom>
-          <a:ln>
-            <a:noFill/>
-          </a:ln>
-        </p:spPr>
-      </p:pic>
-      <p:sp>
-        <p:nvSpPr>
-          <p:cNvPr id="8" name="TextBox 7"/>
-          <p:cNvSpPr txBox="1"/>
-          <p:nvPr/>
-        </p:nvSpPr>
-        <p:spPr>
-          <a:xfrm>
-            <a:off x="4376937" y="1384706"/>
-            <a:ext cx="2952327" cy="372548"/>
-          </a:xfrm>
-          <a:prstGeom prst="rect">
-            <a:avLst/>
-          </a:prstGeom>
-          <a:noFill/>
-        </p:spPr>
-        <p:txBody>
-          <a:bodyPr wrap="square" rtlCol="0">
-            <a:spAutoFit/>
-          </a:bodyPr>
-          <a:lstStyle/>
-          <a:p>
-            <a:r>
-              <a:rPr lang="en-US" altLang="ko-KR" dirty="0" smtClean="0"/>
-              <a:t>(input text</a:t>
-            </a:r>
-            <a:r>
-              <a:rPr lang="ko-KR" altLang="en-US" dirty="0" smtClean="0"/>
-              <a:t>의 </a:t>
-            </a:r>
-            <a:r>
-              <a:rPr lang="en-US" altLang="ko-KR" dirty="0" smtClean="0"/>
-              <a:t>value </a:t>
-            </a:r>
-            <a:r>
-              <a:rPr lang="ko-KR" altLang="en-US" dirty="0" smtClean="0"/>
-              <a:t>속성</a:t>
-            </a:r>
-            <a:r>
-              <a:rPr lang="en-US" altLang="ko-KR" dirty="0" smtClean="0"/>
-              <a:t>)</a:t>
-            </a:r>
-            <a:endParaRPr lang="ko-KR" altLang="en-US" dirty="0"/>
-          </a:p>
-        </p:txBody>
-      </p:sp>
-      <p:pic>
-        <p:nvPicPr>
-          <p:cNvPr id="5" name="그림 4"/>
-          <p:cNvPicPr>
-            <a:picLocks noChangeAspect="1"/>
-          </p:cNvPicPr>
-          <p:nvPr/>
-        </p:nvPicPr>
-        <p:blipFill>
-          <a:blip r:embed="rId3">
-            <a:extLst>
-              <a:ext uri="{28A0092B-C50C-407E-A947-70E740481C1C}">
-                <a14:useLocalDpi xmlns:a14="http://schemas.microsoft.com/office/drawing/2010/main" val="0"/>
-              </a:ext>
-            </a:extLst>
-          </a:blip>
-          <a:stretch>
-            <a:fillRect/>
-          </a:stretch>
-        </p:blipFill>
-        <p:spPr>
-          <a:xfrm>
-            <a:off x="1200835" y="2060848"/>
-            <a:ext cx="7064353" cy="3589331"/>
-          </a:xfrm>
-          <a:prstGeom prst="rect">
-            <a:avLst/>
-          </a:prstGeom>
-          <a:ln>
-            <a:solidFill>
-              <a:schemeClr val="bg1">
-                <a:lumMod val="85000"/>
-              </a:schemeClr>
-            </a:solidFill>
-          </a:ln>
-        </p:spPr>
-      </p:pic>
-      <p:sp>
-        <p:nvSpPr>
-          <p:cNvPr id="9" name="TextBox 8"/>
-          <p:cNvSpPr txBox="1"/>
-          <p:nvPr/>
-        </p:nvSpPr>
-        <p:spPr>
-          <a:xfrm>
-            <a:off x="2288704" y="5096253"/>
-            <a:ext cx="1224136" cy="553926"/>
-          </a:xfrm>
-          <a:prstGeom prst="roundRect">
-            <a:avLst/>
-          </a:prstGeom>
-          <a:noFill/>
-          <a:ln>
-            <a:prstDash val="sysDash"/>
-          </a:ln>
-        </p:spPr>
-        <p:style>
-          <a:lnRef idx="2">
-            <a:schemeClr val="accent2"/>
-          </a:lnRef>
-          <a:fillRef idx="1">
-            <a:schemeClr val="lt1"/>
-          </a:fillRef>
-          <a:effectRef idx="0">
-            <a:schemeClr val="accent2"/>
-          </a:effectRef>
-          <a:fontRef idx="minor">
-            <a:schemeClr val="dk1"/>
-          </a:fontRef>
-        </p:style>
-        <p:txBody>
-          <a:bodyPr wrap="square" rtlCol="0">
-            <a:spAutoFit/>
-          </a:bodyPr>
-          <a:lstStyle/>
-          <a:p>
-            <a:endParaRPr lang="ko-KR" altLang="en-US" sz="1600" dirty="0"/>
-          </a:p>
-        </p:txBody>
-      </p:sp>
-    </p:spTree>
-    <p:extLst>
-      <p:ext uri="{BB962C8B-B14F-4D97-AF65-F5344CB8AC3E}">
-        <p14:creationId xmlns:p14="http://schemas.microsoft.com/office/powerpoint/2010/main" val="1898132829"/>
-      </p:ext>
-    </p:extLst>
-  </p:cSld>
-  <p:clrMapOvr>
-    <a:masterClrMapping/>
-  </p:clrMapOvr>
-  <p:timing>
-    <p:tnLst>
-      <p:par>
-        <p:cTn id="1" dur="indefinite" restart="never" nodeType="tmRoot"/>
-      </p:par>
-    </p:tnLst>
-  </p:timing>
-</p:sld>
-</file>
-
-<file path=ppt/slides/slide12.xml><?xml version="1.0" encoding="utf-8"?>
-<p:sld xmlns:a="http://schemas.openxmlformats.org/drawingml/2006/main" xmlns:r="http://schemas.openxmlformats.org/officeDocument/2006/relationships" xmlns:p="http://schemas.openxmlformats.org/presentationml/2006/main">
-  <p:cSld>
-    <p:spTree>
-      <p:nvGrpSpPr>
-        <p:cNvPr id="1" name=""/>
-        <p:cNvGrpSpPr/>
-        <p:nvPr/>
-      </p:nvGrpSpPr>
-      <p:grpSpPr>
-        <a:xfrm>
-          <a:off x="0" y="0"/>
-          <a:ext cx="0" cy="0"/>
-          <a:chOff x="0" y="0"/>
-          <a:chExt cx="0" cy="0"/>
-        </a:xfrm>
-      </p:grpSpPr>
-      <p:sp>
-        <p:nvSpPr>
-          <p:cNvPr id="2" name="제목 1"/>
-          <p:cNvSpPr>
-            <a:spLocks noGrp="1"/>
-          </p:cNvSpPr>
-          <p:nvPr>
-            <p:ph type="title"/>
-          </p:nvPr>
-        </p:nvSpPr>
-        <p:spPr>
-          <a:xfrm>
-            <a:off x="416497" y="197768"/>
-            <a:ext cx="6412780" cy="854968"/>
-          </a:xfrm>
-        </p:spPr>
-        <p:txBody>
-          <a:bodyPr>
-            <a:noAutofit/>
-          </a:bodyPr>
-          <a:lstStyle/>
-          <a:p>
-            <a:pPr algn="ctr"/>
-            <a:r>
-              <a:rPr lang="ko-KR" altLang="en-US" sz="2800" dirty="0" smtClean="0"/>
-              <a:t>로그인 폼 만들기</a:t>
-            </a:r>
-            <a:endParaRPr lang="ko-KR" altLang="en-US" sz="2800" dirty="0"/>
-          </a:p>
-        </p:txBody>
-      </p:sp>
-      <p:sp>
-        <p:nvSpPr>
-          <p:cNvPr id="4" name="슬라이드 번호 개체 틀 3"/>
-          <p:cNvSpPr>
-            <a:spLocks noGrp="1"/>
-          </p:cNvSpPr>
-          <p:nvPr>
-            <p:ph type="sldNum" sz="quarter" idx="12"/>
-          </p:nvPr>
-        </p:nvSpPr>
-        <p:spPr/>
-        <p:txBody>
-          <a:bodyPr/>
-          <a:lstStyle/>
-          <a:p>
-            <a:fld id="{1BDE3FE7-3AEA-4B05-AC5A-802D1816ACF0}" type="slidenum">
-              <a:rPr lang="ko-KR" altLang="en-US" smtClean="0"/>
-              <a:t>12</a:t>
             </a:fld>
             <a:endParaRPr lang="ko-KR" altLang="en-US"/>
           </a:p>
@@ -5236,7 +4988,7 @@
 </p:sld>
 </file>
 
-<file path=ppt/slides/slide13.xml><?xml version="1.0" encoding="utf-8"?>
+<file path=ppt/slides/slide12.xml><?xml version="1.0" encoding="utf-8"?>
 <p:sld xmlns:a="http://schemas.openxmlformats.org/drawingml/2006/main" xmlns:r="http://schemas.openxmlformats.org/officeDocument/2006/relationships" xmlns:p="http://schemas.openxmlformats.org/presentationml/2006/main">
   <p:cSld>
     <p:spTree>
@@ -5309,7 +5061,7 @@
           <a:p>
             <a:fld id="{1BDE3FE7-3AEA-4B05-AC5A-802D1816ACF0}" type="slidenum">
               <a:rPr lang="ko-KR" altLang="en-US" smtClean="0"/>
-              <a:t>13</a:t>
+              <a:t>12</a:t>
             </a:fld>
             <a:endParaRPr lang="ko-KR" altLang="en-US"/>
           </a:p>
@@ -5522,7 +5274,7 @@
 </p:sld>
 </file>
 
-<file path=ppt/slides/slide14.xml><?xml version="1.0" encoding="utf-8"?>
+<file path=ppt/slides/slide13.xml><?xml version="1.0" encoding="utf-8"?>
 <p:sld xmlns:a="http://schemas.openxmlformats.org/drawingml/2006/main" xmlns:r="http://schemas.openxmlformats.org/officeDocument/2006/relationships" xmlns:p="http://schemas.openxmlformats.org/presentationml/2006/main">
   <p:cSld>
     <p:spTree>
@@ -5595,7 +5347,7 @@
           <a:p>
             <a:fld id="{1BDE3FE7-3AEA-4B05-AC5A-802D1816ACF0}" type="slidenum">
               <a:rPr lang="ko-KR" altLang="en-US" smtClean="0"/>
-              <a:t>14</a:t>
+              <a:t>13</a:t>
             </a:fld>
             <a:endParaRPr lang="ko-KR" altLang="en-US"/>
           </a:p>
@@ -6114,7 +5866,7 @@
 </p:sld>
 </file>
 
-<file path=ppt/slides/slide15.xml><?xml version="1.0" encoding="utf-8"?>
+<file path=ppt/slides/slide14.xml><?xml version="1.0" encoding="utf-8"?>
 <p:sld xmlns:a="http://schemas.openxmlformats.org/drawingml/2006/main" xmlns:r="http://schemas.openxmlformats.org/officeDocument/2006/relationships" xmlns:p="http://schemas.openxmlformats.org/presentationml/2006/main">
   <p:cSld>
     <p:spTree>
@@ -6187,7 +5939,7 @@
           <a:p>
             <a:fld id="{1BDE3FE7-3AEA-4B05-AC5A-802D1816ACF0}" type="slidenum">
               <a:rPr lang="ko-KR" altLang="en-US" smtClean="0"/>
-              <a:t>15</a:t>
+              <a:t>14</a:t>
             </a:fld>
             <a:endParaRPr lang="ko-KR" altLang="en-US"/>
           </a:p>
@@ -6386,6 +6138,423 @@
     <p:extLst>
       <p:ext uri="{BB962C8B-B14F-4D97-AF65-F5344CB8AC3E}">
         <p14:creationId xmlns:p14="http://schemas.microsoft.com/office/powerpoint/2010/main" val="1837016989"/>
+      </p:ext>
+    </p:extLst>
+  </p:cSld>
+  <p:clrMapOvr>
+    <a:masterClrMapping/>
+  </p:clrMapOvr>
+  <p:timing>
+    <p:tnLst>
+      <p:par>
+        <p:cTn id="1" dur="indefinite" restart="never" nodeType="tmRoot"/>
+      </p:par>
+    </p:tnLst>
+  </p:timing>
+</p:sld>
+</file>
+
+<file path=ppt/slides/slide15.xml><?xml version="1.0" encoding="utf-8"?>
+<p:sld xmlns:a="http://schemas.openxmlformats.org/drawingml/2006/main" xmlns:r="http://schemas.openxmlformats.org/officeDocument/2006/relationships" xmlns:p="http://schemas.openxmlformats.org/presentationml/2006/main">
+  <p:cSld>
+    <p:spTree>
+      <p:nvGrpSpPr>
+        <p:cNvPr id="1" name=""/>
+        <p:cNvGrpSpPr/>
+        <p:nvPr/>
+      </p:nvGrpSpPr>
+      <p:grpSpPr>
+        <a:xfrm>
+          <a:off x="0" y="0"/>
+          <a:ext cx="0" cy="0"/>
+          <a:chOff x="0" y="0"/>
+          <a:chExt cx="0" cy="0"/>
+        </a:xfrm>
+      </p:grpSpPr>
+      <p:sp>
+        <p:nvSpPr>
+          <p:cNvPr id="2" name="제목 1"/>
+          <p:cNvSpPr>
+            <a:spLocks noGrp="1"/>
+          </p:cNvSpPr>
+          <p:nvPr>
+            <p:ph type="title"/>
+          </p:nvPr>
+        </p:nvSpPr>
+        <p:spPr>
+          <a:xfrm>
+            <a:off x="416497" y="197768"/>
+            <a:ext cx="6412780" cy="854968"/>
+          </a:xfrm>
+        </p:spPr>
+        <p:txBody>
+          <a:bodyPr>
+            <a:noAutofit/>
+          </a:bodyPr>
+          <a:lstStyle/>
+          <a:p>
+            <a:pPr algn="ctr"/>
+            <a:r>
+              <a:rPr lang="ko-KR" altLang="en-US" sz="2800" dirty="0" smtClean="0"/>
+              <a:t>여러 줄 입력하는 텍스트 영역</a:t>
+            </a:r>
+            <a:endParaRPr lang="ko-KR" altLang="en-US" sz="2800" dirty="0"/>
+          </a:p>
+        </p:txBody>
+      </p:sp>
+      <p:sp>
+        <p:nvSpPr>
+          <p:cNvPr id="4" name="슬라이드 번호 개체 틀 3"/>
+          <p:cNvSpPr>
+            <a:spLocks noGrp="1"/>
+          </p:cNvSpPr>
+          <p:nvPr>
+            <p:ph type="sldNum" sz="quarter" idx="12"/>
+          </p:nvPr>
+        </p:nvSpPr>
+        <p:spPr/>
+        <p:txBody>
+          <a:bodyPr/>
+          <a:lstStyle/>
+          <a:p>
+            <a:fld id="{1BDE3FE7-3AEA-4B05-AC5A-802D1816ACF0}" type="slidenum">
+              <a:rPr lang="ko-KR" altLang="en-US" smtClean="0"/>
+              <a:t>15</a:t>
+            </a:fld>
+            <a:endParaRPr lang="ko-KR" altLang="en-US"/>
+          </a:p>
+        </p:txBody>
+      </p:sp>
+      <p:sp>
+        <p:nvSpPr>
+          <p:cNvPr id="5" name="TextBox 4"/>
+          <p:cNvSpPr txBox="1"/>
+          <p:nvPr/>
+        </p:nvSpPr>
+        <p:spPr>
+          <a:xfrm>
+            <a:off x="936104" y="1196752"/>
+            <a:ext cx="7185248" cy="2031325"/>
+          </a:xfrm>
+          <a:prstGeom prst="rect">
+            <a:avLst/>
+          </a:prstGeom>
+          <a:noFill/>
+        </p:spPr>
+        <p:txBody>
+          <a:bodyPr wrap="square" rtlCol="0">
+            <a:spAutoFit/>
+          </a:bodyPr>
+          <a:lstStyle/>
+          <a:p>
+            <a:pPr marL="285750" indent="-285750">
+              <a:lnSpc>
+                <a:spcPct val="150000"/>
+              </a:lnSpc>
+              <a:buFont typeface="Wingdings" panose="05000000000000000000" pitchFamily="2" charset="2"/>
+              <a:buChar char="l"/>
+            </a:pPr>
+            <a:r>
+              <a:rPr lang="en-US" altLang="ko-KR" sz="2000" b="1" dirty="0" smtClean="0">
+                <a:solidFill>
+                  <a:srgbClr val="C00000"/>
+                </a:solidFill>
+              </a:rPr>
+              <a:t>&lt;</a:t>
+            </a:r>
+            <a:r>
+              <a:rPr lang="en-US" altLang="ko-KR" sz="2000" b="1" dirty="0" err="1" smtClean="0">
+                <a:solidFill>
+                  <a:srgbClr val="C00000"/>
+                </a:solidFill>
+              </a:rPr>
+              <a:t>textarea</a:t>
+            </a:r>
+            <a:r>
+              <a:rPr lang="en-US" altLang="ko-KR" sz="2000" b="1" dirty="0" smtClean="0">
+                <a:solidFill>
+                  <a:srgbClr val="C00000"/>
+                </a:solidFill>
+              </a:rPr>
+              <a:t>&gt;</a:t>
+            </a:r>
+            <a:r>
+              <a:rPr lang="en-US" altLang="ko-KR" b="1" dirty="0" smtClean="0">
+                <a:solidFill>
+                  <a:srgbClr val="C00000"/>
+                </a:solidFill>
+              </a:rPr>
+              <a:t> </a:t>
+            </a:r>
+            <a:r>
+              <a:rPr lang="ko-KR" altLang="en-US" b="1" dirty="0" smtClean="0">
+                <a:solidFill>
+                  <a:srgbClr val="C00000"/>
+                </a:solidFill>
+              </a:rPr>
+              <a:t>태그 </a:t>
+            </a:r>
+            <a:r>
+              <a:rPr lang="en-US" altLang="ko-KR" b="1" dirty="0" smtClean="0">
+                <a:solidFill>
+                  <a:srgbClr val="C00000"/>
+                </a:solidFill>
+              </a:rPr>
+              <a:t>– </a:t>
+            </a:r>
+            <a:r>
+              <a:rPr lang="ko-KR" altLang="en-US" b="1" dirty="0" smtClean="0">
+                <a:solidFill>
+                  <a:srgbClr val="C00000"/>
+                </a:solidFill>
+              </a:rPr>
+              <a:t>여러 줄 입력하는 텍스트 영역 만들기</a:t>
+            </a:r>
+            <a:endParaRPr lang="en-US" altLang="ko-KR" sz="1600" b="1" dirty="0" smtClean="0">
+              <a:solidFill>
+                <a:srgbClr val="C00000"/>
+              </a:solidFill>
+            </a:endParaRPr>
+          </a:p>
+          <a:p>
+            <a:pPr marL="742950" lvl="1" indent="-285750">
+              <a:lnSpc>
+                <a:spcPct val="150000"/>
+              </a:lnSpc>
+              <a:buFont typeface="Arial" panose="020B0604020202020204" pitchFamily="34" charset="0"/>
+              <a:buChar char="•"/>
+            </a:pPr>
+            <a:r>
+              <a:rPr lang="ko-KR" altLang="en-US" sz="1600" dirty="0" smtClean="0"/>
+              <a:t>폼에서 여러 줄의 텍스트를 </a:t>
+            </a:r>
+            <a:r>
+              <a:rPr lang="ko-KR" altLang="en-US" sz="1600" dirty="0" err="1" smtClean="0"/>
+              <a:t>입력할때</a:t>
+            </a:r>
+            <a:r>
+              <a:rPr lang="ko-KR" altLang="en-US" sz="1600" dirty="0" smtClean="0"/>
+              <a:t> 사용하는 폼이다</a:t>
+            </a:r>
+            <a:r>
+              <a:rPr lang="en-US" altLang="ko-KR" sz="1600" dirty="0" smtClean="0"/>
+              <a:t>.</a:t>
+            </a:r>
+          </a:p>
+          <a:p>
+            <a:pPr marL="742950" lvl="1" indent="-285750">
+              <a:lnSpc>
+                <a:spcPct val="150000"/>
+              </a:lnSpc>
+              <a:buFont typeface="Arial" panose="020B0604020202020204" pitchFamily="34" charset="0"/>
+              <a:buChar char="•"/>
+            </a:pPr>
+            <a:r>
+              <a:rPr lang="en-US" altLang="ko-KR" sz="1600" dirty="0"/>
+              <a:t>cols </a:t>
+            </a:r>
+            <a:r>
+              <a:rPr lang="ko-KR" altLang="en-US" sz="1600" dirty="0" smtClean="0"/>
+              <a:t>속성 </a:t>
+            </a:r>
+            <a:r>
+              <a:rPr lang="en-US" altLang="ko-KR" sz="1600" dirty="0" smtClean="0"/>
+              <a:t>– </a:t>
+            </a:r>
+            <a:r>
+              <a:rPr lang="ko-KR" altLang="en-US" sz="1600" dirty="0" smtClean="0"/>
+              <a:t>몇 글자를 쓸지 지정</a:t>
+            </a:r>
+            <a:endParaRPr lang="en-US" altLang="ko-KR" sz="1600" dirty="0" smtClean="0"/>
+          </a:p>
+          <a:p>
+            <a:pPr marL="742950" lvl="1" indent="-285750">
+              <a:lnSpc>
+                <a:spcPct val="150000"/>
+              </a:lnSpc>
+              <a:buFont typeface="Arial" panose="020B0604020202020204" pitchFamily="34" charset="0"/>
+              <a:buChar char="•"/>
+            </a:pPr>
+            <a:r>
+              <a:rPr lang="en-US" altLang="ko-KR" sz="1600" dirty="0" smtClean="0"/>
+              <a:t>rows </a:t>
+            </a:r>
+            <a:r>
+              <a:rPr lang="ko-KR" altLang="en-US" sz="1600" dirty="0" smtClean="0"/>
+              <a:t>속성 </a:t>
+            </a:r>
+            <a:r>
+              <a:rPr lang="en-US" altLang="ko-KR" sz="1600" dirty="0" smtClean="0"/>
+              <a:t>- </a:t>
+            </a:r>
+            <a:r>
+              <a:rPr lang="ko-KR" altLang="en-US" sz="1600" dirty="0"/>
+              <a:t>화면에 몇 줄을 </a:t>
+            </a:r>
+            <a:r>
+              <a:rPr lang="ko-KR" altLang="en-US" sz="1600" dirty="0" smtClean="0"/>
+              <a:t>표시할 </a:t>
+            </a:r>
+            <a:r>
+              <a:rPr lang="ko-KR" altLang="en-US" sz="1600" dirty="0"/>
+              <a:t>지</a:t>
+            </a:r>
+            <a:r>
+              <a:rPr lang="ko-KR" altLang="en-US" sz="1600" dirty="0" smtClean="0"/>
+              <a:t> 지정</a:t>
+            </a:r>
+            <a:endParaRPr lang="en-US" altLang="ko-KR" sz="1600" dirty="0" smtClean="0"/>
+          </a:p>
+          <a:p>
+            <a:pPr marL="742950" lvl="1" indent="-285750">
+              <a:lnSpc>
+                <a:spcPct val="150000"/>
+              </a:lnSpc>
+              <a:buFont typeface="Arial" panose="020B0604020202020204" pitchFamily="34" charset="0"/>
+              <a:buChar char="•"/>
+            </a:pPr>
+            <a:r>
+              <a:rPr lang="en-US" altLang="ko-KR" sz="1600" dirty="0" smtClean="0"/>
+              <a:t>Placeholder </a:t>
+            </a:r>
+            <a:r>
+              <a:rPr lang="ko-KR" altLang="en-US" sz="1600" dirty="0" smtClean="0"/>
+              <a:t>속성 </a:t>
+            </a:r>
+            <a:r>
+              <a:rPr lang="en-US" altLang="ko-KR" sz="1600" dirty="0" smtClean="0"/>
+              <a:t>– </a:t>
+            </a:r>
+            <a:r>
+              <a:rPr lang="ko-KR" altLang="en-US" sz="1600" dirty="0" smtClean="0"/>
+              <a:t>힌트 안내문</a:t>
+            </a:r>
+            <a:endParaRPr lang="en-US" altLang="ko-KR" sz="1600" dirty="0" smtClean="0"/>
+          </a:p>
+        </p:txBody>
+      </p:sp>
+      <p:pic>
+        <p:nvPicPr>
+          <p:cNvPr id="7" name="그림 6"/>
+          <p:cNvPicPr>
+            <a:picLocks noChangeAspect="1"/>
+          </p:cNvPicPr>
+          <p:nvPr/>
+        </p:nvPicPr>
+        <p:blipFill>
+          <a:blip r:embed="rId2">
+            <a:extLst>
+              <a:ext uri="{28A0092B-C50C-407E-A947-70E740481C1C}">
+                <a14:useLocalDpi xmlns:a14="http://schemas.microsoft.com/office/drawing/2010/main" val="0"/>
+              </a:ext>
+            </a:extLst>
+          </a:blip>
+          <a:stretch>
+            <a:fillRect/>
+          </a:stretch>
+        </p:blipFill>
+        <p:spPr>
+          <a:xfrm>
+            <a:off x="1712640" y="3212976"/>
+            <a:ext cx="5552077" cy="1656184"/>
+          </a:xfrm>
+          <a:prstGeom prst="rect">
+            <a:avLst/>
+          </a:prstGeom>
+        </p:spPr>
+      </p:pic>
+      <p:pic>
+        <p:nvPicPr>
+          <p:cNvPr id="8" name="그림 7"/>
+          <p:cNvPicPr>
+            <a:picLocks noChangeAspect="1"/>
+          </p:cNvPicPr>
+          <p:nvPr/>
+        </p:nvPicPr>
+        <p:blipFill>
+          <a:blip r:embed="rId3">
+            <a:extLst>
+              <a:ext uri="{28A0092B-C50C-407E-A947-70E740481C1C}">
+                <a14:useLocalDpi xmlns:a14="http://schemas.microsoft.com/office/drawing/2010/main" val="0"/>
+              </a:ext>
+            </a:extLst>
+          </a:blip>
+          <a:stretch>
+            <a:fillRect/>
+          </a:stretch>
+        </p:blipFill>
+        <p:spPr>
+          <a:xfrm>
+            <a:off x="1784648" y="4742109"/>
+            <a:ext cx="6805250" cy="1783235"/>
+          </a:xfrm>
+          <a:prstGeom prst="rect">
+            <a:avLst/>
+          </a:prstGeom>
+          <a:ln>
+            <a:solidFill>
+              <a:schemeClr val="bg1">
+                <a:lumMod val="85000"/>
+              </a:schemeClr>
+            </a:solidFill>
+          </a:ln>
+        </p:spPr>
+      </p:pic>
+      <p:sp>
+        <p:nvSpPr>
+          <p:cNvPr id="9" name="TextBox 8"/>
+          <p:cNvSpPr txBox="1"/>
+          <p:nvPr/>
+        </p:nvSpPr>
+        <p:spPr>
+          <a:xfrm>
+            <a:off x="7617296" y="4983559"/>
+            <a:ext cx="1656184" cy="461665"/>
+          </a:xfrm>
+          <a:prstGeom prst="rect">
+            <a:avLst/>
+          </a:prstGeom>
+          <a:noFill/>
+        </p:spPr>
+        <p:txBody>
+          <a:bodyPr wrap="square" rtlCol="0">
+            <a:spAutoFit/>
+          </a:bodyPr>
+          <a:lstStyle/>
+          <a:p>
+            <a:pPr>
+              <a:lnSpc>
+                <a:spcPct val="150000"/>
+              </a:lnSpc>
+            </a:pPr>
+            <a:r>
+              <a:rPr lang="en-US" altLang="ko-KR" sz="1600" dirty="0" smtClean="0">
+                <a:solidFill>
+                  <a:srgbClr val="C00000"/>
+                </a:solidFill>
+              </a:rPr>
+              <a:t>textarea.html </a:t>
+            </a:r>
+            <a:r>
+              <a:rPr lang="ko-KR" altLang="en-US" sz="1600" dirty="0" smtClean="0">
+                <a:solidFill>
+                  <a:srgbClr val="C00000"/>
+                </a:solidFill>
+              </a:rPr>
+              <a:t> </a:t>
+            </a:r>
+            <a:endParaRPr lang="en-US" altLang="ko-KR" sz="1600" dirty="0" smtClean="0">
+              <a:solidFill>
+                <a:srgbClr val="C00000"/>
+              </a:solidFill>
+            </a:endParaRPr>
+          </a:p>
+        </p:txBody>
+      </p:sp>
+    </p:spTree>
+    <p:extLst>
+      <p:ext uri="{BB962C8B-B14F-4D97-AF65-F5344CB8AC3E}">
+        <p14:creationId xmlns:p14="http://schemas.microsoft.com/office/powerpoint/2010/main" val="1118775467"/>
       </p:ext>
     </p:extLst>
   </p:cSld>
@@ -6443,10 +6612,9 @@
           <a:p>
             <a:pPr algn="ctr"/>
             <a:r>
-              <a:rPr lang="ko-KR" altLang="en-US" sz="2800" dirty="0" smtClean="0"/>
-              <a:t>여러 줄 입력하는 텍스트 영역</a:t>
-            </a:r>
-            <a:endParaRPr lang="ko-KR" altLang="en-US" sz="2800" dirty="0"/>
+              <a:rPr lang="ko-KR" altLang="en-US" sz="2800" dirty="0"/>
+              <a:t>여러 데이터 나열해 표시하기</a:t>
+            </a:r>
           </a:p>
         </p:txBody>
       </p:sp>
@@ -6481,8 +6649,8 @@
         </p:nvSpPr>
         <p:spPr>
           <a:xfrm>
-            <a:off x="936104" y="1196752"/>
-            <a:ext cx="7185248" cy="2031325"/>
+            <a:off x="1152128" y="1235368"/>
+            <a:ext cx="8121352" cy="969496"/>
           </a:xfrm>
           <a:prstGeom prst="rect">
             <a:avLst/>
@@ -6508,31 +6676,7 @@
                   <a:srgbClr val="C00000"/>
                 </a:solidFill>
               </a:rPr>
-              <a:t>&lt;</a:t>
-            </a:r>
-            <a:r>
-              <a:rPr lang="en-US" altLang="ko-KR" sz="2000" b="1" dirty="0" err="1" smtClean="0">
-                <a:solidFill>
-                  <a:srgbClr val="C00000"/>
-                </a:solidFill>
-              </a:rPr>
-              <a:t>textarea</a:t>
-            </a:r>
-            <a:r>
-              <a:rPr lang="en-US" altLang="ko-KR" sz="2000" b="1" dirty="0" smtClean="0">
-                <a:solidFill>
-                  <a:srgbClr val="C00000"/>
-                </a:solidFill>
-              </a:rPr>
-              <a:t>&gt;</a:t>
-            </a:r>
-            <a:r>
-              <a:rPr lang="en-US" altLang="ko-KR" b="1" dirty="0" smtClean="0">
-                <a:solidFill>
-                  <a:srgbClr val="C00000"/>
-                </a:solidFill>
-              </a:rPr>
-              <a:t> </a:t>
+              <a:t>&lt;select&gt; ~&lt;option&gt; </a:t>
             </a:r>
             <a:r>
               <a:rPr lang="ko-KR" altLang="en-US" b="1" dirty="0" smtClean="0">
@@ -6542,148 +6686,171 @@
               </a:rPr>
               <a:t>태그 </a:t>
             </a:r>
+            <a:endParaRPr lang="en-US" altLang="ko-KR" b="1" dirty="0" smtClean="0">
+              <a:solidFill>
+                <a:srgbClr val="C00000"/>
+              </a:solidFill>
+            </a:endParaRPr>
+          </a:p>
+          <a:p>
+            <a:pPr>
+              <a:lnSpc>
+                <a:spcPct val="150000"/>
+              </a:lnSpc>
+            </a:pPr>
+            <a:r>
+              <a:rPr lang="en-US" altLang="ko-KR" b="1" dirty="0">
+                <a:solidFill>
+                  <a:srgbClr val="C00000"/>
+                </a:solidFill>
+              </a:rPr>
+              <a:t> </a:t>
+            </a:r>
             <a:r>
               <a:rPr lang="en-US" altLang="ko-KR" b="1" dirty="0" smtClean="0">
                 <a:solidFill>
                   <a:srgbClr val="C00000"/>
                 </a:solidFill>
               </a:rPr>
+              <a:t>  </a:t>
+            </a:r>
+            <a:r>
+              <a:rPr lang="en-US" altLang="ko-KR" dirty="0" smtClean="0"/>
               <a:t>– </a:t>
             </a:r>
             <a:r>
-              <a:rPr lang="ko-KR" altLang="en-US" b="1" dirty="0" smtClean="0">
-                <a:solidFill>
-                  <a:srgbClr val="C00000"/>
-                </a:solidFill>
-              </a:rPr>
-              <a:t>여러 줄 입력하는 텍스트 영역 만들기</a:t>
-            </a:r>
-            <a:endParaRPr lang="en-US" altLang="ko-KR" sz="1600" b="1" dirty="0" smtClean="0">
-              <a:solidFill>
-                <a:srgbClr val="C00000"/>
-              </a:solidFill>
-            </a:endParaRPr>
-          </a:p>
-          <a:p>
-            <a:pPr marL="742950" lvl="1" indent="-285750">
-              <a:lnSpc>
-                <a:spcPct val="150000"/>
-              </a:lnSpc>
-              <a:buFont typeface="Arial" panose="020B0604020202020204" pitchFamily="34" charset="0"/>
-              <a:buChar char="•"/>
-            </a:pPr>
+              <a:rPr lang="ko-KR" altLang="en-US" dirty="0" smtClean="0"/>
+              <a:t>목록</a:t>
+            </a:r>
+            <a:r>
+              <a:rPr lang="en-US" altLang="ko-KR" dirty="0" smtClean="0"/>
+              <a:t>(</a:t>
+            </a:r>
+            <a:r>
+              <a:rPr lang="ko-KR" altLang="en-US" dirty="0" smtClean="0"/>
+              <a:t>리스트</a:t>
+            </a:r>
+            <a:r>
+              <a:rPr lang="en-US" altLang="ko-KR" dirty="0" smtClean="0"/>
+              <a:t>) </a:t>
+            </a:r>
+            <a:r>
+              <a:rPr lang="ko-KR" altLang="en-US" dirty="0" smtClean="0"/>
+              <a:t>형태로 여러 데이터를 나열해 표시하고 선택하는 태그</a:t>
+            </a:r>
+            <a:endParaRPr lang="en-US" altLang="ko-KR" sz="1600" dirty="0" smtClean="0"/>
+          </a:p>
+        </p:txBody>
+      </p:sp>
+      <p:sp>
+        <p:nvSpPr>
+          <p:cNvPr id="6" name="TextBox 5"/>
+          <p:cNvSpPr txBox="1"/>
+          <p:nvPr/>
+        </p:nvSpPr>
+        <p:spPr>
+          <a:xfrm>
+            <a:off x="1928664" y="2276872"/>
+            <a:ext cx="3024336" cy="1323439"/>
+          </a:xfrm>
+          <a:prstGeom prst="rect">
+            <a:avLst/>
+          </a:prstGeom>
+          <a:noFill/>
+          <a:ln>
+            <a:solidFill>
+              <a:schemeClr val="bg1">
+                <a:lumMod val="85000"/>
+              </a:schemeClr>
+            </a:solidFill>
+          </a:ln>
+        </p:spPr>
+        <p:txBody>
+          <a:bodyPr wrap="square" rtlCol="0">
+            <a:spAutoFit/>
+          </a:bodyPr>
+          <a:lstStyle/>
+          <a:p>
+            <a:r>
+              <a:rPr lang="en-US" altLang="ko-KR" sz="1600" dirty="0" smtClean="0"/>
+              <a:t>&lt;select&gt;</a:t>
+            </a:r>
+          </a:p>
+          <a:p>
+            <a:r>
+              <a:rPr lang="en-US" altLang="ko-KR" sz="1600" dirty="0" smtClean="0"/>
+              <a:t>  &lt;option&gt;</a:t>
+            </a:r>
             <a:r>
               <a:rPr lang="ko-KR" altLang="en-US" sz="1600" dirty="0" smtClean="0"/>
-              <a:t>폼에서 여러 줄의 텍스트를 </a:t>
-            </a:r>
-            <a:r>
-              <a:rPr lang="ko-KR" altLang="en-US" sz="1600" dirty="0" err="1" smtClean="0"/>
-              <a:t>입력할때</a:t>
+              <a:t>내용</a:t>
+            </a:r>
+            <a:r>
+              <a:rPr lang="en-US" altLang="ko-KR" sz="1600" dirty="0" smtClean="0"/>
+              <a:t>1&lt;/option&gt;</a:t>
+            </a:r>
+            <a:endParaRPr lang="en-US" altLang="ko-KR" sz="1600" dirty="0"/>
+          </a:p>
+          <a:p>
+            <a:r>
+              <a:rPr lang="en-US" altLang="ko-KR" sz="1600" dirty="0" smtClean="0"/>
+              <a:t>  </a:t>
+            </a:r>
+            <a:r>
+              <a:rPr lang="en-US" altLang="ko-KR" sz="1600" dirty="0"/>
+              <a:t>&lt;option&gt;</a:t>
             </a:r>
             <a:r>
               <a:rPr lang="ko-KR" altLang="en-US" sz="1600" dirty="0" smtClean="0"/>
-              <a:t> 사용하는 폼이다</a:t>
+              <a:t>내용</a:t>
             </a:r>
             <a:r>
               <a:rPr lang="en-US" altLang="ko-KR" sz="1600" dirty="0" smtClean="0"/>
-              <a:t>.</a:t>
-            </a:r>
-          </a:p>
-          <a:p>
-            <a:pPr marL="742950" lvl="1" indent="-285750">
-              <a:lnSpc>
-                <a:spcPct val="150000"/>
-              </a:lnSpc>
-              <a:buFont typeface="Arial" panose="020B0604020202020204" pitchFamily="34" charset="0"/>
-              <a:buChar char="•"/>
-            </a:pPr>
+              <a:t>2&lt;/</a:t>
+            </a:r>
             <a:r>
               <a:rPr lang="en-US" altLang="ko-KR" sz="1600" dirty="0"/>
-              <a:t>cols </a:t>
+              <a:t>option&gt;</a:t>
+            </a:r>
+          </a:p>
+          <a:p>
+            <a:r>
+              <a:rPr lang="en-US" altLang="ko-KR" sz="1600" dirty="0" smtClean="0"/>
+              <a:t>  </a:t>
+            </a:r>
+            <a:r>
+              <a:rPr lang="en-US" altLang="ko-KR" sz="1600" dirty="0"/>
+              <a:t>&lt;option&gt;</a:t>
             </a:r>
             <a:r>
               <a:rPr lang="ko-KR" altLang="en-US" sz="1600" dirty="0" smtClean="0"/>
-              <a:t>속성 </a:t>
+              <a:t>내용</a:t>
             </a:r>
             <a:r>
               <a:rPr lang="en-US" altLang="ko-KR" sz="1600" dirty="0" smtClean="0"/>
-              <a:t>– </a:t>
-            </a:r>
-            <a:r>
-              <a:rPr lang="ko-KR" altLang="en-US" sz="1600" dirty="0" smtClean="0"/>
-              <a:t>몇 글자를 쓸지 지정</a:t>
-            </a:r>
-            <a:endParaRPr lang="en-US" altLang="ko-KR" sz="1600" dirty="0" smtClean="0"/>
-          </a:p>
-          <a:p>
-            <a:pPr marL="742950" lvl="1" indent="-285750">
-              <a:lnSpc>
-                <a:spcPct val="150000"/>
-              </a:lnSpc>
-              <a:buFont typeface="Arial" panose="020B0604020202020204" pitchFamily="34" charset="0"/>
-              <a:buChar char="•"/>
-            </a:pPr>
+              <a:t>3&lt;/</a:t>
+            </a:r>
+            <a:r>
+              <a:rPr lang="en-US" altLang="ko-KR" sz="1600" dirty="0"/>
+              <a:t>option</a:t>
+            </a:r>
             <a:r>
               <a:rPr lang="en-US" altLang="ko-KR" sz="1600" dirty="0" smtClean="0"/>
-              <a:t>rows </a:t>
-            </a:r>
-            <a:r>
-              <a:rPr lang="ko-KR" altLang="en-US" sz="1600" dirty="0" smtClean="0"/>
-              <a:t>속성 </a:t>
-            </a:r>
+              <a:t>&gt;</a:t>
+            </a:r>
+          </a:p>
+          <a:p>
             <a:r>
               <a:rPr lang="en-US" altLang="ko-KR" sz="1600" dirty="0" smtClean="0"/>
-              <a:t>- </a:t>
-            </a:r>
-            <a:r>
-              <a:rPr lang="ko-KR" altLang="en-US" sz="1600" dirty="0"/>
-              <a:t>화면에 몇 줄을 </a:t>
-            </a:r>
-            <a:r>
-              <a:rPr lang="ko-KR" altLang="en-US" sz="1600" dirty="0" smtClean="0"/>
-              <a:t>표시할 </a:t>
-            </a:r>
-            <a:r>
-              <a:rPr lang="ko-KR" altLang="en-US" sz="1600" dirty="0"/>
-              <a:t>지</a:t>
-            </a:r>
-            <a:r>
-              <a:rPr lang="ko-KR" altLang="en-US" sz="1600" dirty="0" smtClean="0"/>
-              <a:t> 지정</a:t>
-            </a:r>
-            <a:endParaRPr lang="en-US" altLang="ko-KR" sz="1600" dirty="0" smtClean="0"/>
-          </a:p>
-          <a:p>
-            <a:pPr marL="742950" lvl="1" indent="-285750">
-              <a:lnSpc>
-                <a:spcPct val="150000"/>
-              </a:lnSpc>
-              <a:buFont typeface="Arial" panose="020B0604020202020204" pitchFamily="34" charset="0"/>
-              <a:buChar char="•"/>
-            </a:pPr>
-            <a:r>
-              <a:rPr lang="en-US" altLang="ko-KR" sz="1600" dirty="0" smtClean="0"/>
-              <a:t>Placeholder </a:t>
-            </a:r>
-            <a:r>
-              <a:rPr lang="ko-KR" altLang="en-US" sz="1600" dirty="0" smtClean="0"/>
-              <a:t>속성 </a:t>
-            </a:r>
-            <a:r>
-              <a:rPr lang="en-US" altLang="ko-KR" sz="1600" dirty="0" smtClean="0"/>
-              <a:t>– </a:t>
-            </a:r>
-            <a:r>
-              <a:rPr lang="ko-KR" altLang="en-US" sz="1600" dirty="0" smtClean="0"/>
-              <a:t>힌트 안내문</a:t>
-            </a:r>
-            <a:endParaRPr lang="en-US" altLang="ko-KR" sz="1600" dirty="0" smtClean="0"/>
+              <a:t>&lt;/select&gt;</a:t>
+            </a:r>
+            <a:endParaRPr lang="ko-KR" altLang="en-US" sz="1600" dirty="0"/>
           </a:p>
         </p:txBody>
       </p:sp>
       <p:pic>
         <p:nvPicPr>
-          <p:cNvPr id="7" name="그림 6"/>
+          <p:cNvPr id="3" name="그림 2"/>
           <p:cNvPicPr>
             <a:picLocks noChangeAspect="1"/>
           </p:cNvPicPr>
@@ -6703,106 +6870,18 @@
         </p:blipFill>
         <p:spPr>
           <a:xfrm>
-            <a:off x="1712640" y="3212976"/>
-            <a:ext cx="5552077" cy="1656184"/>
+            <a:off x="2648744" y="3861048"/>
+            <a:ext cx="4608512" cy="2483671"/>
           </a:xfrm>
           <a:prstGeom prst="rect">
             <a:avLst/>
           </a:prstGeom>
         </p:spPr>
       </p:pic>
-      <p:pic>
-        <p:nvPicPr>
-          <p:cNvPr id="8" name="그림 7"/>
-          <p:cNvPicPr>
-            <a:picLocks noChangeAspect="1"/>
-          </p:cNvPicPr>
-          <p:nvPr/>
-        </p:nvPicPr>
-        <p:blipFill>
-          <a:blip r:embed="rId3">
-            <a:extLst>
-              <a:ext uri="{28A0092B-C50C-407E-A947-70E740481C1C}">
-                <a14:useLocalDpi xmlns:a14="http://schemas.microsoft.com/office/drawing/2010/main" val="0"/>
-              </a:ext>
-            </a:extLst>
-          </a:blip>
-          <a:stretch>
-            <a:fillRect/>
-          </a:stretch>
-        </p:blipFill>
-        <p:spPr>
-          <a:xfrm>
-            <a:off x="1784648" y="4742109"/>
-            <a:ext cx="6805250" cy="1783235"/>
-          </a:xfrm>
-          <a:prstGeom prst="rect">
-            <a:avLst/>
-          </a:prstGeom>
-          <a:ln>
-            <a:solidFill>
-              <a:schemeClr val="bg1">
-                <a:lumMod val="85000"/>
-              </a:schemeClr>
-            </a:solidFill>
-          </a:ln>
-        </p:spPr>
-      </p:pic>
-      <p:sp>
-        <p:nvSpPr>
-          <p:cNvPr id="9" name="TextBox 8"/>
-          <p:cNvSpPr txBox="1"/>
-          <p:nvPr/>
-        </p:nvSpPr>
-        <p:spPr>
-          <a:xfrm>
-            <a:off x="7617296" y="4983559"/>
-            <a:ext cx="1656184" cy="461665"/>
-          </a:xfrm>
-          <a:prstGeom prst="rect">
-            <a:avLst/>
-          </a:prstGeom>
-          <a:noFill/>
-        </p:spPr>
-        <p:txBody>
-          <a:bodyPr wrap="square" rtlCol="0">
-            <a:spAutoFit/>
-          </a:bodyPr>
-          <a:lstStyle/>
-          <a:p>
-            <a:pPr>
-              <a:lnSpc>
-                <a:spcPct val="150000"/>
-              </a:lnSpc>
-            </a:pPr>
-            <a:r>
-              <a:rPr lang="en-US" altLang="ko-KR" sz="1600" dirty="0" smtClean="0">
-                <a:solidFill>
-                  <a:srgbClr val="C00000"/>
-                </a:solidFill>
-              </a:rPr>
-              <a:t>textarea.html </a:t>
-            </a:r>
-            <a:r>
-              <a:rPr lang="ko-KR" altLang="en-US" sz="1600" dirty="0" smtClean="0">
-                <a:solidFill>
-                  <a:srgbClr val="C00000"/>
-                </a:solidFill>
-              </a:rPr>
-              <a:t> </a:t>
-            </a:r>
-            <a:endParaRPr lang="en-US" altLang="ko-KR" sz="1600" dirty="0" smtClean="0">
-              <a:solidFill>
-                <a:srgbClr val="C00000"/>
-              </a:solidFill>
-            </a:endParaRPr>
-          </a:p>
-        </p:txBody>
-      </p:sp>
     </p:spTree>
     <p:extLst>
       <p:ext uri="{BB962C8B-B14F-4D97-AF65-F5344CB8AC3E}">
-        <p14:creationId xmlns:p14="http://schemas.microsoft.com/office/powerpoint/2010/main" val="1118775467"/>
+        <p14:creationId xmlns:p14="http://schemas.microsoft.com/office/powerpoint/2010/main" val="772814572"/>
       </p:ext>
     </p:extLst>
   </p:cSld>
@@ -6889,213 +6968,6 @@
           </a:p>
         </p:txBody>
       </p:sp>
-      <p:sp>
-        <p:nvSpPr>
-          <p:cNvPr id="5" name="TextBox 4"/>
-          <p:cNvSpPr txBox="1"/>
-          <p:nvPr/>
-        </p:nvSpPr>
-        <p:spPr>
-          <a:xfrm>
-            <a:off x="1152128" y="1235368"/>
-            <a:ext cx="8121352" cy="969496"/>
-          </a:xfrm>
-          <a:prstGeom prst="rect">
-            <a:avLst/>
-          </a:prstGeom>
-          <a:noFill/>
-        </p:spPr>
-        <p:txBody>
-          <a:bodyPr wrap="square" rtlCol="0">
-            <a:spAutoFit/>
-          </a:bodyPr>
-          <a:lstStyle/>
-          <a:p>
-            <a:pPr marL="285750" indent="-285750">
-              <a:lnSpc>
-                <a:spcPct val="150000"/>
-              </a:lnSpc>
-              <a:buFont typeface="Wingdings" panose="05000000000000000000" pitchFamily="2" charset="2"/>
-              <a:buChar char="l"/>
-            </a:pPr>
-            <a:r>
-              <a:rPr lang="en-US" altLang="ko-KR" sz="2000" b="1" dirty="0" smtClean="0">
-                <a:solidFill>
-                  <a:srgbClr val="C00000"/>
-                </a:solidFill>
-              </a:rPr>
-              <a:t>&lt;select&gt; ~&lt;option&gt; </a:t>
-            </a:r>
-            <a:r>
-              <a:rPr lang="ko-KR" altLang="en-US" b="1" dirty="0" smtClean="0">
-                <a:solidFill>
-                  <a:srgbClr val="C00000"/>
-                </a:solidFill>
-              </a:rPr>
-              <a:t>태그 </a:t>
-            </a:r>
-            <a:endParaRPr lang="en-US" altLang="ko-KR" b="1" dirty="0" smtClean="0">
-              <a:solidFill>
-                <a:srgbClr val="C00000"/>
-              </a:solidFill>
-            </a:endParaRPr>
-          </a:p>
-          <a:p>
-            <a:pPr>
-              <a:lnSpc>
-                <a:spcPct val="150000"/>
-              </a:lnSpc>
-            </a:pPr>
-            <a:r>
-              <a:rPr lang="en-US" altLang="ko-KR" b="1" dirty="0">
-                <a:solidFill>
-                  <a:srgbClr val="C00000"/>
-                </a:solidFill>
-              </a:rPr>
-              <a:t> </a:t>
-            </a:r>
-            <a:r>
-              <a:rPr lang="en-US" altLang="ko-KR" b="1" dirty="0" smtClean="0">
-                <a:solidFill>
-                  <a:srgbClr val="C00000"/>
-                </a:solidFill>
-              </a:rPr>
-              <a:t>  </a:t>
-            </a:r>
-            <a:r>
-              <a:rPr lang="en-US" altLang="ko-KR" dirty="0" smtClean="0"/>
-              <a:t>– </a:t>
-            </a:r>
-            <a:r>
-              <a:rPr lang="ko-KR" altLang="en-US" dirty="0" smtClean="0"/>
-              <a:t>목록</a:t>
-            </a:r>
-            <a:r>
-              <a:rPr lang="en-US" altLang="ko-KR" dirty="0" smtClean="0"/>
-              <a:t>(</a:t>
-            </a:r>
-            <a:r>
-              <a:rPr lang="ko-KR" altLang="en-US" dirty="0" smtClean="0"/>
-              <a:t>리스트</a:t>
-            </a:r>
-            <a:r>
-              <a:rPr lang="en-US" altLang="ko-KR" dirty="0" smtClean="0"/>
-              <a:t>) </a:t>
-            </a:r>
-            <a:r>
-              <a:rPr lang="ko-KR" altLang="en-US" dirty="0" smtClean="0"/>
-              <a:t>형태로 여러 데이터를 나열해 표시하고 선택하는 태그</a:t>
-            </a:r>
-            <a:endParaRPr lang="en-US" altLang="ko-KR" sz="1600" dirty="0" smtClean="0"/>
-          </a:p>
-        </p:txBody>
-      </p:sp>
-      <p:sp>
-        <p:nvSpPr>
-          <p:cNvPr id="6" name="TextBox 5"/>
-          <p:cNvSpPr txBox="1"/>
-          <p:nvPr/>
-        </p:nvSpPr>
-        <p:spPr>
-          <a:xfrm>
-            <a:off x="1928664" y="2276872"/>
-            <a:ext cx="3024336" cy="1323439"/>
-          </a:xfrm>
-          <a:prstGeom prst="rect">
-            <a:avLst/>
-          </a:prstGeom>
-          <a:noFill/>
-          <a:ln>
-            <a:solidFill>
-              <a:schemeClr val="bg1">
-                <a:lumMod val="85000"/>
-              </a:schemeClr>
-            </a:solidFill>
-          </a:ln>
-        </p:spPr>
-        <p:txBody>
-          <a:bodyPr wrap="square" rtlCol="0">
-            <a:spAutoFit/>
-          </a:bodyPr>
-          <a:lstStyle/>
-          <a:p>
-            <a:r>
-              <a:rPr lang="en-US" altLang="ko-KR" sz="1600" dirty="0" smtClean="0"/>
-              <a:t>&lt;select&gt;</a:t>
-            </a:r>
-          </a:p>
-          <a:p>
-            <a:r>
-              <a:rPr lang="en-US" altLang="ko-KR" sz="1600" dirty="0" smtClean="0"/>
-              <a:t>  &lt;option&gt;</a:t>
-            </a:r>
-            <a:r>
-              <a:rPr lang="ko-KR" altLang="en-US" sz="1600" dirty="0" smtClean="0"/>
-              <a:t>내용</a:t>
-            </a:r>
-            <a:r>
-              <a:rPr lang="en-US" altLang="ko-KR" sz="1600" dirty="0" smtClean="0"/>
-              <a:t>1&lt;/option&gt;</a:t>
-            </a:r>
-            <a:endParaRPr lang="en-US" altLang="ko-KR" sz="1600" dirty="0"/>
-          </a:p>
-          <a:p>
-            <a:r>
-              <a:rPr lang="en-US" altLang="ko-KR" sz="1600" dirty="0" smtClean="0"/>
-              <a:t>  </a:t>
-            </a:r>
-            <a:r>
-              <a:rPr lang="en-US" altLang="ko-KR" sz="1600" dirty="0"/>
-              <a:t>&lt;option&gt;</a:t>
-            </a:r>
-            <a:r>
-              <a:rPr lang="ko-KR" altLang="en-US" sz="1600" dirty="0" smtClean="0"/>
-              <a:t>내용</a:t>
-            </a:r>
-            <a:r>
-              <a:rPr lang="en-US" altLang="ko-KR" sz="1600" dirty="0" smtClean="0"/>
-              <a:t>2&lt;/</a:t>
-            </a:r>
-            <a:r>
-              <a:rPr lang="en-US" altLang="ko-KR" sz="1600" dirty="0"/>
-              <a:t>option&gt;</a:t>
-            </a:r>
-          </a:p>
-          <a:p>
-            <a:r>
-              <a:rPr lang="en-US" altLang="ko-KR" sz="1600" dirty="0" smtClean="0"/>
-              <a:t>  </a:t>
-            </a:r>
-            <a:r>
-              <a:rPr lang="en-US" altLang="ko-KR" sz="1600" dirty="0"/>
-              <a:t>&lt;option&gt;</a:t>
-            </a:r>
-            <a:r>
-              <a:rPr lang="ko-KR" altLang="en-US" sz="1600" dirty="0" smtClean="0"/>
-              <a:t>내용</a:t>
-            </a:r>
-            <a:r>
-              <a:rPr lang="en-US" altLang="ko-KR" sz="1600" dirty="0" smtClean="0"/>
-              <a:t>3&lt;/</a:t>
-            </a:r>
-            <a:r>
-              <a:rPr lang="en-US" altLang="ko-KR" sz="1600" dirty="0"/>
-              <a:t>option</a:t>
-            </a:r>
-            <a:r>
-              <a:rPr lang="en-US" altLang="ko-KR" sz="1600" dirty="0" smtClean="0"/>
-              <a:t>&gt;</a:t>
-            </a:r>
-          </a:p>
-          <a:p>
-            <a:r>
-              <a:rPr lang="en-US" altLang="ko-KR" sz="1600" dirty="0" smtClean="0"/>
-              <a:t>&lt;/select&gt;</a:t>
-            </a:r>
-            <a:endParaRPr lang="ko-KR" altLang="en-US" sz="1600" dirty="0"/>
-          </a:p>
-        </p:txBody>
-      </p:sp>
       <p:pic>
         <p:nvPicPr>
           <p:cNvPr id="3" name="그림 2"/>
@@ -7118,18 +6990,76 @@
         </p:blipFill>
         <p:spPr>
           <a:xfrm>
-            <a:off x="2648744" y="3861048"/>
-            <a:ext cx="4608512" cy="2483671"/>
+            <a:off x="1496616" y="1202660"/>
+            <a:ext cx="6214503" cy="5156325"/>
           </a:xfrm>
           <a:prstGeom prst="rect">
             <a:avLst/>
           </a:prstGeom>
+          <a:ln>
+            <a:solidFill>
+              <a:schemeClr val="bg1">
+                <a:lumMod val="85000"/>
+              </a:schemeClr>
+            </a:solidFill>
+          </a:ln>
         </p:spPr>
       </p:pic>
+      <p:sp>
+        <p:nvSpPr>
+          <p:cNvPr id="9" name="TextBox 8"/>
+          <p:cNvSpPr txBox="1"/>
+          <p:nvPr/>
+        </p:nvSpPr>
+        <p:spPr>
+          <a:xfrm>
+            <a:off x="6813574" y="1556792"/>
+            <a:ext cx="1512168" cy="461665"/>
+          </a:xfrm>
+          <a:prstGeom prst="rect">
+            <a:avLst/>
+          </a:prstGeom>
+          <a:noFill/>
+        </p:spPr>
+        <p:txBody>
+          <a:bodyPr wrap="square" rtlCol="0">
+            <a:spAutoFit/>
+          </a:bodyPr>
+          <a:lstStyle/>
+          <a:p>
+            <a:pPr>
+              <a:lnSpc>
+                <a:spcPct val="150000"/>
+              </a:lnSpc>
+            </a:pPr>
+            <a:r>
+              <a:rPr lang="en-US" altLang="ko-KR" sz="1600" dirty="0" smtClean="0">
+                <a:solidFill>
+                  <a:srgbClr val="C00000"/>
+                </a:solidFill>
+              </a:rPr>
+              <a:t>select.html </a:t>
+            </a:r>
+            <a:r>
+              <a:rPr lang="ko-KR" altLang="en-US" sz="1600" dirty="0" smtClean="0">
+                <a:solidFill>
+                  <a:srgbClr val="C00000"/>
+                </a:solidFill>
+              </a:rPr>
+              <a:t> </a:t>
+            </a:r>
+            <a:endParaRPr lang="en-US" altLang="ko-KR" sz="1600" dirty="0" smtClean="0">
+              <a:solidFill>
+                <a:srgbClr val="C00000"/>
+              </a:solidFill>
+            </a:endParaRPr>
+          </a:p>
+        </p:txBody>
+      </p:sp>
     </p:spTree>
     <p:extLst>
       <p:ext uri="{BB962C8B-B14F-4D97-AF65-F5344CB8AC3E}">
-        <p14:creationId xmlns:p14="http://schemas.microsoft.com/office/powerpoint/2010/main" val="772814572"/>
+        <p14:creationId xmlns:p14="http://schemas.microsoft.com/office/powerpoint/2010/main" val="3180367487"/>
       </p:ext>
     </p:extLst>
   </p:cSld>
@@ -7216,9 +7146,68 @@
           </a:p>
         </p:txBody>
       </p:sp>
+      <p:sp>
+        <p:nvSpPr>
+          <p:cNvPr id="9" name="TextBox 8"/>
+          <p:cNvSpPr txBox="1"/>
+          <p:nvPr/>
+        </p:nvSpPr>
+        <p:spPr>
+          <a:xfrm>
+            <a:off x="5817096" y="1715616"/>
+            <a:ext cx="1224136" cy="461665"/>
+          </a:xfrm>
+          <a:prstGeom prst="rect">
+            <a:avLst/>
+          </a:prstGeom>
+          <a:noFill/>
+        </p:spPr>
+        <p:txBody>
+          <a:bodyPr wrap="square" rtlCol="0">
+            <a:spAutoFit/>
+          </a:bodyPr>
+          <a:lstStyle/>
+          <a:p>
+            <a:pPr>
+              <a:lnSpc>
+                <a:spcPct val="150000"/>
+              </a:lnSpc>
+            </a:pPr>
+            <a:r>
+              <a:rPr lang="en-US" altLang="ko-KR" sz="1600" dirty="0">
+                <a:solidFill>
+                  <a:srgbClr val="C00000"/>
+                </a:solidFill>
+              </a:rPr>
+              <a:t>m</a:t>
+            </a:r>
+            <a:r>
+              <a:rPr lang="en-US" altLang="ko-KR" sz="1600" dirty="0" smtClean="0">
+                <a:solidFill>
+                  <a:srgbClr val="C00000"/>
+                </a:solidFill>
+              </a:rPr>
+              <a:t>ajor.css </a:t>
+            </a:r>
+            <a:r>
+              <a:rPr lang="ko-KR" altLang="en-US" sz="1600" dirty="0" smtClean="0">
+                <a:solidFill>
+                  <a:srgbClr val="C00000"/>
+                </a:solidFill>
+              </a:rPr>
+              <a:t> </a:t>
+            </a:r>
+            <a:endParaRPr lang="en-US" altLang="ko-KR" sz="1600" dirty="0" smtClean="0">
+              <a:solidFill>
+                <a:srgbClr val="C00000"/>
+              </a:solidFill>
+            </a:endParaRPr>
+          </a:p>
+        </p:txBody>
+      </p:sp>
       <p:pic>
         <p:nvPicPr>
-          <p:cNvPr id="3" name="그림 2"/>
+          <p:cNvPr id="5" name="그림 4"/>
           <p:cNvPicPr>
             <a:picLocks noChangeAspect="1"/>
           </p:cNvPicPr>
@@ -7238,8 +7227,8 @@
         </p:blipFill>
         <p:spPr>
           <a:xfrm>
-            <a:off x="1496616" y="1202660"/>
-            <a:ext cx="6214503" cy="5156325"/>
+            <a:off x="1755284" y="1412776"/>
+            <a:ext cx="4061812" cy="4107536"/>
           </a:xfrm>
           <a:prstGeom prst="rect">
             <a:avLst/>
@@ -7253,61 +7242,10 @@
           </a:ln>
         </p:spPr>
       </p:pic>
-      <p:sp>
-        <p:nvSpPr>
-          <p:cNvPr id="9" name="TextBox 8"/>
-          <p:cNvSpPr txBox="1"/>
-          <p:nvPr/>
-        </p:nvSpPr>
-        <p:spPr>
-          <a:xfrm>
-            <a:off x="6813574" y="1556792"/>
-            <a:ext cx="1512168" cy="461665"/>
-          </a:xfrm>
-          <a:prstGeom prst="rect">
-            <a:avLst/>
-          </a:prstGeom>
-          <a:noFill/>
-        </p:spPr>
-        <p:txBody>
-          <a:bodyPr wrap="square" rtlCol="0">
-            <a:spAutoFit/>
-          </a:bodyPr>
-          <a:lstStyle/>
-          <a:p>
-            <a:pPr>
-              <a:lnSpc>
-                <a:spcPct val="150000"/>
-              </a:lnSpc>
-            </a:pPr>
-            <a:r>
-              <a:rPr lang="en-US" altLang="ko-KR" sz="1600" dirty="0" smtClean="0">
-                <a:solidFill>
-                  <a:srgbClr val="C00000"/>
-                </a:solidFill>
-              </a:rPr>
-              <a:t>select.html </a:t>
-            </a:r>
-            <a:r>
-              <a:rPr lang="ko-KR" altLang="en-US" sz="1600" dirty="0" smtClean="0">
-                <a:solidFill>
-                  <a:srgbClr val="C00000"/>
-                </a:solidFill>
-              </a:rPr>
-              <a:t> </a:t>
-            </a:r>
-            <a:endParaRPr lang="en-US" altLang="ko-KR" sz="1600" dirty="0" smtClean="0">
-              <a:solidFill>
-                <a:srgbClr val="C00000"/>
-              </a:solidFill>
-            </a:endParaRPr>
-          </a:p>
-        </p:txBody>
-      </p:sp>
     </p:spTree>
     <p:extLst>
       <p:ext uri="{BB962C8B-B14F-4D97-AF65-F5344CB8AC3E}">
-        <p14:creationId xmlns:p14="http://schemas.microsoft.com/office/powerpoint/2010/main" val="3180367487"/>
+        <p14:creationId xmlns:p14="http://schemas.microsoft.com/office/powerpoint/2010/main" val="2296744674"/>
       </p:ext>
     </p:extLst>
   </p:cSld>
@@ -7341,121 +7279,9 @@
           <a:chExt cx="0" cy="0"/>
         </a:xfrm>
       </p:grpSpPr>
-      <p:sp>
-        <p:nvSpPr>
-          <p:cNvPr id="2" name="제목 1"/>
-          <p:cNvSpPr>
-            <a:spLocks noGrp="1"/>
-          </p:cNvSpPr>
-          <p:nvPr>
-            <p:ph type="title"/>
-          </p:nvPr>
-        </p:nvSpPr>
-        <p:spPr>
-          <a:xfrm>
-            <a:off x="416497" y="197768"/>
-            <a:ext cx="6412780" cy="854968"/>
-          </a:xfrm>
-        </p:spPr>
-        <p:txBody>
-          <a:bodyPr>
-            <a:noAutofit/>
-          </a:bodyPr>
-          <a:lstStyle/>
-          <a:p>
-            <a:pPr algn="ctr"/>
-            <a:r>
-              <a:rPr lang="ko-KR" altLang="en-US" sz="2800" dirty="0"/>
-              <a:t>여러 데이터 나열해 표시하기</a:t>
-            </a:r>
-          </a:p>
-        </p:txBody>
-      </p:sp>
-      <p:sp>
-        <p:nvSpPr>
-          <p:cNvPr id="4" name="슬라이드 번호 개체 틀 3"/>
-          <p:cNvSpPr>
-            <a:spLocks noGrp="1"/>
-          </p:cNvSpPr>
-          <p:nvPr>
-            <p:ph type="sldNum" sz="quarter" idx="12"/>
-          </p:nvPr>
-        </p:nvSpPr>
-        <p:spPr/>
-        <p:txBody>
-          <a:bodyPr/>
-          <a:lstStyle/>
-          <a:p>
-            <a:fld id="{1BDE3FE7-3AEA-4B05-AC5A-802D1816ACF0}" type="slidenum">
-              <a:rPr lang="ko-KR" altLang="en-US" smtClean="0"/>
-              <a:t>19</a:t>
-            </a:fld>
-            <a:endParaRPr lang="ko-KR" altLang="en-US"/>
-          </a:p>
-        </p:txBody>
-      </p:sp>
-      <p:sp>
-        <p:nvSpPr>
-          <p:cNvPr id="9" name="TextBox 8"/>
-          <p:cNvSpPr txBox="1"/>
-          <p:nvPr/>
-        </p:nvSpPr>
-        <p:spPr>
-          <a:xfrm>
-            <a:off x="5817096" y="1715616"/>
-            <a:ext cx="1224136" cy="461665"/>
-          </a:xfrm>
-          <a:prstGeom prst="rect">
-            <a:avLst/>
-          </a:prstGeom>
-          <a:noFill/>
-        </p:spPr>
-        <p:txBody>
-          <a:bodyPr wrap="square" rtlCol="0">
-            <a:spAutoFit/>
-          </a:bodyPr>
-          <a:lstStyle/>
-          <a:p>
-            <a:pPr>
-              <a:lnSpc>
-                <a:spcPct val="150000"/>
-              </a:lnSpc>
-            </a:pPr>
-            <a:r>
-              <a:rPr lang="en-US" altLang="ko-KR" sz="1600" dirty="0">
-                <a:solidFill>
-                  <a:srgbClr val="C00000"/>
-                </a:solidFill>
-              </a:rPr>
-              <a:t>m</a:t>
-            </a:r>
-            <a:r>
-              <a:rPr lang="en-US" altLang="ko-KR" sz="1600" dirty="0" smtClean="0">
-                <a:solidFill>
-                  <a:srgbClr val="C00000"/>
-                </a:solidFill>
-              </a:rPr>
-              <a:t>ajor.css </a:t>
-            </a:r>
-            <a:r>
-              <a:rPr lang="ko-KR" altLang="en-US" sz="1600" dirty="0" smtClean="0">
-                <a:solidFill>
-                  <a:srgbClr val="C00000"/>
-                </a:solidFill>
-              </a:rPr>
-              <a:t> </a:t>
-            </a:r>
-            <a:endParaRPr lang="en-US" altLang="ko-KR" sz="1600" dirty="0" smtClean="0">
-              <a:solidFill>
-                <a:srgbClr val="C00000"/>
-              </a:solidFill>
-            </a:endParaRPr>
-          </a:p>
-        </p:txBody>
-      </p:sp>
       <p:pic>
         <p:nvPicPr>
-          <p:cNvPr id="5" name="그림 4"/>
+          <p:cNvPr id="6" name="그림 5"/>
           <p:cNvPicPr>
             <a:picLocks noChangeAspect="1"/>
           </p:cNvPicPr>
@@ -7475,8 +7301,8 @@
         </p:blipFill>
         <p:spPr>
           <a:xfrm>
-            <a:off x="1755284" y="1412776"/>
-            <a:ext cx="4061812" cy="4107536"/>
+            <a:off x="1528709" y="2340759"/>
+            <a:ext cx="6395985" cy="3904704"/>
           </a:xfrm>
           <a:prstGeom prst="rect">
             <a:avLst/>
@@ -7490,10 +7316,186 @@
           </a:ln>
         </p:spPr>
       </p:pic>
+      <p:sp>
+        <p:nvSpPr>
+          <p:cNvPr id="2" name="제목 1"/>
+          <p:cNvSpPr>
+            <a:spLocks noGrp="1"/>
+          </p:cNvSpPr>
+          <p:nvPr>
+            <p:ph type="title"/>
+          </p:nvPr>
+        </p:nvSpPr>
+        <p:spPr>
+          <a:xfrm>
+            <a:off x="416497" y="197768"/>
+            <a:ext cx="6412780" cy="854968"/>
+          </a:xfrm>
+        </p:spPr>
+        <p:txBody>
+          <a:bodyPr>
+            <a:noAutofit/>
+          </a:bodyPr>
+          <a:lstStyle/>
+          <a:p>
+            <a:pPr algn="ctr"/>
+            <a:r>
+              <a:rPr lang="ko-KR" altLang="en-US" sz="2800" dirty="0" smtClean="0"/>
+              <a:t>기타 다양한 폼 요소들</a:t>
+            </a:r>
+            <a:endParaRPr lang="ko-KR" altLang="en-US" sz="2800" dirty="0"/>
+          </a:p>
+        </p:txBody>
+      </p:sp>
+      <p:sp>
+        <p:nvSpPr>
+          <p:cNvPr id="4" name="슬라이드 번호 개체 틀 3"/>
+          <p:cNvSpPr>
+            <a:spLocks noGrp="1"/>
+          </p:cNvSpPr>
+          <p:nvPr>
+            <p:ph type="sldNum" sz="quarter" idx="12"/>
+          </p:nvPr>
+        </p:nvSpPr>
+        <p:spPr/>
+        <p:txBody>
+          <a:bodyPr/>
+          <a:lstStyle/>
+          <a:p>
+            <a:fld id="{1BDE3FE7-3AEA-4B05-AC5A-802D1816ACF0}" type="slidenum">
+              <a:rPr lang="ko-KR" altLang="en-US" smtClean="0"/>
+              <a:t>19</a:t>
+            </a:fld>
+            <a:endParaRPr lang="ko-KR" altLang="en-US"/>
+          </a:p>
+        </p:txBody>
+      </p:sp>
+      <p:sp>
+        <p:nvSpPr>
+          <p:cNvPr id="5" name="TextBox 4"/>
+          <p:cNvSpPr txBox="1"/>
+          <p:nvPr/>
+        </p:nvSpPr>
+        <p:spPr>
+          <a:xfrm>
+            <a:off x="720080" y="1196752"/>
+            <a:ext cx="8481392" cy="1046440"/>
+          </a:xfrm>
+          <a:prstGeom prst="rect">
+            <a:avLst/>
+          </a:prstGeom>
+          <a:noFill/>
+        </p:spPr>
+        <p:txBody>
+          <a:bodyPr wrap="square" rtlCol="0">
+            <a:spAutoFit/>
+          </a:bodyPr>
+          <a:lstStyle/>
+          <a:p>
+            <a:pPr>
+              <a:lnSpc>
+                <a:spcPct val="150000"/>
+              </a:lnSpc>
+            </a:pPr>
+            <a:r>
+              <a:rPr lang="en-US" altLang="ko-KR" dirty="0" smtClean="0"/>
+              <a:t>  </a:t>
+            </a:r>
+            <a:r>
+              <a:rPr lang="en-US" altLang="ko-KR" sz="2000" b="1" dirty="0" smtClean="0">
+                <a:solidFill>
+                  <a:srgbClr val="C00000"/>
+                </a:solidFill>
+              </a:rPr>
+              <a:t>&lt;meter&gt; </a:t>
+            </a:r>
+            <a:r>
+              <a:rPr lang="ko-KR" altLang="en-US" b="1" dirty="0" smtClean="0">
+                <a:solidFill>
+                  <a:srgbClr val="C00000"/>
+                </a:solidFill>
+              </a:rPr>
+              <a:t>태그 </a:t>
+            </a:r>
+            <a:r>
+              <a:rPr lang="en-US" altLang="ko-KR" b="1" dirty="0" smtClean="0">
+                <a:solidFill>
+                  <a:srgbClr val="C00000"/>
+                </a:solidFill>
+              </a:rPr>
+              <a:t>– </a:t>
+            </a:r>
+            <a:r>
+              <a:rPr lang="ko-KR" altLang="en-US" b="1" dirty="0" smtClean="0">
+                <a:solidFill>
+                  <a:srgbClr val="C00000"/>
+                </a:solidFill>
+              </a:rPr>
+              <a:t>값이 차지하는 크기 표시하기</a:t>
+            </a:r>
+            <a:endParaRPr lang="en-US" altLang="ko-KR" b="1" dirty="0" smtClean="0">
+              <a:solidFill>
+                <a:srgbClr val="C00000"/>
+              </a:solidFill>
+            </a:endParaRPr>
+          </a:p>
+          <a:p>
+            <a:pPr marL="742950" lvl="1" indent="-285750">
+              <a:buFont typeface="Arial" panose="020B0604020202020204" pitchFamily="34" charset="0"/>
+              <a:buChar char="•"/>
+            </a:pPr>
+            <a:r>
+              <a:rPr lang="ko-KR" altLang="en-US" sz="1600" dirty="0" smtClean="0"/>
+              <a:t>하드 디스크 사용량이나 투표율처럼 지정된 범위 내에서 해당 값이 어느 정도 차지하고 있는지를 표현한다</a:t>
+            </a:r>
+            <a:r>
+              <a:rPr lang="en-US" altLang="ko-KR" sz="1600" dirty="0" smtClean="0"/>
+              <a:t>.</a:t>
+            </a:r>
+          </a:p>
+        </p:txBody>
+      </p:sp>
+      <p:pic>
+        <p:nvPicPr>
+          <p:cNvPr id="3" name="그림 2"/>
+          <p:cNvPicPr>
+            <a:picLocks noChangeAspect="1"/>
+          </p:cNvPicPr>
+          <p:nvPr/>
+        </p:nvPicPr>
+        <p:blipFill>
+          <a:blip r:embed="rId3">
+            <a:extLst>
+              <a:ext uri="{28A0092B-C50C-407E-A947-70E740481C1C}">
+                <a14:useLocalDpi xmlns:a14="http://schemas.microsoft.com/office/drawing/2010/main" val="0"/>
+              </a:ext>
+            </a:extLst>
+          </a:blip>
+          <a:stretch>
+            <a:fillRect/>
+          </a:stretch>
+        </p:blipFill>
+        <p:spPr>
+          <a:xfrm>
+            <a:off x="6737884" y="2501424"/>
+            <a:ext cx="2309434" cy="1897035"/>
+          </a:xfrm>
+          <a:prstGeom prst="rect">
+            <a:avLst/>
+          </a:prstGeom>
+          <a:ln>
+            <a:solidFill>
+              <a:schemeClr val="bg1">
+                <a:lumMod val="85000"/>
+              </a:schemeClr>
+            </a:solidFill>
+          </a:ln>
+        </p:spPr>
+      </p:pic>
     </p:spTree>
     <p:extLst>
       <p:ext uri="{BB962C8B-B14F-4D97-AF65-F5344CB8AC3E}">
-        <p14:creationId xmlns:p14="http://schemas.microsoft.com/office/powerpoint/2010/main" val="2296744674"/>
+        <p14:creationId xmlns:p14="http://schemas.microsoft.com/office/powerpoint/2010/main" val="1407039372"/>
       </p:ext>
     </p:extLst>
   </p:cSld>
@@ -8017,9 +8019,126 @@
           <a:chExt cx="0" cy="0"/>
         </a:xfrm>
       </p:grpSpPr>
+      <p:sp>
+        <p:nvSpPr>
+          <p:cNvPr id="2" name="제목 1"/>
+          <p:cNvSpPr>
+            <a:spLocks noGrp="1"/>
+          </p:cNvSpPr>
+          <p:nvPr>
+            <p:ph type="title"/>
+          </p:nvPr>
+        </p:nvSpPr>
+        <p:spPr>
+          <a:xfrm>
+            <a:off x="416497" y="197768"/>
+            <a:ext cx="6412780" cy="854968"/>
+          </a:xfrm>
+        </p:spPr>
+        <p:txBody>
+          <a:bodyPr>
+            <a:noAutofit/>
+          </a:bodyPr>
+          <a:lstStyle/>
+          <a:p>
+            <a:pPr algn="ctr"/>
+            <a:r>
+              <a:rPr lang="ko-KR" altLang="en-US" sz="2800" dirty="0" smtClean="0"/>
+              <a:t>파일 첨부 버튼</a:t>
+            </a:r>
+            <a:endParaRPr lang="ko-KR" altLang="en-US" sz="2800" dirty="0"/>
+          </a:p>
+        </p:txBody>
+      </p:sp>
+      <p:sp>
+        <p:nvSpPr>
+          <p:cNvPr id="4" name="슬라이드 번호 개체 틀 3"/>
+          <p:cNvSpPr>
+            <a:spLocks noGrp="1"/>
+          </p:cNvSpPr>
+          <p:nvPr>
+            <p:ph type="sldNum" sz="quarter" idx="12"/>
+          </p:nvPr>
+        </p:nvSpPr>
+        <p:spPr/>
+        <p:txBody>
+          <a:bodyPr/>
+          <a:lstStyle/>
+          <a:p>
+            <a:fld id="{1BDE3FE7-3AEA-4B05-AC5A-802D1816ACF0}" type="slidenum">
+              <a:rPr lang="ko-KR" altLang="en-US" smtClean="0"/>
+              <a:t>20</a:t>
+            </a:fld>
+            <a:endParaRPr lang="ko-KR" altLang="en-US"/>
+          </a:p>
+        </p:txBody>
+      </p:sp>
+      <p:sp>
+        <p:nvSpPr>
+          <p:cNvPr id="5" name="TextBox 4"/>
+          <p:cNvSpPr txBox="1"/>
+          <p:nvPr/>
+        </p:nvSpPr>
+        <p:spPr>
+          <a:xfrm>
+            <a:off x="720080" y="1196752"/>
+            <a:ext cx="8481392" cy="553998"/>
+          </a:xfrm>
+          <a:prstGeom prst="rect">
+            <a:avLst/>
+          </a:prstGeom>
+          <a:noFill/>
+        </p:spPr>
+        <p:txBody>
+          <a:bodyPr wrap="square" rtlCol="0">
+            <a:spAutoFit/>
+          </a:bodyPr>
+          <a:lstStyle/>
+          <a:p>
+            <a:pPr>
+              <a:lnSpc>
+                <a:spcPct val="150000"/>
+              </a:lnSpc>
+            </a:pPr>
+            <a:r>
+              <a:rPr lang="en-US" altLang="ko-KR" dirty="0" smtClean="0"/>
+              <a:t>  </a:t>
+            </a:r>
+            <a:r>
+              <a:rPr lang="en-US" altLang="ko-KR" sz="2000" b="1" dirty="0" smtClean="0">
+                <a:solidFill>
+                  <a:srgbClr val="C00000"/>
+                </a:solidFill>
+              </a:rPr>
+              <a:t>&lt;input type=“file”&gt; </a:t>
+            </a:r>
+            <a:r>
+              <a:rPr lang="en-US" altLang="ko-KR" b="1" dirty="0" smtClean="0">
+                <a:solidFill>
+                  <a:srgbClr val="C00000"/>
+                </a:solidFill>
+              </a:rPr>
+              <a:t>- </a:t>
+            </a:r>
+            <a:r>
+              <a:rPr lang="ko-KR" altLang="en-US" b="1" dirty="0" smtClean="0">
+                <a:solidFill>
+                  <a:srgbClr val="C00000"/>
+                </a:solidFill>
+              </a:rPr>
+              <a:t>파일을 첨부할 때 사용</a:t>
+            </a:r>
+            <a:endParaRPr lang="en-US" altLang="ko-KR" b="1" dirty="0" smtClean="0">
+              <a:solidFill>
+                <a:srgbClr val="C00000"/>
+              </a:solidFill>
+            </a:endParaRPr>
+          </a:p>
+        </p:txBody>
+      </p:sp>
       <p:pic>
         <p:nvPicPr>
-          <p:cNvPr id="6" name="그림 5"/>
+          <p:cNvPr id="7" name="그림 6"/>
           <p:cNvPicPr>
             <a:picLocks noChangeAspect="1"/>
           </p:cNvPicPr>
@@ -8039,8 +8158,8 @@
         </p:blipFill>
         <p:spPr>
           <a:xfrm>
-            <a:off x="1528709" y="2340759"/>
-            <a:ext cx="6395985" cy="3904704"/>
+            <a:off x="1568624" y="3861048"/>
+            <a:ext cx="5832648" cy="2752792"/>
           </a:xfrm>
           <a:prstGeom prst="rect">
             <a:avLst/>
@@ -8048,154 +8167,15 @@
           <a:ln>
             <a:solidFill>
               <a:schemeClr val="bg1">
-                <a:lumMod val="85000"/>
+                <a:lumMod val="95000"/>
               </a:schemeClr>
             </a:solidFill>
           </a:ln>
         </p:spPr>
       </p:pic>
-      <p:sp>
-        <p:nvSpPr>
-          <p:cNvPr id="2" name="제목 1"/>
-          <p:cNvSpPr>
-            <a:spLocks noGrp="1"/>
-          </p:cNvSpPr>
-          <p:nvPr>
-            <p:ph type="title"/>
-          </p:nvPr>
-        </p:nvSpPr>
-        <p:spPr>
-          <a:xfrm>
-            <a:off x="416497" y="197768"/>
-            <a:ext cx="6412780" cy="854968"/>
-          </a:xfrm>
-        </p:spPr>
-        <p:txBody>
-          <a:bodyPr>
-            <a:noAutofit/>
-          </a:bodyPr>
-          <a:lstStyle/>
-          <a:p>
-            <a:pPr algn="ctr"/>
-            <a:r>
-              <a:rPr lang="ko-KR" altLang="en-US" sz="2800" dirty="0" smtClean="0"/>
-              <a:t>기타 다양한 폼 요소들</a:t>
-            </a:r>
-            <a:endParaRPr lang="ko-KR" altLang="en-US" sz="2800" dirty="0"/>
-          </a:p>
-        </p:txBody>
-      </p:sp>
-      <p:sp>
-        <p:nvSpPr>
-          <p:cNvPr id="4" name="슬라이드 번호 개체 틀 3"/>
-          <p:cNvSpPr>
-            <a:spLocks noGrp="1"/>
-          </p:cNvSpPr>
-          <p:nvPr>
-            <p:ph type="sldNum" sz="quarter" idx="12"/>
-          </p:nvPr>
-        </p:nvSpPr>
-        <p:spPr/>
-        <p:txBody>
-          <a:bodyPr/>
-          <a:lstStyle/>
-          <a:p>
-            <a:fld id="{1BDE3FE7-3AEA-4B05-AC5A-802D1816ACF0}" type="slidenum">
-              <a:rPr lang="ko-KR" altLang="en-US" smtClean="0"/>
-              <a:t>20</a:t>
-            </a:fld>
-            <a:endParaRPr lang="ko-KR" altLang="en-US"/>
-          </a:p>
-        </p:txBody>
-      </p:sp>
-      <p:sp>
-        <p:nvSpPr>
-          <p:cNvPr id="5" name="TextBox 4"/>
-          <p:cNvSpPr txBox="1"/>
-          <p:nvPr/>
-        </p:nvSpPr>
-        <p:spPr>
-          <a:xfrm>
-            <a:off x="720080" y="1196752"/>
-            <a:ext cx="8481392" cy="1046440"/>
-          </a:xfrm>
-          <a:prstGeom prst="rect">
-            <a:avLst/>
-          </a:prstGeom>
-          <a:noFill/>
-        </p:spPr>
-        <p:txBody>
-          <a:bodyPr wrap="square" rtlCol="0">
-            <a:spAutoFit/>
-          </a:bodyPr>
-          <a:lstStyle/>
-          <a:p>
-            <a:pPr>
-              <a:lnSpc>
-                <a:spcPct val="150000"/>
-              </a:lnSpc>
-            </a:pPr>
-            <a:r>
-              <a:rPr lang="en-US" altLang="ko-KR" dirty="0" smtClean="0"/>
-              <a:t>  </a:t>
-            </a:r>
-            <a:r>
-              <a:rPr lang="en-US" altLang="ko-KR" sz="2000" b="1" dirty="0" smtClean="0">
-                <a:solidFill>
-                  <a:srgbClr val="C00000"/>
-                </a:solidFill>
-              </a:rPr>
-              <a:t>&lt;meter&gt; </a:t>
-            </a:r>
-            <a:r>
-              <a:rPr lang="ko-KR" altLang="en-US" b="1" dirty="0" smtClean="0">
-                <a:solidFill>
-                  <a:srgbClr val="C00000"/>
-                </a:solidFill>
-              </a:rPr>
-              <a:t>태그 </a:t>
-            </a:r>
-            <a:r>
-              <a:rPr lang="en-US" altLang="ko-KR" b="1" dirty="0" smtClean="0">
-                <a:solidFill>
-                  <a:srgbClr val="C00000"/>
-                </a:solidFill>
-              </a:rPr>
-              <a:t>– </a:t>
-            </a:r>
-            <a:r>
-              <a:rPr lang="ko-KR" altLang="en-US" b="1" dirty="0" smtClean="0">
-                <a:solidFill>
-                  <a:srgbClr val="C00000"/>
-                </a:solidFill>
-              </a:rPr>
-              <a:t>값이 차지하는 크기 표시하기</a:t>
-            </a:r>
-            <a:endParaRPr lang="en-US" altLang="ko-KR" b="1" dirty="0" smtClean="0">
-              <a:solidFill>
-                <a:srgbClr val="C00000"/>
-              </a:solidFill>
-            </a:endParaRPr>
-          </a:p>
-          <a:p>
-            <a:pPr marL="742950" lvl="1" indent="-285750">
-              <a:buFont typeface="Arial" panose="020B0604020202020204" pitchFamily="34" charset="0"/>
-              <a:buChar char="•"/>
-            </a:pPr>
-            <a:r>
-              <a:rPr lang="ko-KR" altLang="en-US" sz="1600" dirty="0" smtClean="0"/>
-              <a:t>하드 디스크 사용량이나 투표율처럼 지정된 범위 내에서 해당 값이 어느 정도 차지하고 있는지를 표현한다</a:t>
-            </a:r>
-            <a:r>
-              <a:rPr lang="en-US" altLang="ko-KR" sz="1600" dirty="0" smtClean="0"/>
-              <a:t>.</a:t>
-            </a:r>
-          </a:p>
-        </p:txBody>
-      </p:sp>
       <p:pic>
         <p:nvPicPr>
-          <p:cNvPr id="3" name="그림 2"/>
+          <p:cNvPr id="8" name="그림 7"/>
           <p:cNvPicPr>
             <a:picLocks noChangeAspect="1"/>
           </p:cNvPicPr>
@@ -8215,8 +8195,82 @@
         </p:blipFill>
         <p:spPr>
           <a:xfrm>
-            <a:off x="6737884" y="2501424"/>
-            <a:ext cx="2309434" cy="1897035"/>
+            <a:off x="1568624" y="1750751"/>
+            <a:ext cx="4248472" cy="1821756"/>
+          </a:xfrm>
+          <a:prstGeom prst="rect">
+            <a:avLst/>
+          </a:prstGeom>
+          <a:ln>
+            <a:solidFill>
+              <a:schemeClr val="bg1">
+                <a:lumMod val="95000"/>
+              </a:schemeClr>
+            </a:solidFill>
+          </a:ln>
+        </p:spPr>
+      </p:pic>
+      <p:pic>
+        <p:nvPicPr>
+          <p:cNvPr id="9" name="그림 8"/>
+          <p:cNvPicPr>
+            <a:picLocks noChangeAspect="1"/>
+          </p:cNvPicPr>
+          <p:nvPr/>
+        </p:nvPicPr>
+        <p:blipFill>
+          <a:blip r:embed="rId4">
+            <a:extLst>
+              <a:ext uri="{28A0092B-C50C-407E-A947-70E740481C1C}">
+                <a14:useLocalDpi xmlns:a14="http://schemas.microsoft.com/office/drawing/2010/main" val="0"/>
+              </a:ext>
+            </a:extLst>
+          </a:blip>
+          <a:stretch>
+            <a:fillRect/>
+          </a:stretch>
+        </p:blipFill>
+        <p:spPr>
+          <a:xfrm>
+            <a:off x="5673080" y="1927865"/>
+            <a:ext cx="2791392" cy="2470337"/>
+          </a:xfrm>
+          <a:prstGeom prst="rect">
+            <a:avLst/>
+          </a:prstGeom>
+          <a:ln>
+            <a:solidFill>
+              <a:schemeClr val="bg1">
+                <a:lumMod val="95000"/>
+              </a:schemeClr>
+            </a:solidFill>
+          </a:ln>
+        </p:spPr>
+      </p:pic>
+      <p:pic>
+        <p:nvPicPr>
+          <p:cNvPr id="3" name="그림 2"/>
+          <p:cNvPicPr>
+            <a:picLocks noChangeAspect="1"/>
+          </p:cNvPicPr>
+          <p:nvPr/>
+        </p:nvPicPr>
+        <p:blipFill>
+          <a:blip r:embed="rId5">
+            <a:extLst>
+              <a:ext uri="{28A0092B-C50C-407E-A947-70E740481C1C}">
+                <a14:useLocalDpi xmlns:a14="http://schemas.microsoft.com/office/drawing/2010/main" val="0"/>
+              </a:ext>
+            </a:extLst>
+          </a:blip>
+          <a:stretch>
+            <a:fillRect/>
+          </a:stretch>
+        </p:blipFill>
+        <p:spPr>
+          <a:xfrm>
+            <a:off x="5630842" y="5165916"/>
+            <a:ext cx="3399962" cy="1287421"/>
           </a:xfrm>
           <a:prstGeom prst="rect">
             <a:avLst/>
@@ -8233,7 +8287,7 @@
     </p:spTree>
     <p:extLst>
       <p:ext uri="{BB962C8B-B14F-4D97-AF65-F5344CB8AC3E}">
-        <p14:creationId xmlns:p14="http://schemas.microsoft.com/office/powerpoint/2010/main" val="1407039372"/>
+        <p14:creationId xmlns:p14="http://schemas.microsoft.com/office/powerpoint/2010/main" val="3347866042"/>
       </p:ext>
     </p:extLst>
   </p:cSld>
@@ -8291,8 +8345,16 @@
           <a:p>
             <a:pPr algn="ctr"/>
             <a:r>
+              <a:rPr lang="en-US" altLang="ko-KR" sz="2800" dirty="0"/>
+              <a:t>h</a:t>
+            </a:r>
+            <a:r>
+              <a:rPr lang="en-US" altLang="ko-KR" sz="2800" dirty="0" smtClean="0"/>
+              <a:t>idden</a:t>
+            </a:r>
+            <a:r>
               <a:rPr lang="ko-KR" altLang="en-US" sz="2800" dirty="0" smtClean="0"/>
-              <a:t>파일 첨부 버튼</a:t>
+              <a:t>으로 서버에 보내기</a:t>
             </a:r>
             <a:endParaRPr lang="ko-KR" altLang="en-US" sz="2800" dirty="0"/>
           </a:p>
@@ -8329,8 +8391,8 @@
         </p:nvSpPr>
         <p:spPr>
           <a:xfrm>
-            <a:off x="720080" y="1196752"/>
-            <a:ext cx="8481392" cy="553998"/>
+            <a:off x="720080" y="1312859"/>
+            <a:ext cx="8481392" cy="1015663"/>
           </a:xfrm>
           <a:prstGeom prst="rect">
             <a:avLst/>
@@ -8353,30 +8415,77 @@
               <a:t>  </a:t>
             </a:r>
             <a:r>
+              <a:rPr lang="ko-KR" altLang="en-US" sz="2000" b="1" dirty="0" err="1" smtClean="0">
+                <a:solidFill>
+                  <a:srgbClr val="C00000"/>
+                </a:solidFill>
+              </a:rPr>
+              <a:t>히든</a:t>
+            </a:r>
+            <a:r>
+              <a:rPr lang="ko-KR" altLang="en-US" sz="2000" b="1" dirty="0" smtClean="0">
+                <a:solidFill>
+                  <a:srgbClr val="C00000"/>
+                </a:solidFill>
+              </a:rPr>
+              <a:t> 필드를 </a:t>
+            </a:r>
+            <a:r>
+              <a:rPr lang="ko-KR" altLang="en-US" sz="2000" b="1" dirty="0" err="1" smtClean="0">
+                <a:solidFill>
+                  <a:srgbClr val="C00000"/>
+                </a:solidFill>
+              </a:rPr>
+              <a:t>만들때</a:t>
+            </a:r>
+            <a:r>
+              <a:rPr lang="ko-KR" altLang="en-US" sz="2000" b="1" dirty="0" smtClean="0">
+                <a:solidFill>
+                  <a:srgbClr val="C00000"/>
+                </a:solidFill>
+              </a:rPr>
+              <a:t> 사용하는 </a:t>
+            </a:r>
+            <a:r>
               <a:rPr lang="en-US" altLang="ko-KR" sz="2000" b="1" dirty="0" smtClean="0">
                 <a:solidFill>
                   <a:srgbClr val="C00000"/>
                 </a:solidFill>
               </a:rPr>
-              <a:t>&lt;input type=“file”&gt; </a:t>
-            </a:r>
-            <a:r>
-              <a:rPr lang="en-US" altLang="ko-KR" b="1" dirty="0" smtClean="0">
+              <a:t>type=“hidden”</a:t>
+            </a:r>
+          </a:p>
+          <a:p>
+            <a:pPr>
+              <a:lnSpc>
+                <a:spcPct val="150000"/>
+              </a:lnSpc>
+            </a:pPr>
+            <a:r>
+              <a:rPr lang="en-US" altLang="ko-KR" sz="2000" b="1" dirty="0">
                 <a:solidFill>
                   <a:srgbClr val="C00000"/>
                 </a:solidFill>
               </a:rPr>
-              <a:t>- </a:t>
-            </a:r>
-            <a:r>
-              <a:rPr lang="ko-KR" altLang="en-US" b="1" dirty="0" smtClean="0">
+              <a:t> </a:t>
+            </a:r>
+            <a:r>
+              <a:rPr lang="en-US" altLang="ko-KR" sz="2000" b="1" dirty="0" smtClean="0">
                 <a:solidFill>
                   <a:srgbClr val="C00000"/>
                 </a:solidFill>
               </a:rPr>
-              <a:t>파일을 첨부할 때 사용</a:t>
-            </a:r>
-            <a:endParaRPr lang="en-US" altLang="ko-KR" b="1" dirty="0" smtClean="0">
+              <a:t> </a:t>
+            </a:r>
+            <a:r>
+              <a:rPr lang="ko-KR" altLang="en-US" dirty="0" smtClean="0">
+                <a:solidFill>
+                  <a:srgbClr val="C00000"/>
+                </a:solidFill>
+              </a:rPr>
+              <a:t>사용자에게는 보이지 않고 서버 페이지로 데이터는 전송됨</a:t>
+            </a:r>
+            <a:endParaRPr lang="en-US" altLang="ko-KR" dirty="0" smtClean="0">
               <a:solidFill>
                 <a:srgbClr val="C00000"/>
               </a:solidFill>
@@ -8384,9 +8493,55 @@
           </a:p>
         </p:txBody>
       </p:sp>
+      <p:sp>
+        <p:nvSpPr>
+          <p:cNvPr id="3" name="TextBox 2"/>
+          <p:cNvSpPr txBox="1"/>
+          <p:nvPr/>
+        </p:nvSpPr>
+        <p:spPr>
+          <a:xfrm>
+            <a:off x="1064568" y="2383687"/>
+            <a:ext cx="7920880" cy="369332"/>
+          </a:xfrm>
+          <a:prstGeom prst="rect">
+            <a:avLst/>
+          </a:prstGeom>
+          <a:noFill/>
+        </p:spPr>
+        <p:txBody>
+          <a:bodyPr wrap="square" rtlCol="0">
+            <a:spAutoFit/>
+          </a:bodyPr>
+          <a:lstStyle/>
+          <a:p>
+            <a:r>
+              <a:rPr lang="en-US" altLang="ko-KR" b="1" dirty="0" smtClean="0"/>
+              <a:t>&lt;input type=“hidden” name=“</a:t>
+            </a:r>
+            <a:r>
+              <a:rPr lang="ko-KR" altLang="en-US" b="1" dirty="0" smtClean="0"/>
+              <a:t>필드 이름</a:t>
+            </a:r>
+            <a:r>
+              <a:rPr lang="en-US" altLang="ko-KR" b="1" dirty="0" smtClean="0"/>
+              <a:t>” value=“</a:t>
+            </a:r>
+            <a:r>
+              <a:rPr lang="ko-KR" altLang="en-US" b="1" dirty="0" smtClean="0"/>
+              <a:t>서버로 넘길 값</a:t>
+            </a:r>
+            <a:r>
+              <a:rPr lang="en-US" altLang="ko-KR" b="1" dirty="0" smtClean="0"/>
+              <a:t>”&gt;</a:t>
+            </a:r>
+            <a:endParaRPr lang="ko-KR" altLang="en-US" b="1" dirty="0"/>
+          </a:p>
+        </p:txBody>
+      </p:sp>
       <p:pic>
         <p:nvPicPr>
-          <p:cNvPr id="7" name="그림 6"/>
+          <p:cNvPr id="8" name="그림 7"/>
           <p:cNvPicPr>
             <a:picLocks noChangeAspect="1"/>
           </p:cNvPicPr>
@@ -8406,8 +8561,8 @@
         </p:blipFill>
         <p:spPr>
           <a:xfrm>
-            <a:off x="1568624" y="3861048"/>
-            <a:ext cx="5832648" cy="2752792"/>
+            <a:off x="2216696" y="2986765"/>
+            <a:ext cx="3406435" cy="1920407"/>
           </a:xfrm>
           <a:prstGeom prst="rect">
             <a:avLst/>
@@ -8415,7 +8570,7 @@
           <a:ln>
             <a:solidFill>
               <a:schemeClr val="bg1">
-                <a:lumMod val="95000"/>
+                <a:lumMod val="85000"/>
               </a:schemeClr>
             </a:solidFill>
           </a:ln>
@@ -8423,7 +8578,7 @@
       </p:pic>
       <p:pic>
         <p:nvPicPr>
-          <p:cNvPr id="8" name="그림 7"/>
+          <p:cNvPr id="9" name="그림 8"/>
           <p:cNvPicPr>
             <a:picLocks noChangeAspect="1"/>
           </p:cNvPicPr>
@@ -8443,8 +8598,8 @@
         </p:blipFill>
         <p:spPr>
           <a:xfrm>
-            <a:off x="1568624" y="1750751"/>
-            <a:ext cx="4248472" cy="1821756"/>
+            <a:off x="1712640" y="5373216"/>
+            <a:ext cx="7155801" cy="510584"/>
           </a:xfrm>
           <a:prstGeom prst="rect">
             <a:avLst/>
@@ -8452,53 +8607,62 @@
           <a:ln>
             <a:solidFill>
               <a:schemeClr val="bg1">
-                <a:lumMod val="95000"/>
+                <a:lumMod val="85000"/>
               </a:schemeClr>
             </a:solidFill>
           </a:ln>
         </p:spPr>
       </p:pic>
-      <p:pic>
-        <p:nvPicPr>
-          <p:cNvPr id="9" name="그림 8"/>
-          <p:cNvPicPr>
-            <a:picLocks noChangeAspect="1"/>
-          </p:cNvPicPr>
+      <p:sp>
+        <p:nvSpPr>
+          <p:cNvPr id="12" name="모서리가 둥근 직사각형 11"/>
+          <p:cNvSpPr/>
           <p:nvPr/>
-        </p:nvPicPr>
-        <p:blipFill>
-          <a:blip r:embed="rId4">
-            <a:extLst>
-              <a:ext uri="{28A0092B-C50C-407E-A947-70E740481C1C}">
-                <a14:useLocalDpi xmlns:a14="http://schemas.microsoft.com/office/drawing/2010/main" val="0"/>
-              </a:ext>
-            </a:extLst>
-          </a:blip>
-          <a:stretch>
-            <a:fillRect/>
-          </a:stretch>
-        </p:blipFill>
-        <p:spPr>
-          <a:xfrm>
-            <a:off x="5601072" y="2030687"/>
-            <a:ext cx="2791392" cy="2470337"/>
-          </a:xfrm>
-          <a:prstGeom prst="rect">
+        </p:nvSpPr>
+        <p:spPr>
+          <a:xfrm>
+            <a:off x="5169024" y="5289277"/>
+            <a:ext cx="3528392" cy="678462"/>
+          </a:xfrm>
+          <a:prstGeom prst="roundRect">
             <a:avLst/>
           </a:prstGeom>
-          <a:ln>
+          <a:noFill/>
+          <a:ln w="19050">
             <a:solidFill>
-              <a:schemeClr val="bg1">
-                <a:lumMod val="95000"/>
-              </a:schemeClr>
+              <a:srgbClr val="C00000"/>
             </a:solidFill>
           </a:ln>
         </p:spPr>
-      </p:pic>
+        <p:style>
+          <a:lnRef idx="2">
+            <a:schemeClr val="accent1">
+              <a:shade val="50000"/>
+            </a:schemeClr>
+          </a:lnRef>
+          <a:fillRef idx="1">
+            <a:schemeClr val="accent1"/>
+          </a:fillRef>
+          <a:effectRef idx="0">
+            <a:schemeClr val="accent1"/>
+          </a:effectRef>
+          <a:fontRef idx="minor">
+            <a:schemeClr val="lt1"/>
+          </a:fontRef>
+        </p:style>
+        <p:txBody>
+          <a:bodyPr rtlCol="0" anchor="ctr"/>
+          <a:lstStyle/>
+          <a:p>
+            <a:pPr algn="ctr"/>
+            <a:endParaRPr lang="ko-KR" altLang="en-US"/>
+          </a:p>
+        </p:txBody>
+      </p:sp>
     </p:spTree>
     <p:extLst>
       <p:ext uri="{BB962C8B-B14F-4D97-AF65-F5344CB8AC3E}">
-        <p14:creationId xmlns:p14="http://schemas.microsoft.com/office/powerpoint/2010/main" val="3347866042"/>
+        <p14:creationId xmlns:p14="http://schemas.microsoft.com/office/powerpoint/2010/main" val="1931639423"/>
       </p:ext>
     </p:extLst>
   </p:cSld>
@@ -8704,55 +8868,9 @@
           </a:p>
         </p:txBody>
       </p:sp>
-      <p:sp>
-        <p:nvSpPr>
-          <p:cNvPr id="3" name="TextBox 2"/>
-          <p:cNvSpPr txBox="1"/>
-          <p:nvPr/>
-        </p:nvSpPr>
-        <p:spPr>
-          <a:xfrm>
-            <a:off x="1064568" y="2383687"/>
-            <a:ext cx="7920880" cy="369332"/>
-          </a:xfrm>
-          <a:prstGeom prst="rect">
-            <a:avLst/>
-          </a:prstGeom>
-          <a:noFill/>
-        </p:spPr>
-        <p:txBody>
-          <a:bodyPr wrap="square" rtlCol="0">
-            <a:spAutoFit/>
-          </a:bodyPr>
-          <a:lstStyle/>
-          <a:p>
-            <a:r>
-              <a:rPr lang="en-US" altLang="ko-KR" b="1" dirty="0" smtClean="0"/>
-              <a:t>&lt;input type=“hidden” name=“</a:t>
-            </a:r>
-            <a:r>
-              <a:rPr lang="ko-KR" altLang="en-US" b="1" dirty="0" smtClean="0"/>
-              <a:t>필드 이름</a:t>
-            </a:r>
-            <a:r>
-              <a:rPr lang="en-US" altLang="ko-KR" b="1" dirty="0" smtClean="0"/>
-              <a:t>” value=“</a:t>
-            </a:r>
-            <a:r>
-              <a:rPr lang="ko-KR" altLang="en-US" b="1" dirty="0" smtClean="0"/>
-              <a:t>서버로 넘길 값</a:t>
-            </a:r>
-            <a:r>
-              <a:rPr lang="en-US" altLang="ko-KR" b="1" dirty="0" smtClean="0"/>
-              <a:t>”&gt;</a:t>
-            </a:r>
-            <a:endParaRPr lang="ko-KR" altLang="en-US" b="1" dirty="0"/>
-          </a:p>
-        </p:txBody>
-      </p:sp>
       <p:pic>
         <p:nvPicPr>
-          <p:cNvPr id="8" name="그림 7"/>
+          <p:cNvPr id="9" name="그림 8"/>
           <p:cNvPicPr>
             <a:picLocks noChangeAspect="1"/>
           </p:cNvPicPr>
@@ -8772,8 +8890,8 @@
         </p:blipFill>
         <p:spPr>
           <a:xfrm>
-            <a:off x="2216696" y="2986765"/>
-            <a:ext cx="3406435" cy="1920407"/>
+            <a:off x="1701013" y="2464850"/>
+            <a:ext cx="6213816" cy="3592136"/>
           </a:xfrm>
           <a:prstGeom prst="rect">
             <a:avLst/>
@@ -8787,93 +8905,10 @@
           </a:ln>
         </p:spPr>
       </p:pic>
-      <p:pic>
-        <p:nvPicPr>
-          <p:cNvPr id="9" name="그림 8"/>
-          <p:cNvPicPr>
-            <a:picLocks noChangeAspect="1"/>
-          </p:cNvPicPr>
-          <p:nvPr/>
-        </p:nvPicPr>
-        <p:blipFill>
-          <a:blip r:embed="rId3">
-            <a:extLst>
-              <a:ext uri="{28A0092B-C50C-407E-A947-70E740481C1C}">
-                <a14:useLocalDpi xmlns:a14="http://schemas.microsoft.com/office/drawing/2010/main" val="0"/>
-              </a:ext>
-            </a:extLst>
-          </a:blip>
-          <a:stretch>
-            <a:fillRect/>
-          </a:stretch>
-        </p:blipFill>
-        <p:spPr>
-          <a:xfrm>
-            <a:off x="1712640" y="5373216"/>
-            <a:ext cx="7155801" cy="510584"/>
-          </a:xfrm>
-          <a:prstGeom prst="rect">
-            <a:avLst/>
-          </a:prstGeom>
-          <a:ln>
-            <a:solidFill>
-              <a:schemeClr val="bg1">
-                <a:lumMod val="85000"/>
-              </a:schemeClr>
-            </a:solidFill>
-          </a:ln>
-        </p:spPr>
-      </p:pic>
-      <p:sp>
-        <p:nvSpPr>
-          <p:cNvPr id="12" name="모서리가 둥근 직사각형 11"/>
-          <p:cNvSpPr/>
-          <p:nvPr/>
-        </p:nvSpPr>
-        <p:spPr>
-          <a:xfrm>
-            <a:off x="5169024" y="5289277"/>
-            <a:ext cx="3528392" cy="678462"/>
-          </a:xfrm>
-          <a:prstGeom prst="roundRect">
-            <a:avLst/>
-          </a:prstGeom>
-          <a:noFill/>
-          <a:ln w="19050">
-            <a:solidFill>
-              <a:srgbClr val="C00000"/>
-            </a:solidFill>
-          </a:ln>
-        </p:spPr>
-        <p:style>
-          <a:lnRef idx="2">
-            <a:schemeClr val="accent1">
-              <a:shade val="50000"/>
-            </a:schemeClr>
-          </a:lnRef>
-          <a:fillRef idx="1">
-            <a:schemeClr val="accent1"/>
-          </a:fillRef>
-          <a:effectRef idx="0">
-            <a:schemeClr val="accent1"/>
-          </a:effectRef>
-          <a:fontRef idx="minor">
-            <a:schemeClr val="lt1"/>
-          </a:fontRef>
-        </p:style>
-        <p:txBody>
-          <a:bodyPr rtlCol="0" anchor="ctr"/>
-          <a:lstStyle/>
-          <a:p>
-            <a:pPr algn="ctr"/>
-            <a:endParaRPr lang="ko-KR" altLang="en-US"/>
-          </a:p>
-        </p:txBody>
-      </p:sp>
     </p:spTree>
     <p:extLst>
       <p:ext uri="{BB962C8B-B14F-4D97-AF65-F5344CB8AC3E}">
-        <p14:creationId xmlns:p14="http://schemas.microsoft.com/office/powerpoint/2010/main" val="1931639423"/>
+        <p14:creationId xmlns:p14="http://schemas.microsoft.com/office/powerpoint/2010/main" val="2118234274"/>
       </p:ext>
     </p:extLst>
   </p:cSld>
@@ -8969,252 +9004,6 @@
           </a:p>
         </p:txBody>
       </p:sp>
-      <p:sp>
-        <p:nvSpPr>
-          <p:cNvPr id="5" name="TextBox 4"/>
-          <p:cNvSpPr txBox="1"/>
-          <p:nvPr/>
-        </p:nvSpPr>
-        <p:spPr>
-          <a:xfrm>
-            <a:off x="720080" y="1312859"/>
-            <a:ext cx="8481392" cy="1015663"/>
-          </a:xfrm>
-          <a:prstGeom prst="rect">
-            <a:avLst/>
-          </a:prstGeom>
-          <a:noFill/>
-        </p:spPr>
-        <p:txBody>
-          <a:bodyPr wrap="square" rtlCol="0">
-            <a:spAutoFit/>
-          </a:bodyPr>
-          <a:lstStyle/>
-          <a:p>
-            <a:pPr>
-              <a:lnSpc>
-                <a:spcPct val="150000"/>
-              </a:lnSpc>
-            </a:pPr>
-            <a:r>
-              <a:rPr lang="en-US" altLang="ko-KR" dirty="0" smtClean="0"/>
-              <a:t>  </a:t>
-            </a:r>
-            <a:r>
-              <a:rPr lang="ko-KR" altLang="en-US" sz="2000" b="1" dirty="0" err="1" smtClean="0">
-                <a:solidFill>
-                  <a:srgbClr val="C00000"/>
-                </a:solidFill>
-              </a:rPr>
-              <a:t>히든</a:t>
-            </a:r>
-            <a:r>
-              <a:rPr lang="ko-KR" altLang="en-US" sz="2000" b="1" dirty="0" smtClean="0">
-                <a:solidFill>
-                  <a:srgbClr val="C00000"/>
-                </a:solidFill>
-              </a:rPr>
-              <a:t> 필드를 </a:t>
-            </a:r>
-            <a:r>
-              <a:rPr lang="ko-KR" altLang="en-US" sz="2000" b="1" dirty="0" err="1" smtClean="0">
-                <a:solidFill>
-                  <a:srgbClr val="C00000"/>
-                </a:solidFill>
-              </a:rPr>
-              <a:t>만들때</a:t>
-            </a:r>
-            <a:r>
-              <a:rPr lang="ko-KR" altLang="en-US" sz="2000" b="1" dirty="0" smtClean="0">
-                <a:solidFill>
-                  <a:srgbClr val="C00000"/>
-                </a:solidFill>
-              </a:rPr>
-              <a:t> 사용하는 </a:t>
-            </a:r>
-            <a:r>
-              <a:rPr lang="en-US" altLang="ko-KR" sz="2000" b="1" dirty="0" smtClean="0">
-                <a:solidFill>
-                  <a:srgbClr val="C00000"/>
-                </a:solidFill>
-              </a:rPr>
-              <a:t>type=“hidden”</a:t>
-            </a:r>
-          </a:p>
-          <a:p>
-            <a:pPr>
-              <a:lnSpc>
-                <a:spcPct val="150000"/>
-              </a:lnSpc>
-            </a:pPr>
-            <a:r>
-              <a:rPr lang="en-US" altLang="ko-KR" sz="2000" b="1" dirty="0">
-                <a:solidFill>
-                  <a:srgbClr val="C00000"/>
-                </a:solidFill>
-              </a:rPr>
-              <a:t> </a:t>
-            </a:r>
-            <a:r>
-              <a:rPr lang="en-US" altLang="ko-KR" sz="2000" b="1" dirty="0" smtClean="0">
-                <a:solidFill>
-                  <a:srgbClr val="C00000"/>
-                </a:solidFill>
-              </a:rPr>
-              <a:t> </a:t>
-            </a:r>
-            <a:r>
-              <a:rPr lang="ko-KR" altLang="en-US" dirty="0" smtClean="0">
-                <a:solidFill>
-                  <a:srgbClr val="C00000"/>
-                </a:solidFill>
-              </a:rPr>
-              <a:t>사용자에게는 보이지 않고 서버 페이지로 데이터는 전송됨</a:t>
-            </a:r>
-            <a:endParaRPr lang="en-US" altLang="ko-KR" dirty="0" smtClean="0">
-              <a:solidFill>
-                <a:srgbClr val="C00000"/>
-              </a:solidFill>
-            </a:endParaRPr>
-          </a:p>
-        </p:txBody>
-      </p:sp>
-      <p:pic>
-        <p:nvPicPr>
-          <p:cNvPr id="9" name="그림 8"/>
-          <p:cNvPicPr>
-            <a:picLocks noChangeAspect="1"/>
-          </p:cNvPicPr>
-          <p:nvPr/>
-        </p:nvPicPr>
-        <p:blipFill>
-          <a:blip r:embed="rId2">
-            <a:extLst>
-              <a:ext uri="{28A0092B-C50C-407E-A947-70E740481C1C}">
-                <a14:useLocalDpi xmlns:a14="http://schemas.microsoft.com/office/drawing/2010/main" val="0"/>
-              </a:ext>
-            </a:extLst>
-          </a:blip>
-          <a:stretch>
-            <a:fillRect/>
-          </a:stretch>
-        </p:blipFill>
-        <p:spPr>
-          <a:xfrm>
-            <a:off x="1701013" y="2464850"/>
-            <a:ext cx="6213816" cy="3592136"/>
-          </a:xfrm>
-          <a:prstGeom prst="rect">
-            <a:avLst/>
-          </a:prstGeom>
-          <a:ln>
-            <a:solidFill>
-              <a:schemeClr val="bg1">
-                <a:lumMod val="85000"/>
-              </a:schemeClr>
-            </a:solidFill>
-          </a:ln>
-        </p:spPr>
-      </p:pic>
-    </p:spTree>
-    <p:extLst>
-      <p:ext uri="{BB962C8B-B14F-4D97-AF65-F5344CB8AC3E}">
-        <p14:creationId xmlns:p14="http://schemas.microsoft.com/office/powerpoint/2010/main" val="2118234274"/>
-      </p:ext>
-    </p:extLst>
-  </p:cSld>
-  <p:clrMapOvr>
-    <a:masterClrMapping/>
-  </p:clrMapOvr>
-  <p:timing>
-    <p:tnLst>
-      <p:par>
-        <p:cTn id="1" dur="indefinite" restart="never" nodeType="tmRoot"/>
-      </p:par>
-    </p:tnLst>
-  </p:timing>
-</p:sld>
-</file>
-
-<file path=ppt/slides/slide24.xml><?xml version="1.0" encoding="utf-8"?>
-<p:sld xmlns:a="http://schemas.openxmlformats.org/drawingml/2006/main" xmlns:r="http://schemas.openxmlformats.org/officeDocument/2006/relationships" xmlns:p="http://schemas.openxmlformats.org/presentationml/2006/main">
-  <p:cSld>
-    <p:spTree>
-      <p:nvGrpSpPr>
-        <p:cNvPr id="1" name=""/>
-        <p:cNvGrpSpPr/>
-        <p:nvPr/>
-      </p:nvGrpSpPr>
-      <p:grpSpPr>
-        <a:xfrm>
-          <a:off x="0" y="0"/>
-          <a:ext cx="0" cy="0"/>
-          <a:chOff x="0" y="0"/>
-          <a:chExt cx="0" cy="0"/>
-        </a:xfrm>
-      </p:grpSpPr>
-      <p:sp>
-        <p:nvSpPr>
-          <p:cNvPr id="2" name="제목 1"/>
-          <p:cNvSpPr>
-            <a:spLocks noGrp="1"/>
-          </p:cNvSpPr>
-          <p:nvPr>
-            <p:ph type="title"/>
-          </p:nvPr>
-        </p:nvSpPr>
-        <p:spPr>
-          <a:xfrm>
-            <a:off x="416497" y="197768"/>
-            <a:ext cx="6412780" cy="854968"/>
-          </a:xfrm>
-        </p:spPr>
-        <p:txBody>
-          <a:bodyPr>
-            <a:noAutofit/>
-          </a:bodyPr>
-          <a:lstStyle/>
-          <a:p>
-            <a:pPr algn="ctr"/>
-            <a:r>
-              <a:rPr lang="en-US" altLang="ko-KR" sz="2800" dirty="0"/>
-              <a:t>h</a:t>
-            </a:r>
-            <a:r>
-              <a:rPr lang="en-US" altLang="ko-KR" sz="2800" dirty="0" smtClean="0"/>
-              <a:t>idden</a:t>
-            </a:r>
-            <a:r>
-              <a:rPr lang="ko-KR" altLang="en-US" sz="2800" dirty="0" smtClean="0"/>
-              <a:t>으로 서버에 보내기</a:t>
-            </a:r>
-            <a:endParaRPr lang="ko-KR" altLang="en-US" sz="2800" dirty="0"/>
-          </a:p>
-        </p:txBody>
-      </p:sp>
-      <p:sp>
-        <p:nvSpPr>
-          <p:cNvPr id="4" name="슬라이드 번호 개체 틀 3"/>
-          <p:cNvSpPr>
-            <a:spLocks noGrp="1"/>
-          </p:cNvSpPr>
-          <p:nvPr>
-            <p:ph type="sldNum" sz="quarter" idx="12"/>
-          </p:nvPr>
-        </p:nvSpPr>
-        <p:spPr/>
-        <p:txBody>
-          <a:bodyPr/>
-          <a:lstStyle/>
-          <a:p>
-            <a:fld id="{1BDE3FE7-3AEA-4B05-AC5A-802D1816ACF0}" type="slidenum">
-              <a:rPr lang="ko-KR" altLang="en-US" smtClean="0"/>
-              <a:t>24</a:t>
-            </a:fld>
-            <a:endParaRPr lang="ko-KR" altLang="en-US"/>
-          </a:p>
-        </p:txBody>
-      </p:sp>
       <p:pic>
         <p:nvPicPr>
           <p:cNvPr id="3" name="그림 2"/>
@@ -9387,7 +9176,7 @@
 </p:sld>
 </file>
 
-<file path=ppt/slides/slide25.xml><?xml version="1.0" encoding="utf-8"?>
+<file path=ppt/slides/slide24.xml><?xml version="1.0" encoding="utf-8"?>
 <p:sld xmlns:a="http://schemas.openxmlformats.org/drawingml/2006/main" xmlns:r="http://schemas.openxmlformats.org/officeDocument/2006/relationships" xmlns:p="http://schemas.openxmlformats.org/presentationml/2006/main">
   <p:cSld>
     <p:spTree>
@@ -9497,7 +9286,7 @@
           <a:p>
             <a:fld id="{1BDE3FE7-3AEA-4B05-AC5A-802D1816ACF0}" type="slidenum">
               <a:rPr lang="ko-KR" altLang="en-US" smtClean="0"/>
-              <a:t>25</a:t>
+              <a:t>24</a:t>
             </a:fld>
             <a:endParaRPr lang="ko-KR" altLang="en-US"/>
           </a:p>
@@ -9615,7 +9404,7 @@
         <p:spPr>
           <a:xfrm>
             <a:off x="1424608" y="1628800"/>
-            <a:ext cx="7488832" cy="830997"/>
+            <a:ext cx="7488832" cy="1152688"/>
           </a:xfrm>
           <a:prstGeom prst="rect">
             <a:avLst/>
@@ -9672,6 +9461,41 @@
             <a:r>
               <a:rPr lang="en-US" altLang="ko-KR" sz="1600" dirty="0" smtClean="0"/>
               <a:t>.</a:t>
+            </a:r>
+          </a:p>
+          <a:p>
+            <a:pPr>
+              <a:lnSpc>
+                <a:spcPct val="150000"/>
+              </a:lnSpc>
+            </a:pPr>
+            <a:r>
+              <a:rPr lang="en-US" altLang="ko-KR" sz="1600" dirty="0" smtClean="0"/>
+              <a:t>(</a:t>
+            </a:r>
+            <a:r>
+              <a:rPr lang="ko-KR" altLang="en-US" sz="1600" dirty="0" smtClean="0"/>
+              <a:t>단</a:t>
+            </a:r>
+            <a:r>
+              <a:rPr lang="en-US" altLang="ko-KR" sz="1600" dirty="0" smtClean="0"/>
+              <a:t>, type </a:t>
+            </a:r>
+            <a:r>
+              <a:rPr lang="ko-KR" altLang="en-US" sz="1600" dirty="0" smtClean="0"/>
+              <a:t>속성에 </a:t>
+            </a:r>
+            <a:r>
+              <a:rPr lang="en-US" altLang="ko-KR" sz="1600" dirty="0" smtClean="0"/>
+              <a:t>submit</a:t>
+            </a:r>
+            <a:r>
+              <a:rPr lang="ko-KR" altLang="en-US" sz="1600" dirty="0" smtClean="0"/>
+              <a:t>을 명시하면 서버 페이지 전송이 가능함</a:t>
+            </a:r>
+            <a:r>
+              <a:rPr lang="en-US" altLang="ko-KR" sz="1600" dirty="0" smtClean="0"/>
+              <a:t>)</a:t>
             </a:r>
             <a:endParaRPr lang="ko-KR" altLang="en-US" sz="1600" dirty="0"/>
           </a:p>
@@ -9758,8 +9582,8 @@
         </p:blipFill>
         <p:spPr>
           <a:xfrm>
-            <a:off x="1849429" y="2461467"/>
-            <a:ext cx="6309907" cy="1371719"/>
+            <a:off x="2072680" y="2959387"/>
+            <a:ext cx="5628625" cy="1223614"/>
           </a:xfrm>
           <a:prstGeom prst="rect">
             <a:avLst/>
@@ -9777,6 +9601,209 @@
     <p:extLst>
       <p:ext uri="{BB962C8B-B14F-4D97-AF65-F5344CB8AC3E}">
         <p14:creationId xmlns:p14="http://schemas.microsoft.com/office/powerpoint/2010/main" val="121853694"/>
+      </p:ext>
+    </p:extLst>
+  </p:cSld>
+  <p:clrMapOvr>
+    <a:masterClrMapping/>
+  </p:clrMapOvr>
+  <p:timing>
+    <p:tnLst>
+      <p:par>
+        <p:cTn id="1" dur="indefinite" restart="never" nodeType="tmRoot"/>
+      </p:par>
+    </p:tnLst>
+  </p:timing>
+</p:sld>
+</file>
+
+<file path=ppt/slides/slide25.xml><?xml version="1.0" encoding="utf-8"?>
+<p:sld xmlns:a="http://schemas.openxmlformats.org/drawingml/2006/main" xmlns:r="http://schemas.openxmlformats.org/officeDocument/2006/relationships" xmlns:p="http://schemas.openxmlformats.org/presentationml/2006/main">
+  <p:cSld>
+    <p:spTree>
+      <p:nvGrpSpPr>
+        <p:cNvPr id="1" name=""/>
+        <p:cNvGrpSpPr/>
+        <p:nvPr/>
+      </p:nvGrpSpPr>
+      <p:grpSpPr>
+        <a:xfrm>
+          <a:off x="0" y="0"/>
+          <a:ext cx="0" cy="0"/>
+          <a:chOff x="0" y="0"/>
+          <a:chExt cx="0" cy="0"/>
+        </a:xfrm>
+      </p:grpSpPr>
+      <p:sp>
+        <p:nvSpPr>
+          <p:cNvPr id="2" name="제목 1"/>
+          <p:cNvSpPr>
+            <a:spLocks noGrp="1"/>
+          </p:cNvSpPr>
+          <p:nvPr>
+            <p:ph type="title"/>
+          </p:nvPr>
+        </p:nvSpPr>
+        <p:spPr>
+          <a:xfrm>
+            <a:off x="416497" y="197768"/>
+            <a:ext cx="6412780" cy="854968"/>
+          </a:xfrm>
+        </p:spPr>
+        <p:txBody>
+          <a:bodyPr>
+            <a:noAutofit/>
+          </a:bodyPr>
+          <a:lstStyle/>
+          <a:p>
+            <a:pPr algn="ctr"/>
+            <a:r>
+              <a:rPr lang="ko-KR" altLang="en-US" sz="2800" dirty="0" smtClean="0"/>
+              <a:t>버튼 </a:t>
+            </a:r>
+            <a:r>
+              <a:rPr lang="en-US" altLang="ko-KR" sz="2800" dirty="0" smtClean="0"/>
+              <a:t>&lt;button&gt; </a:t>
+            </a:r>
+            <a:r>
+              <a:rPr lang="ko-KR" altLang="en-US" sz="2800" dirty="0" smtClean="0"/>
+              <a:t>태그</a:t>
+            </a:r>
+            <a:endParaRPr lang="ko-KR" altLang="en-US" sz="2800" dirty="0"/>
+          </a:p>
+        </p:txBody>
+      </p:sp>
+      <p:sp>
+        <p:nvSpPr>
+          <p:cNvPr id="4" name="슬라이드 번호 개체 틀 3"/>
+          <p:cNvSpPr>
+            <a:spLocks noGrp="1"/>
+          </p:cNvSpPr>
+          <p:nvPr>
+            <p:ph type="sldNum" sz="quarter" idx="12"/>
+          </p:nvPr>
+        </p:nvSpPr>
+        <p:spPr/>
+        <p:txBody>
+          <a:bodyPr/>
+          <a:lstStyle/>
+          <a:p>
+            <a:fld id="{1BDE3FE7-3AEA-4B05-AC5A-802D1816ACF0}" type="slidenum">
+              <a:rPr lang="ko-KR" altLang="en-US" smtClean="0"/>
+              <a:t>25</a:t>
+            </a:fld>
+            <a:endParaRPr lang="ko-KR" altLang="en-US"/>
+          </a:p>
+        </p:txBody>
+      </p:sp>
+      <p:sp>
+        <p:nvSpPr>
+          <p:cNvPr id="22" name="TextBox 21"/>
+          <p:cNvSpPr txBox="1"/>
+          <p:nvPr/>
+        </p:nvSpPr>
+        <p:spPr>
+          <a:xfrm>
+            <a:off x="1352600" y="1196752"/>
+            <a:ext cx="3960440" cy="507831"/>
+          </a:xfrm>
+          <a:prstGeom prst="rect">
+            <a:avLst/>
+          </a:prstGeom>
+          <a:noFill/>
+        </p:spPr>
+        <p:txBody>
+          <a:bodyPr wrap="square" rtlCol="0">
+            <a:spAutoFit/>
+          </a:bodyPr>
+          <a:lstStyle/>
+          <a:p>
+            <a:pPr>
+              <a:lnSpc>
+                <a:spcPct val="150000"/>
+              </a:lnSpc>
+            </a:pPr>
+            <a:r>
+              <a:rPr lang="en-US" altLang="ko-KR" b="1" dirty="0" smtClean="0">
+                <a:solidFill>
+                  <a:srgbClr val="C00000"/>
+                </a:solidFill>
+              </a:rPr>
+              <a:t>&lt;button&gt;</a:t>
+            </a:r>
+            <a:r>
+              <a:rPr lang="ko-KR" altLang="en-US" b="1" dirty="0" smtClean="0">
+                <a:solidFill>
+                  <a:srgbClr val="C00000"/>
+                </a:solidFill>
+              </a:rPr>
+              <a:t>태그 </a:t>
+            </a:r>
+            <a:r>
+              <a:rPr lang="en-US" altLang="ko-KR" b="1" dirty="0" smtClean="0">
+                <a:solidFill>
+                  <a:srgbClr val="C00000"/>
+                </a:solidFill>
+              </a:rPr>
+              <a:t>– </a:t>
+            </a:r>
+            <a:r>
+              <a:rPr lang="ko-KR" altLang="en-US" b="1" dirty="0" smtClean="0">
+                <a:solidFill>
+                  <a:srgbClr val="C00000"/>
+                </a:solidFill>
+              </a:rPr>
+              <a:t>버튼 만들기</a:t>
+            </a:r>
+            <a:endParaRPr lang="en-US" altLang="ko-KR" b="1" dirty="0" smtClean="0">
+              <a:solidFill>
+                <a:srgbClr val="C00000"/>
+              </a:solidFill>
+            </a:endParaRPr>
+          </a:p>
+        </p:txBody>
+      </p:sp>
+      <p:pic>
+        <p:nvPicPr>
+          <p:cNvPr id="3" name="그림 2"/>
+          <p:cNvPicPr>
+            <a:picLocks noChangeAspect="1"/>
+          </p:cNvPicPr>
+          <p:nvPr/>
+        </p:nvPicPr>
+        <p:blipFill>
+          <a:blip r:embed="rId2">
+            <a:extLst>
+              <a:ext uri="{28A0092B-C50C-407E-A947-70E740481C1C}">
+                <a14:useLocalDpi xmlns:a14="http://schemas.microsoft.com/office/drawing/2010/main" val="0"/>
+              </a:ext>
+            </a:extLst>
+          </a:blip>
+          <a:stretch>
+            <a:fillRect/>
+          </a:stretch>
+        </p:blipFill>
+        <p:spPr>
+          <a:xfrm>
+            <a:off x="848544" y="1721602"/>
+            <a:ext cx="8059651" cy="4118501"/>
+          </a:xfrm>
+          <a:prstGeom prst="rect">
+            <a:avLst/>
+          </a:prstGeom>
+          <a:ln>
+            <a:solidFill>
+              <a:schemeClr val="bg1">
+                <a:lumMod val="85000"/>
+              </a:schemeClr>
+            </a:solidFill>
+          </a:ln>
+        </p:spPr>
+      </p:pic>
+    </p:spTree>
+    <p:extLst>
+      <p:ext uri="{BB962C8B-B14F-4D97-AF65-F5344CB8AC3E}">
+        <p14:creationId xmlns:p14="http://schemas.microsoft.com/office/powerpoint/2010/main" val="2201219855"/>
       </p:ext>
     </p:extLst>
   </p:cSld>
@@ -9835,15 +9862,15 @@
             <a:pPr algn="ctr"/>
             <a:r>
               <a:rPr lang="ko-KR" altLang="en-US" sz="2800" dirty="0" smtClean="0"/>
-              <a:t>상</a:t>
-            </a:r>
-            <a:r>
-              <a:rPr lang="ko-KR" altLang="en-US" sz="2800" dirty="0"/>
-              <a:t>품</a:t>
+              <a:t>버튼 </a:t>
+            </a:r>
+            <a:r>
+              <a:rPr lang="en-US" altLang="ko-KR" sz="2800" dirty="0" smtClean="0"/>
+              <a:t>&lt;button&gt; </a:t>
             </a:r>
             <a:r>
               <a:rPr lang="ko-KR" altLang="en-US" sz="2800" dirty="0" smtClean="0"/>
-              <a:t> 주문서 만들기</a:t>
+              <a:t>태그</a:t>
             </a:r>
             <a:endParaRPr lang="ko-KR" altLang="en-US" sz="2800" dirty="0"/>
           </a:p>
@@ -9872,9 +9899,76 @@
           </a:p>
         </p:txBody>
       </p:sp>
+      <p:sp>
+        <p:nvSpPr>
+          <p:cNvPr id="22" name="TextBox 21"/>
+          <p:cNvSpPr txBox="1"/>
+          <p:nvPr/>
+        </p:nvSpPr>
+        <p:spPr>
+          <a:xfrm>
+            <a:off x="1352600" y="1196752"/>
+            <a:ext cx="3960440" cy="507831"/>
+          </a:xfrm>
+          <a:prstGeom prst="rect">
+            <a:avLst/>
+          </a:prstGeom>
+          <a:noFill/>
+        </p:spPr>
+        <p:txBody>
+          <a:bodyPr wrap="square" rtlCol="0">
+            <a:spAutoFit/>
+          </a:bodyPr>
+          <a:lstStyle/>
+          <a:p>
+            <a:pPr>
+              <a:lnSpc>
+                <a:spcPct val="150000"/>
+              </a:lnSpc>
+            </a:pPr>
+            <a:r>
+              <a:rPr lang="en-US" altLang="ko-KR" b="1" dirty="0" smtClean="0">
+                <a:solidFill>
+                  <a:srgbClr val="C00000"/>
+                </a:solidFill>
+              </a:rPr>
+              <a:t>&lt;button&gt;</a:t>
+            </a:r>
+            <a:r>
+              <a:rPr lang="ko-KR" altLang="en-US" b="1" dirty="0" smtClean="0">
+                <a:solidFill>
+                  <a:srgbClr val="C00000"/>
+                </a:solidFill>
+              </a:rPr>
+              <a:t> </a:t>
+            </a:r>
+            <a:r>
+              <a:rPr lang="en-US" altLang="ko-KR" b="1" dirty="0" smtClean="0">
+                <a:solidFill>
+                  <a:srgbClr val="C00000"/>
+                </a:solidFill>
+              </a:rPr>
+              <a:t>– </a:t>
+            </a:r>
+            <a:r>
+              <a:rPr lang="ko-KR" altLang="en-US" b="1" dirty="0" smtClean="0">
+                <a:solidFill>
+                  <a:srgbClr val="C00000"/>
+                </a:solidFill>
+              </a:rPr>
+              <a:t>스타일 속성</a:t>
+            </a:r>
+            <a:endParaRPr lang="en-US" altLang="ko-KR" b="1" dirty="0" smtClean="0">
+              <a:solidFill>
+                <a:srgbClr val="C00000"/>
+              </a:solidFill>
+            </a:endParaRPr>
+          </a:p>
+        </p:txBody>
+      </p:sp>
       <p:pic>
         <p:nvPicPr>
-          <p:cNvPr id="3" name="그림 2"/>
+          <p:cNvPr id="5" name="그림 4"/>
           <p:cNvPicPr>
             <a:picLocks noChangeAspect="1"/>
           </p:cNvPicPr>
@@ -9894,8 +9988,8 @@
         </p:blipFill>
         <p:spPr>
           <a:xfrm>
-            <a:off x="1981987" y="1196752"/>
-            <a:ext cx="5024647" cy="5505322"/>
+            <a:off x="4016896" y="1898136"/>
+            <a:ext cx="4359018" cy="4549534"/>
           </a:xfrm>
           <a:prstGeom prst="rect">
             <a:avLst/>
@@ -9909,10 +10003,43 @@
           </a:ln>
         </p:spPr>
       </p:pic>
+      <p:pic>
+        <p:nvPicPr>
+          <p:cNvPr id="6" name="그림 5"/>
+          <p:cNvPicPr>
+            <a:picLocks noChangeAspect="1"/>
+          </p:cNvPicPr>
+          <p:nvPr/>
+        </p:nvPicPr>
+        <p:blipFill>
+          <a:blip r:embed="rId3">
+            <a:extLst>
+              <a:ext uri="{28A0092B-C50C-407E-A947-70E740481C1C}">
+                <a14:useLocalDpi xmlns:a14="http://schemas.microsoft.com/office/drawing/2010/main" val="0"/>
+              </a:ext>
+            </a:extLst>
+          </a:blip>
+          <a:stretch>
+            <a:fillRect/>
+          </a:stretch>
+        </p:blipFill>
+        <p:spPr>
+          <a:xfrm>
+            <a:off x="1561779" y="2204864"/>
+            <a:ext cx="2324038" cy="792088"/>
+          </a:xfrm>
+          <a:prstGeom prst="rect">
+            <a:avLst/>
+          </a:prstGeom>
+          <a:ln>
+            <a:noFill/>
+          </a:ln>
+        </p:spPr>
+      </p:pic>
     </p:spTree>
     <p:extLst>
       <p:ext uri="{BB962C8B-B14F-4D97-AF65-F5344CB8AC3E}">
-        <p14:creationId xmlns:p14="http://schemas.microsoft.com/office/powerpoint/2010/main" val="2661391298"/>
+        <p14:creationId xmlns:p14="http://schemas.microsoft.com/office/powerpoint/2010/main" val="305818492"/>
       </p:ext>
     </p:extLst>
   </p:cSld>
@@ -9970,9 +10097,18 @@
           <a:p>
             <a:pPr algn="ctr"/>
             <a:r>
+              <a:rPr lang="ko-KR" altLang="en-US" sz="2800" dirty="0" smtClean="0"/>
+              <a:t>상</a:t>
+            </a:r>
+            <a:r>
               <a:rPr lang="ko-KR" altLang="en-US" sz="2800" dirty="0"/>
-              <a:t>상품 주문서 만들기</a:t>
-            </a:r>
+              <a:t>품</a:t>
+            </a:r>
+            <a:r>
+              <a:rPr lang="ko-KR" altLang="en-US" sz="2800" dirty="0" smtClean="0"/>
+              <a:t> 주문서 만들기</a:t>
+            </a:r>
+            <a:endParaRPr lang="ko-KR" altLang="en-US" sz="2800" dirty="0"/>
           </a:p>
         </p:txBody>
       </p:sp>
@@ -10001,7 +10137,7 @@
       </p:sp>
       <p:pic>
         <p:nvPicPr>
-          <p:cNvPr id="6" name="그림 5"/>
+          <p:cNvPr id="3" name="그림 2"/>
           <p:cNvPicPr>
             <a:picLocks noChangeAspect="1"/>
           </p:cNvPicPr>
@@ -10021,8 +10157,8 @@
         </p:blipFill>
         <p:spPr>
           <a:xfrm>
-            <a:off x="1784648" y="1244052"/>
-            <a:ext cx="6270663" cy="5353299"/>
+            <a:off x="1981987" y="1196752"/>
+            <a:ext cx="5024647" cy="5505322"/>
           </a:xfrm>
           <a:prstGeom prst="rect">
             <a:avLst/>
@@ -10036,61 +10172,10 @@
           </a:ln>
         </p:spPr>
       </p:pic>
-      <p:sp>
-        <p:nvSpPr>
-          <p:cNvPr id="10" name="TextBox 9"/>
-          <p:cNvSpPr txBox="1"/>
-          <p:nvPr/>
-        </p:nvSpPr>
-        <p:spPr>
-          <a:xfrm>
-            <a:off x="6753200" y="1476890"/>
-            <a:ext cx="1512168" cy="461665"/>
-          </a:xfrm>
-          <a:prstGeom prst="rect">
-            <a:avLst/>
-          </a:prstGeom>
-          <a:noFill/>
-        </p:spPr>
-        <p:txBody>
-          <a:bodyPr wrap="square" rtlCol="0">
-            <a:spAutoFit/>
-          </a:bodyPr>
-          <a:lstStyle/>
-          <a:p>
-            <a:pPr>
-              <a:lnSpc>
-                <a:spcPct val="150000"/>
-              </a:lnSpc>
-            </a:pPr>
-            <a:r>
-              <a:rPr lang="en-US" altLang="ko-KR" sz="1600" dirty="0" smtClean="0">
-                <a:solidFill>
-                  <a:srgbClr val="C00000"/>
-                </a:solidFill>
-              </a:rPr>
-              <a:t>order.html </a:t>
-            </a:r>
-            <a:r>
-              <a:rPr lang="ko-KR" altLang="en-US" sz="1600" dirty="0" smtClean="0">
-                <a:solidFill>
-                  <a:srgbClr val="C00000"/>
-                </a:solidFill>
-              </a:rPr>
-              <a:t> </a:t>
-            </a:r>
-            <a:endParaRPr lang="en-US" altLang="ko-KR" sz="1600" dirty="0" smtClean="0">
-              <a:solidFill>
-                <a:srgbClr val="C00000"/>
-              </a:solidFill>
-            </a:endParaRPr>
-          </a:p>
-        </p:txBody>
-      </p:sp>
     </p:spTree>
     <p:extLst>
       <p:ext uri="{BB962C8B-B14F-4D97-AF65-F5344CB8AC3E}">
-        <p14:creationId xmlns:p14="http://schemas.microsoft.com/office/powerpoint/2010/main" val="2180674310"/>
+        <p14:creationId xmlns:p14="http://schemas.microsoft.com/office/powerpoint/2010/main" val="2661391298"/>
       </p:ext>
     </p:extLst>
   </p:cSld>
@@ -10179,7 +10264,7 @@
       </p:sp>
       <p:pic>
         <p:nvPicPr>
-          <p:cNvPr id="3" name="그림 2"/>
+          <p:cNvPr id="6" name="그림 5"/>
           <p:cNvPicPr>
             <a:picLocks noChangeAspect="1"/>
           </p:cNvPicPr>
@@ -10199,8 +10284,8 @@
         </p:blipFill>
         <p:spPr>
           <a:xfrm>
-            <a:off x="1712640" y="1177205"/>
-            <a:ext cx="4638549" cy="5472609"/>
+            <a:off x="1784648" y="1244052"/>
+            <a:ext cx="6270663" cy="5353299"/>
           </a:xfrm>
           <a:prstGeom prst="rect">
             <a:avLst/>
@@ -10216,13 +10301,13 @@
       </p:pic>
       <p:sp>
         <p:nvSpPr>
-          <p:cNvPr id="7" name="TextBox 6"/>
+          <p:cNvPr id="10" name="TextBox 9"/>
           <p:cNvSpPr txBox="1"/>
           <p:nvPr/>
         </p:nvSpPr>
         <p:spPr>
           <a:xfrm>
-            <a:off x="5673080" y="1556791"/>
+            <a:off x="6753200" y="1476890"/>
             <a:ext cx="1512168" cy="461665"/>
           </a:xfrm>
           <a:prstGeom prst="rect">
@@ -10265,47 +10350,10 @@
           </a:p>
         </p:txBody>
       </p:sp>
-      <p:pic>
-        <p:nvPicPr>
-          <p:cNvPr id="6" name="그림 5"/>
-          <p:cNvPicPr>
-            <a:picLocks noChangeAspect="1"/>
-          </p:cNvPicPr>
-          <p:nvPr/>
-        </p:nvPicPr>
-        <p:blipFill>
-          <a:blip r:embed="rId3">
-            <a:extLst>
-              <a:ext uri="{28A0092B-C50C-407E-A947-70E740481C1C}">
-                <a14:useLocalDpi xmlns:a14="http://schemas.microsoft.com/office/drawing/2010/main" val="0"/>
-              </a:ext>
-            </a:extLst>
-          </a:blip>
-          <a:stretch>
-            <a:fillRect/>
-          </a:stretch>
-        </p:blipFill>
-        <p:spPr>
-          <a:xfrm>
-            <a:off x="5529064" y="2564904"/>
-            <a:ext cx="4099916" cy="1272650"/>
-          </a:xfrm>
-          <a:prstGeom prst="rect">
-            <a:avLst/>
-          </a:prstGeom>
-          <a:ln>
-            <a:solidFill>
-              <a:schemeClr val="bg1">
-                <a:lumMod val="85000"/>
-              </a:schemeClr>
-            </a:solidFill>
-          </a:ln>
-        </p:spPr>
-      </p:pic>
     </p:spTree>
     <p:extLst>
       <p:ext uri="{BB962C8B-B14F-4D97-AF65-F5344CB8AC3E}">
-        <p14:creationId xmlns:p14="http://schemas.microsoft.com/office/powerpoint/2010/main" val="3670364939"/>
+        <p14:creationId xmlns:p14="http://schemas.microsoft.com/office/powerpoint/2010/main" val="2180674310"/>
       </p:ext>
     </p:extLst>
   </p:cSld>
@@ -10315,83 +10363,7 @@
   <p:timing>
     <p:tnLst>
       <p:par>
-        <p:cTn id="1" dur="indefinite" restart="never" nodeType="tmRoot">
-          <p:childTnLst>
-            <p:seq concurrent="1" nextAc="seek">
-              <p:cTn id="2" dur="indefinite" nodeType="mainSeq">
-                <p:childTnLst>
-                  <p:par>
-                    <p:cTn id="3" fill="hold">
-                      <p:stCondLst>
-                        <p:cond delay="indefinite"/>
-                      </p:stCondLst>
-                      <p:childTnLst>
-                        <p:par>
-                          <p:cTn id="4" fill="hold">
-                            <p:stCondLst>
-                              <p:cond delay="0"/>
-                            </p:stCondLst>
-                            <p:childTnLst>
-                              <p:par>
-                                <p:cTn id="5" presetID="22" presetClass="entr" presetSubtype="8" fill="hold" nodeType="clickEffect">
-                                  <p:stCondLst>
-                                    <p:cond delay="0"/>
-                                  </p:stCondLst>
-                                  <p:childTnLst>
-                                    <p:set>
-                                      <p:cBhvr>
-                                        <p:cTn id="6" dur="1" fill="hold">
-                                          <p:stCondLst>
-                                            <p:cond delay="0"/>
-                                          </p:stCondLst>
-                                        </p:cTn>
-                                        <p:tgtEl>
-                                          <p:spTgt spid="6"/>
-                                        </p:tgtEl>
-                                        <p:attrNameLst>
-                                          <p:attrName>style.visibility</p:attrName>
-                                        </p:attrNameLst>
-                                      </p:cBhvr>
-                                      <p:to>
-                                        <p:strVal val="visible"/>
-                                      </p:to>
-                                    </p:set>
-                                    <p:animEffect transition="in" filter="wipe(left)">
-                                      <p:cBhvr>
-                                        <p:cTn id="7" dur="500"/>
-                                        <p:tgtEl>
-                                          <p:spTgt spid="6"/>
-                                        </p:tgtEl>
-                                      </p:cBhvr>
-                                    </p:animEffect>
-                                  </p:childTnLst>
-                                </p:cTn>
-                              </p:par>
-                            </p:childTnLst>
-                          </p:cTn>
-                        </p:par>
-                      </p:childTnLst>
-                    </p:cTn>
-                  </p:par>
-                </p:childTnLst>
-              </p:cTn>
-              <p:prevCondLst>
-                <p:cond evt="onPrev" delay="0">
-                  <p:tgtEl>
-                    <p:sldTgt/>
-                  </p:tgtEl>
-                </p:cond>
-              </p:prevCondLst>
-              <p:nextCondLst>
-                <p:cond evt="onNext" delay="0">
-                  <p:tgtEl>
-                    <p:sldTgt/>
-                  </p:tgtEl>
-                </p:cond>
-              </p:nextCondLst>
-            </p:seq>
-          </p:childTnLst>
-        </p:cTn>
+        <p:cTn id="1" dur="indefinite" restart="never" nodeType="tmRoot"/>
       </p:par>
     </p:tnLst>
   </p:timing>
@@ -10439,10 +10411,9 @@
           <a:p>
             <a:pPr algn="ctr"/>
             <a:r>
-              <a:rPr lang="ko-KR" altLang="en-US" sz="2800" dirty="0" smtClean="0"/>
-              <a:t>실습 예제</a:t>
-            </a:r>
-            <a:endParaRPr lang="ko-KR" altLang="en-US" sz="2800" dirty="0"/>
+              <a:rPr lang="ko-KR" altLang="en-US" sz="2800" dirty="0"/>
+              <a:t>상품 주문서 만들기</a:t>
+            </a:r>
           </a:p>
         </p:txBody>
       </p:sp>
@@ -10471,7 +10442,7 @@
       </p:sp>
       <p:pic>
         <p:nvPicPr>
-          <p:cNvPr id="6" name="그림 5"/>
+          <p:cNvPr id="3" name="그림 2"/>
           <p:cNvPicPr>
             <a:picLocks noChangeAspect="1"/>
           </p:cNvPicPr>
@@ -10491,18 +10462,113 @@
         </p:blipFill>
         <p:spPr>
           <a:xfrm>
-            <a:off x="2216696" y="1268760"/>
-            <a:ext cx="4705740" cy="5040560"/>
+            <a:off x="1424608" y="1163290"/>
+            <a:ext cx="4638549" cy="5472609"/>
           </a:xfrm>
           <a:prstGeom prst="rect">
             <a:avLst/>
           </a:prstGeom>
+          <a:ln>
+            <a:solidFill>
+              <a:schemeClr val="bg1">
+                <a:lumMod val="85000"/>
+              </a:schemeClr>
+            </a:solidFill>
+          </a:ln>
+        </p:spPr>
+      </p:pic>
+      <p:sp>
+        <p:nvSpPr>
+          <p:cNvPr id="7" name="TextBox 6"/>
+          <p:cNvSpPr txBox="1"/>
+          <p:nvPr/>
+        </p:nvSpPr>
+        <p:spPr>
+          <a:xfrm>
+            <a:off x="5673080" y="1556791"/>
+            <a:ext cx="1512168" cy="461665"/>
+          </a:xfrm>
+          <a:prstGeom prst="rect">
+            <a:avLst/>
+          </a:prstGeom>
+          <a:noFill/>
+        </p:spPr>
+        <p:txBody>
+          <a:bodyPr wrap="square" rtlCol="0">
+            <a:spAutoFit/>
+          </a:bodyPr>
+          <a:lstStyle/>
+          <a:p>
+            <a:pPr>
+              <a:lnSpc>
+                <a:spcPct val="150000"/>
+              </a:lnSpc>
+            </a:pPr>
+            <a:r>
+              <a:rPr lang="en-US" altLang="ko-KR" sz="1600" dirty="0" smtClean="0">
+                <a:solidFill>
+                  <a:srgbClr val="C00000"/>
+                </a:solidFill>
+              </a:rPr>
+              <a:t>order.html </a:t>
+            </a:r>
+            <a:r>
+              <a:rPr lang="ko-KR" altLang="en-US" sz="1600" dirty="0" smtClean="0">
+                <a:solidFill>
+                  <a:srgbClr val="C00000"/>
+                </a:solidFill>
+              </a:rPr>
+              <a:t> </a:t>
+            </a:r>
+            <a:endParaRPr lang="en-US" altLang="ko-KR" sz="1600" dirty="0" smtClean="0">
+              <a:solidFill>
+                <a:srgbClr val="C00000"/>
+              </a:solidFill>
+            </a:endParaRPr>
+          </a:p>
+        </p:txBody>
+      </p:sp>
+      <p:pic>
+        <p:nvPicPr>
+          <p:cNvPr id="5" name="그림 4"/>
+          <p:cNvPicPr>
+            <a:picLocks noChangeAspect="1"/>
+          </p:cNvPicPr>
+          <p:nvPr/>
+        </p:nvPicPr>
+        <p:blipFill>
+          <a:blip r:embed="rId3">
+            <a:extLst>
+              <a:ext uri="{28A0092B-C50C-407E-A947-70E740481C1C}">
+                <a14:useLocalDpi xmlns:a14="http://schemas.microsoft.com/office/drawing/2010/main" val="0"/>
+              </a:ext>
+            </a:extLst>
+          </a:blip>
+          <a:stretch>
+            <a:fillRect/>
+          </a:stretch>
+        </p:blipFill>
+        <p:spPr>
+          <a:xfrm>
+            <a:off x="5688131" y="2153920"/>
+            <a:ext cx="3854241" cy="2880320"/>
+          </a:xfrm>
+          <a:prstGeom prst="rect">
+            <a:avLst/>
+          </a:prstGeom>
+          <a:ln>
+            <a:solidFill>
+              <a:schemeClr val="bg1">
+                <a:lumMod val="85000"/>
+              </a:schemeClr>
+            </a:solidFill>
+          </a:ln>
         </p:spPr>
       </p:pic>
     </p:spTree>
     <p:extLst>
       <p:ext uri="{BB962C8B-B14F-4D97-AF65-F5344CB8AC3E}">
-        <p14:creationId xmlns:p14="http://schemas.microsoft.com/office/powerpoint/2010/main" val="2404986122"/>
+        <p14:creationId xmlns:p14="http://schemas.microsoft.com/office/powerpoint/2010/main" val="3670364939"/>
       </p:ext>
     </p:extLst>
   </p:cSld>
@@ -11239,6 +11305,127 @@
           </a:p>
         </p:txBody>
       </p:sp>
+      <p:pic>
+        <p:nvPicPr>
+          <p:cNvPr id="6" name="그림 5"/>
+          <p:cNvPicPr>
+            <a:picLocks noChangeAspect="1"/>
+          </p:cNvPicPr>
+          <p:nvPr/>
+        </p:nvPicPr>
+        <p:blipFill>
+          <a:blip r:embed="rId2">
+            <a:extLst>
+              <a:ext uri="{28A0092B-C50C-407E-A947-70E740481C1C}">
+                <a14:useLocalDpi xmlns:a14="http://schemas.microsoft.com/office/drawing/2010/main" val="0"/>
+              </a:ext>
+            </a:extLst>
+          </a:blip>
+          <a:stretch>
+            <a:fillRect/>
+          </a:stretch>
+        </p:blipFill>
+        <p:spPr>
+          <a:xfrm>
+            <a:off x="2216696" y="1268760"/>
+            <a:ext cx="4705740" cy="5040560"/>
+          </a:xfrm>
+          <a:prstGeom prst="rect">
+            <a:avLst/>
+          </a:prstGeom>
+        </p:spPr>
+      </p:pic>
+    </p:spTree>
+    <p:extLst>
+      <p:ext uri="{BB962C8B-B14F-4D97-AF65-F5344CB8AC3E}">
+        <p14:creationId xmlns:p14="http://schemas.microsoft.com/office/powerpoint/2010/main" val="2404986122"/>
+      </p:ext>
+    </p:extLst>
+  </p:cSld>
+  <p:clrMapOvr>
+    <a:masterClrMapping/>
+  </p:clrMapOvr>
+  <p:timing>
+    <p:tnLst>
+      <p:par>
+        <p:cTn id="1" dur="indefinite" restart="never" nodeType="tmRoot"/>
+      </p:par>
+    </p:tnLst>
+  </p:timing>
+</p:sld>
+</file>
+
+<file path=ppt/slides/slide31.xml><?xml version="1.0" encoding="utf-8"?>
+<p:sld xmlns:a="http://schemas.openxmlformats.org/drawingml/2006/main" xmlns:r="http://schemas.openxmlformats.org/officeDocument/2006/relationships" xmlns:p="http://schemas.openxmlformats.org/presentationml/2006/main">
+  <p:cSld>
+    <p:spTree>
+      <p:nvGrpSpPr>
+        <p:cNvPr id="1" name=""/>
+        <p:cNvGrpSpPr/>
+        <p:nvPr/>
+      </p:nvGrpSpPr>
+      <p:grpSpPr>
+        <a:xfrm>
+          <a:off x="0" y="0"/>
+          <a:ext cx="0" cy="0"/>
+          <a:chOff x="0" y="0"/>
+          <a:chExt cx="0" cy="0"/>
+        </a:xfrm>
+      </p:grpSpPr>
+      <p:sp>
+        <p:nvSpPr>
+          <p:cNvPr id="2" name="제목 1"/>
+          <p:cNvSpPr>
+            <a:spLocks noGrp="1"/>
+          </p:cNvSpPr>
+          <p:nvPr>
+            <p:ph type="title"/>
+          </p:nvPr>
+        </p:nvSpPr>
+        <p:spPr>
+          <a:xfrm>
+            <a:off x="416497" y="197768"/>
+            <a:ext cx="6412780" cy="854968"/>
+          </a:xfrm>
+        </p:spPr>
+        <p:txBody>
+          <a:bodyPr>
+            <a:noAutofit/>
+          </a:bodyPr>
+          <a:lstStyle/>
+          <a:p>
+            <a:pPr algn="ctr"/>
+            <a:r>
+              <a:rPr lang="ko-KR" altLang="en-US" sz="2800" dirty="0" smtClean="0"/>
+              <a:t>실습 예제</a:t>
+            </a:r>
+            <a:endParaRPr lang="ko-KR" altLang="en-US" sz="2800" dirty="0"/>
+          </a:p>
+        </p:txBody>
+      </p:sp>
+      <p:sp>
+        <p:nvSpPr>
+          <p:cNvPr id="4" name="슬라이드 번호 개체 틀 3"/>
+          <p:cNvSpPr>
+            <a:spLocks noGrp="1"/>
+          </p:cNvSpPr>
+          <p:nvPr>
+            <p:ph type="sldNum" sz="quarter" idx="12"/>
+          </p:nvPr>
+        </p:nvSpPr>
+        <p:spPr/>
+        <p:txBody>
+          <a:bodyPr/>
+          <a:lstStyle/>
+          <a:p>
+            <a:fld id="{1BDE3FE7-3AEA-4B05-AC5A-802D1816ACF0}" type="slidenum">
+              <a:rPr lang="ko-KR" altLang="en-US" smtClean="0"/>
+              <a:t>31</a:t>
+            </a:fld>
+            <a:endParaRPr lang="ko-KR" altLang="en-US"/>
+          </a:p>
+        </p:txBody>
+      </p:sp>
       <p:sp>
         <p:nvSpPr>
           <p:cNvPr id="5" name="TextBox 4"/>
@@ -11247,8 +11434,8 @@
         </p:nvSpPr>
         <p:spPr>
           <a:xfrm>
-            <a:off x="1280592" y="1916832"/>
-            <a:ext cx="6272781" cy="2308324"/>
+            <a:off x="1424608" y="1988840"/>
+            <a:ext cx="6192688" cy="3046988"/>
           </a:xfrm>
           <a:prstGeom prst="rect">
             <a:avLst/>
@@ -11270,7 +11457,7 @@
           <a:p>
             <a:pPr marL="342900" indent="-342900">
               <a:lnSpc>
-                <a:spcPct val="150000"/>
+                <a:spcPct val="200000"/>
               </a:lnSpc>
               <a:buFont typeface="+mj-ea"/>
               <a:buAutoNum type="circleNumDbPlain"/>
@@ -11285,7 +11472,7 @@
             </a:r>
             <a:r>
               <a:rPr lang="en-US" altLang="ko-KR" sz="1600" dirty="0" smtClean="0"/>
-              <a:t>application.html</a:t>
+              <a:t>front.html</a:t>
             </a:r>
             <a:r>
               <a:rPr lang="ko-KR" altLang="en-US" sz="1600" dirty="0" smtClean="0"/>
@@ -11299,7 +11486,7 @@
           <a:p>
             <a:pPr marL="342900" indent="-342900">
               <a:lnSpc>
-                <a:spcPct val="150000"/>
+                <a:spcPct val="200000"/>
               </a:lnSpc>
               <a:buFont typeface="+mj-ea"/>
               <a:buAutoNum type="circleNumDbPlain"/>
@@ -11337,7 +11524,7 @@
           <a:p>
             <a:pPr marL="342900" indent="-342900">
               <a:lnSpc>
-                <a:spcPct val="150000"/>
+                <a:spcPct val="200000"/>
               </a:lnSpc>
               <a:buFont typeface="+mj-ea"/>
               <a:buAutoNum type="circleNumDbPlain"/>
@@ -11366,7 +11553,7 @@
           <a:p>
             <a:pPr marL="342900" indent="-342900">
               <a:lnSpc>
-                <a:spcPct val="150000"/>
+                <a:spcPct val="200000"/>
               </a:lnSpc>
               <a:buFont typeface="+mj-ea"/>
               <a:buAutoNum type="circleNumDbPlain"/>
@@ -11388,7 +11575,7 @@
           <a:p>
             <a:pPr marL="342900" indent="-342900">
               <a:lnSpc>
-                <a:spcPct val="150000"/>
+                <a:spcPct val="200000"/>
               </a:lnSpc>
               <a:buFont typeface="+mj-ea"/>
               <a:buAutoNum type="circleNumDbPlain"/>
@@ -11402,7 +11589,7 @@
           <a:p>
             <a:pPr marL="342900" indent="-342900">
               <a:lnSpc>
-                <a:spcPct val="150000"/>
+                <a:spcPct val="200000"/>
               </a:lnSpc>
               <a:buFont typeface="+mj-ea"/>
               <a:buAutoNum type="circleNumDbPlain"/>
@@ -11469,7 +11656,7 @@
 </p:sld>
 </file>
 
-<file path=ppt/slides/slide31.xml><?xml version="1.0" encoding="utf-8"?>
+<file path=ppt/slides/slide32.xml><?xml version="1.0" encoding="utf-8"?>
 <p:sld xmlns:a="http://schemas.openxmlformats.org/drawingml/2006/main" xmlns:r="http://schemas.openxmlformats.org/officeDocument/2006/relationships" xmlns:p="http://schemas.openxmlformats.org/presentationml/2006/main">
   <p:cSld>
     <p:spTree>
@@ -11576,7 +11763,7 @@
           <a:p>
             <a:fld id="{1BDE3FE7-3AEA-4B05-AC5A-802D1816ACF0}" type="slidenum">
               <a:rPr lang="ko-KR" altLang="en-US" smtClean="0"/>
-              <a:t>31</a:t>
+              <a:t>32</a:t>
             </a:fld>
             <a:endParaRPr lang="ko-KR" altLang="en-US"/>
           </a:p>
@@ -11926,7 +12113,7 @@
 </p:sld>
 </file>
 
-<file path=ppt/slides/slide32.xml><?xml version="1.0" encoding="utf-8"?>
+<file path=ppt/slides/slide33.xml><?xml version="1.0" encoding="utf-8"?>
 <p:sld xmlns:a="http://schemas.openxmlformats.org/drawingml/2006/main" xmlns:r="http://schemas.openxmlformats.org/officeDocument/2006/relationships" xmlns:p="http://schemas.openxmlformats.org/presentationml/2006/main">
   <p:cSld>
     <p:spTree>
@@ -12047,7 +12234,7 @@
           <a:p>
             <a:fld id="{1BDE3FE7-3AEA-4B05-AC5A-802D1816ACF0}" type="slidenum">
               <a:rPr lang="ko-KR" altLang="en-US" smtClean="0"/>
-              <a:t>32</a:t>
+              <a:t>33</a:t>
             </a:fld>
             <a:endParaRPr lang="ko-KR" altLang="en-US"/>
           </a:p>
@@ -12421,131 +12608,6 @@
     <p:extLst>
       <p:ext uri="{BB962C8B-B14F-4D97-AF65-F5344CB8AC3E}">
         <p14:creationId xmlns:p14="http://schemas.microsoft.com/office/powerpoint/2010/main" val="2979162612"/>
-      </p:ext>
-    </p:extLst>
-  </p:cSld>
-  <p:clrMapOvr>
-    <a:masterClrMapping/>
-  </p:clrMapOvr>
-  <p:timing>
-    <p:tnLst>
-      <p:par>
-        <p:cTn id="1" dur="indefinite" restart="never" nodeType="tmRoot"/>
-      </p:par>
-    </p:tnLst>
-  </p:timing>
-</p:sld>
-</file>
-
-<file path=ppt/slides/slide33.xml><?xml version="1.0" encoding="utf-8"?>
-<p:sld xmlns:a="http://schemas.openxmlformats.org/drawingml/2006/main" xmlns:r="http://schemas.openxmlformats.org/officeDocument/2006/relationships" xmlns:p="http://schemas.openxmlformats.org/presentationml/2006/main">
-  <p:cSld>
-    <p:spTree>
-      <p:nvGrpSpPr>
-        <p:cNvPr id="1" name=""/>
-        <p:cNvGrpSpPr/>
-        <p:nvPr/>
-      </p:nvGrpSpPr>
-      <p:grpSpPr>
-        <a:xfrm>
-          <a:off x="0" y="0"/>
-          <a:ext cx="0" cy="0"/>
-          <a:chOff x="0" y="0"/>
-          <a:chExt cx="0" cy="0"/>
-        </a:xfrm>
-      </p:grpSpPr>
-      <p:sp>
-        <p:nvSpPr>
-          <p:cNvPr id="2" name="제목 1"/>
-          <p:cNvSpPr>
-            <a:spLocks noGrp="1"/>
-          </p:cNvSpPr>
-          <p:nvPr>
-            <p:ph type="title"/>
-          </p:nvPr>
-        </p:nvSpPr>
-        <p:spPr>
-          <a:xfrm>
-            <a:off x="416497" y="197768"/>
-            <a:ext cx="6412780" cy="854968"/>
-          </a:xfrm>
-        </p:spPr>
-        <p:txBody>
-          <a:bodyPr>
-            <a:noAutofit/>
-          </a:bodyPr>
-          <a:lstStyle/>
-          <a:p>
-            <a:pPr algn="ctr"/>
-            <a:r>
-              <a:rPr lang="en-US" altLang="ko-KR" sz="2800" dirty="0" smtClean="0"/>
-              <a:t>&lt;input&gt; </a:t>
-            </a:r>
-            <a:r>
-              <a:rPr lang="ko-KR" altLang="en-US" sz="2800" dirty="0" smtClean="0"/>
-              <a:t>태그의 다양한 속성</a:t>
-            </a:r>
-            <a:endParaRPr lang="ko-KR" altLang="en-US" sz="2800" dirty="0"/>
-          </a:p>
-        </p:txBody>
-      </p:sp>
-      <p:sp>
-        <p:nvSpPr>
-          <p:cNvPr id="4" name="슬라이드 번호 개체 틀 3"/>
-          <p:cNvSpPr>
-            <a:spLocks noGrp="1"/>
-          </p:cNvSpPr>
-          <p:nvPr>
-            <p:ph type="sldNum" sz="quarter" idx="12"/>
-          </p:nvPr>
-        </p:nvSpPr>
-        <p:spPr/>
-        <p:txBody>
-          <a:bodyPr/>
-          <a:lstStyle/>
-          <a:p>
-            <a:fld id="{1BDE3FE7-3AEA-4B05-AC5A-802D1816ACF0}" type="slidenum">
-              <a:rPr lang="ko-KR" altLang="en-US" smtClean="0"/>
-              <a:t>33</a:t>
-            </a:fld>
-            <a:endParaRPr lang="ko-KR" altLang="en-US"/>
-          </a:p>
-        </p:txBody>
-      </p:sp>
-      <p:pic>
-        <p:nvPicPr>
-          <p:cNvPr id="6" name="그림 5"/>
-          <p:cNvPicPr>
-            <a:picLocks noChangeAspect="1"/>
-          </p:cNvPicPr>
-          <p:nvPr/>
-        </p:nvPicPr>
-        <p:blipFill>
-          <a:blip r:embed="rId2">
-            <a:extLst>
-              <a:ext uri="{28A0092B-C50C-407E-A947-70E740481C1C}">
-                <a14:useLocalDpi xmlns:a14="http://schemas.microsoft.com/office/drawing/2010/main" val="0"/>
-              </a:ext>
-            </a:extLst>
-          </a:blip>
-          <a:stretch>
-            <a:fillRect/>
-          </a:stretch>
-        </p:blipFill>
-        <p:spPr>
-          <a:xfrm>
-            <a:off x="1856656" y="1485674"/>
-            <a:ext cx="5785476" cy="4346412"/>
-          </a:xfrm>
-          <a:prstGeom prst="rect">
-            <a:avLst/>
-          </a:prstGeom>
-        </p:spPr>
-      </p:pic>
-    </p:spTree>
-    <p:extLst>
-      <p:ext uri="{BB962C8B-B14F-4D97-AF65-F5344CB8AC3E}">
-        <p14:creationId xmlns:p14="http://schemas.microsoft.com/office/powerpoint/2010/main" val="602044520"/>
       </p:ext>
     </p:extLst>
   </p:cSld>
@@ -12639,7 +12701,7 @@
       </p:sp>
       <p:pic>
         <p:nvPicPr>
-          <p:cNvPr id="3" name="그림 2"/>
+          <p:cNvPr id="6" name="그림 5"/>
           <p:cNvPicPr>
             <a:picLocks noChangeAspect="1"/>
           </p:cNvPicPr>
@@ -12659,85 +12721,18 @@
         </p:blipFill>
         <p:spPr>
           <a:xfrm>
-            <a:off x="1696988" y="1268760"/>
-            <a:ext cx="6088908" cy="4846740"/>
+            <a:off x="1856656" y="1485674"/>
+            <a:ext cx="5785476" cy="4346412"/>
           </a:xfrm>
           <a:prstGeom prst="rect">
             <a:avLst/>
           </a:prstGeom>
-          <a:ln>
-            <a:solidFill>
-              <a:schemeClr val="accent5">
-                <a:lumMod val="20000"/>
-                <a:lumOff val="80000"/>
-              </a:schemeClr>
-            </a:solidFill>
-          </a:ln>
         </p:spPr>
       </p:pic>
-      <p:sp>
-        <p:nvSpPr>
-          <p:cNvPr id="5" name="TextBox 4"/>
-          <p:cNvSpPr txBox="1"/>
-          <p:nvPr/>
-        </p:nvSpPr>
-        <p:spPr>
-          <a:xfrm>
-            <a:off x="6177136" y="1728791"/>
-            <a:ext cx="2376264" cy="507831"/>
-          </a:xfrm>
-          <a:prstGeom prst="rect">
-            <a:avLst/>
-          </a:prstGeom>
-          <a:noFill/>
-        </p:spPr>
-        <p:txBody>
-          <a:bodyPr wrap="square" rtlCol="0">
-            <a:spAutoFit/>
-          </a:bodyPr>
-          <a:lstStyle/>
-          <a:p>
-            <a:pPr>
-              <a:lnSpc>
-                <a:spcPct val="150000"/>
-              </a:lnSpc>
-            </a:pPr>
-            <a:r>
-              <a:rPr lang="ko-KR" altLang="en-US" b="1" dirty="0" smtClean="0">
-                <a:solidFill>
-                  <a:srgbClr val="C00000"/>
-                </a:solidFill>
-              </a:rPr>
-              <a:t>예제</a:t>
-            </a:r>
-            <a:r>
-              <a:rPr lang="en-US" altLang="ko-KR" b="1" dirty="0" smtClean="0">
-                <a:solidFill>
-                  <a:srgbClr val="C00000"/>
-                </a:solidFill>
-              </a:rPr>
-              <a:t>. required.html </a:t>
-            </a:r>
-            <a:r>
-              <a:rPr lang="ko-KR" altLang="en-US" b="1" dirty="0" smtClean="0">
-                <a:solidFill>
-                  <a:srgbClr val="C00000"/>
-                </a:solidFill>
-              </a:rPr>
-              <a:t> </a:t>
-            </a:r>
-            <a:endParaRPr lang="en-US" altLang="ko-KR" b="1" dirty="0" smtClean="0">
-              <a:solidFill>
-                <a:srgbClr val="C00000"/>
-              </a:solidFill>
-            </a:endParaRPr>
-          </a:p>
-        </p:txBody>
-      </p:sp>
     </p:spTree>
     <p:extLst>
       <p:ext uri="{BB962C8B-B14F-4D97-AF65-F5344CB8AC3E}">
-        <p14:creationId xmlns:p14="http://schemas.microsoft.com/office/powerpoint/2010/main" val="680079163"/>
+        <p14:creationId xmlns:p14="http://schemas.microsoft.com/office/powerpoint/2010/main" val="602044520"/>
       </p:ext>
     </p:extLst>
   </p:cSld>
@@ -12831,6 +12826,198 @@
       </p:sp>
       <p:pic>
         <p:nvPicPr>
+          <p:cNvPr id="3" name="그림 2"/>
+          <p:cNvPicPr>
+            <a:picLocks noChangeAspect="1"/>
+          </p:cNvPicPr>
+          <p:nvPr/>
+        </p:nvPicPr>
+        <p:blipFill>
+          <a:blip r:embed="rId2">
+            <a:extLst>
+              <a:ext uri="{28A0092B-C50C-407E-A947-70E740481C1C}">
+                <a14:useLocalDpi xmlns:a14="http://schemas.microsoft.com/office/drawing/2010/main" val="0"/>
+              </a:ext>
+            </a:extLst>
+          </a:blip>
+          <a:stretch>
+            <a:fillRect/>
+          </a:stretch>
+        </p:blipFill>
+        <p:spPr>
+          <a:xfrm>
+            <a:off x="1696988" y="1268760"/>
+            <a:ext cx="6088908" cy="4846740"/>
+          </a:xfrm>
+          <a:prstGeom prst="rect">
+            <a:avLst/>
+          </a:prstGeom>
+          <a:ln>
+            <a:solidFill>
+              <a:schemeClr val="accent5">
+                <a:lumMod val="20000"/>
+                <a:lumOff val="80000"/>
+              </a:schemeClr>
+            </a:solidFill>
+          </a:ln>
+        </p:spPr>
+      </p:pic>
+      <p:sp>
+        <p:nvSpPr>
+          <p:cNvPr id="5" name="TextBox 4"/>
+          <p:cNvSpPr txBox="1"/>
+          <p:nvPr/>
+        </p:nvSpPr>
+        <p:spPr>
+          <a:xfrm>
+            <a:off x="6177136" y="1728791"/>
+            <a:ext cx="2376264" cy="507831"/>
+          </a:xfrm>
+          <a:prstGeom prst="rect">
+            <a:avLst/>
+          </a:prstGeom>
+          <a:noFill/>
+        </p:spPr>
+        <p:txBody>
+          <a:bodyPr wrap="square" rtlCol="0">
+            <a:spAutoFit/>
+          </a:bodyPr>
+          <a:lstStyle/>
+          <a:p>
+            <a:pPr>
+              <a:lnSpc>
+                <a:spcPct val="150000"/>
+              </a:lnSpc>
+            </a:pPr>
+            <a:r>
+              <a:rPr lang="ko-KR" altLang="en-US" b="1" dirty="0" smtClean="0">
+                <a:solidFill>
+                  <a:srgbClr val="C00000"/>
+                </a:solidFill>
+              </a:rPr>
+              <a:t>예제</a:t>
+            </a:r>
+            <a:r>
+              <a:rPr lang="en-US" altLang="ko-KR" b="1" dirty="0" smtClean="0">
+                <a:solidFill>
+                  <a:srgbClr val="C00000"/>
+                </a:solidFill>
+              </a:rPr>
+              <a:t>. required.html </a:t>
+            </a:r>
+            <a:r>
+              <a:rPr lang="ko-KR" altLang="en-US" b="1" dirty="0" smtClean="0">
+                <a:solidFill>
+                  <a:srgbClr val="C00000"/>
+                </a:solidFill>
+              </a:rPr>
+              <a:t> </a:t>
+            </a:r>
+            <a:endParaRPr lang="en-US" altLang="ko-KR" b="1" dirty="0" smtClean="0">
+              <a:solidFill>
+                <a:srgbClr val="C00000"/>
+              </a:solidFill>
+            </a:endParaRPr>
+          </a:p>
+        </p:txBody>
+      </p:sp>
+    </p:spTree>
+    <p:extLst>
+      <p:ext uri="{BB962C8B-B14F-4D97-AF65-F5344CB8AC3E}">
+        <p14:creationId xmlns:p14="http://schemas.microsoft.com/office/powerpoint/2010/main" val="680079163"/>
+      </p:ext>
+    </p:extLst>
+  </p:cSld>
+  <p:clrMapOvr>
+    <a:masterClrMapping/>
+  </p:clrMapOvr>
+  <p:timing>
+    <p:tnLst>
+      <p:par>
+        <p:cTn id="1" dur="indefinite" restart="never" nodeType="tmRoot"/>
+      </p:par>
+    </p:tnLst>
+  </p:timing>
+</p:sld>
+</file>
+
+<file path=ppt/slides/slide36.xml><?xml version="1.0" encoding="utf-8"?>
+<p:sld xmlns:a="http://schemas.openxmlformats.org/drawingml/2006/main" xmlns:r="http://schemas.openxmlformats.org/officeDocument/2006/relationships" xmlns:p="http://schemas.openxmlformats.org/presentationml/2006/main">
+  <p:cSld>
+    <p:spTree>
+      <p:nvGrpSpPr>
+        <p:cNvPr id="1" name=""/>
+        <p:cNvGrpSpPr/>
+        <p:nvPr/>
+      </p:nvGrpSpPr>
+      <p:grpSpPr>
+        <a:xfrm>
+          <a:off x="0" y="0"/>
+          <a:ext cx="0" cy="0"/>
+          <a:chOff x="0" y="0"/>
+          <a:chExt cx="0" cy="0"/>
+        </a:xfrm>
+      </p:grpSpPr>
+      <p:sp>
+        <p:nvSpPr>
+          <p:cNvPr id="2" name="제목 1"/>
+          <p:cNvSpPr>
+            <a:spLocks noGrp="1"/>
+          </p:cNvSpPr>
+          <p:nvPr>
+            <p:ph type="title"/>
+          </p:nvPr>
+        </p:nvSpPr>
+        <p:spPr>
+          <a:xfrm>
+            <a:off x="416497" y="197768"/>
+            <a:ext cx="6412780" cy="854968"/>
+          </a:xfrm>
+        </p:spPr>
+        <p:txBody>
+          <a:bodyPr>
+            <a:noAutofit/>
+          </a:bodyPr>
+          <a:lstStyle/>
+          <a:p>
+            <a:pPr algn="ctr"/>
+            <a:r>
+              <a:rPr lang="en-US" altLang="ko-KR" sz="2800" dirty="0" smtClean="0"/>
+              <a:t>&lt;input&gt; </a:t>
+            </a:r>
+            <a:r>
+              <a:rPr lang="ko-KR" altLang="en-US" sz="2800" dirty="0" smtClean="0"/>
+              <a:t>태그의 다양한 속성</a:t>
+            </a:r>
+            <a:endParaRPr lang="ko-KR" altLang="en-US" sz="2800" dirty="0"/>
+          </a:p>
+        </p:txBody>
+      </p:sp>
+      <p:sp>
+        <p:nvSpPr>
+          <p:cNvPr id="4" name="슬라이드 번호 개체 틀 3"/>
+          <p:cNvSpPr>
+            <a:spLocks noGrp="1"/>
+          </p:cNvSpPr>
+          <p:nvPr>
+            <p:ph type="sldNum" sz="quarter" idx="12"/>
+          </p:nvPr>
+        </p:nvSpPr>
+        <p:spPr/>
+        <p:txBody>
+          <a:bodyPr/>
+          <a:lstStyle/>
+          <a:p>
+            <a:fld id="{1BDE3FE7-3AEA-4B05-AC5A-802D1816ACF0}" type="slidenum">
+              <a:rPr lang="ko-KR" altLang="en-US" smtClean="0"/>
+              <a:t>36</a:t>
+            </a:fld>
+            <a:endParaRPr lang="ko-KR" altLang="en-US"/>
+          </a:p>
+        </p:txBody>
+      </p:sp>
+      <p:pic>
+        <p:nvPicPr>
           <p:cNvPr id="7" name="그림 6"/>
           <p:cNvPicPr>
             <a:picLocks noChangeAspect="1"/>
@@ -12867,7 +13054,7 @@
       </p:pic>
       <p:pic>
         <p:nvPicPr>
-          <p:cNvPr id="5" name="그림 4"/>
+          <p:cNvPr id="3" name="그림 2"/>
           <p:cNvPicPr>
             <a:picLocks noChangeAspect="1"/>
           </p:cNvPicPr>
@@ -12887,8 +13074,8 @@
         </p:blipFill>
         <p:spPr>
           <a:xfrm>
-            <a:off x="4985874" y="3573016"/>
-            <a:ext cx="3771607" cy="3024336"/>
+            <a:off x="6105128" y="3260522"/>
+            <a:ext cx="3456384" cy="2908580"/>
           </a:xfrm>
           <a:prstGeom prst="rect">
             <a:avLst/>
@@ -12910,7 +13097,7 @@
         </p:nvSpPr>
         <p:spPr>
           <a:xfrm>
-            <a:off x="7833320" y="4778116"/>
+            <a:off x="8165071" y="4077072"/>
             <a:ext cx="1440159" cy="374571"/>
           </a:xfrm>
           <a:prstGeom prst="roundRect">
@@ -13094,7 +13281,7 @@
 </p:sld>
 </file>
 
-<file path=ppt/slides/slide36.xml><?xml version="1.0" encoding="utf-8"?>
+<file path=ppt/slides/slide37.xml><?xml version="1.0" encoding="utf-8"?>
 <p:sld xmlns:a="http://schemas.openxmlformats.org/drawingml/2006/main" xmlns:r="http://schemas.openxmlformats.org/officeDocument/2006/relationships" xmlns:p="http://schemas.openxmlformats.org/presentationml/2006/main">
   <p:cSld>
     <p:spTree>
@@ -13159,7 +13346,7 @@
           <a:p>
             <a:fld id="{1BDE3FE7-3AEA-4B05-AC5A-802D1816ACF0}" type="slidenum">
               <a:rPr lang="ko-KR" altLang="en-US" smtClean="0"/>
-              <a:t>36</a:t>
+              <a:t>37</a:t>
             </a:fld>
             <a:endParaRPr lang="ko-KR" altLang="en-US"/>
           </a:p>
@@ -13222,7 +13409,7 @@
 </p:sld>
 </file>
 
-<file path=ppt/slides/slide37.xml><?xml version="1.0" encoding="utf-8"?>
+<file path=ppt/slides/slide38.xml><?xml version="1.0" encoding="utf-8"?>
 <p:sld xmlns:a="http://schemas.openxmlformats.org/drawingml/2006/main" xmlns:r="http://schemas.openxmlformats.org/officeDocument/2006/relationships" xmlns:p="http://schemas.openxmlformats.org/presentationml/2006/main">
   <p:cSld>
     <p:spTree>
@@ -13287,7 +13474,7 @@
           <a:p>
             <a:fld id="{1BDE3FE7-3AEA-4B05-AC5A-802D1816ACF0}" type="slidenum">
               <a:rPr lang="ko-KR" altLang="en-US" smtClean="0"/>
-              <a:t>37</a:t>
+              <a:t>38</a:t>
             </a:fld>
             <a:endParaRPr lang="ko-KR" altLang="en-US"/>
           </a:p>
@@ -13295,7 +13482,7 @@
       </p:sp>
       <p:pic>
         <p:nvPicPr>
-          <p:cNvPr id="5" name="그림 4"/>
+          <p:cNvPr id="3" name="그림 2"/>
           <p:cNvPicPr>
             <a:picLocks noChangeAspect="1"/>
           </p:cNvPicPr>
@@ -13315,8 +13502,8 @@
         </p:blipFill>
         <p:spPr>
           <a:xfrm>
-            <a:off x="1496616" y="1196752"/>
-            <a:ext cx="5365116" cy="5546033"/>
+            <a:off x="1640632" y="1196752"/>
+            <a:ext cx="5926134" cy="5328592"/>
           </a:xfrm>
           <a:prstGeom prst="rect">
             <a:avLst/>
@@ -13523,7 +13710,7 @@
 </p:sld>
 </file>
 
-<file path=ppt/slides/slide38.xml><?xml version="1.0" encoding="utf-8"?>
+<file path=ppt/slides/slide39.xml><?xml version="1.0" encoding="utf-8"?>
 <p:sld xmlns:a="http://schemas.openxmlformats.org/drawingml/2006/main" xmlns:r="http://schemas.openxmlformats.org/officeDocument/2006/relationships" xmlns:p="http://schemas.openxmlformats.org/presentationml/2006/main">
   <p:cSld>
     <p:spTree>
@@ -13588,7 +13775,7 @@
           <a:p>
             <a:fld id="{1BDE3FE7-3AEA-4B05-AC5A-802D1816ACF0}" type="slidenum">
               <a:rPr lang="ko-KR" altLang="en-US" smtClean="0"/>
-              <a:t>38</a:t>
+              <a:t>39</a:t>
             </a:fld>
             <a:endParaRPr lang="ko-KR" altLang="en-US"/>
           </a:p>
@@ -13596,7 +13783,7 @@
       </p:sp>
       <p:pic>
         <p:nvPicPr>
-          <p:cNvPr id="3" name="그림 2"/>
+          <p:cNvPr id="5" name="그림 4"/>
           <p:cNvPicPr>
             <a:picLocks noChangeAspect="1"/>
           </p:cNvPicPr>
@@ -13616,8 +13803,8 @@
         </p:blipFill>
         <p:spPr>
           <a:xfrm>
-            <a:off x="1698322" y="1111258"/>
-            <a:ext cx="5663594" cy="5558102"/>
+            <a:off x="1784648" y="1239397"/>
+            <a:ext cx="5544616" cy="5396502"/>
           </a:xfrm>
           <a:prstGeom prst="rect">
             <a:avLst/>
@@ -13651,7 +13838,7 @@
 </p:sld>
 </file>
 
-<file path=ppt/slides/slide39.xml><?xml version="1.0" encoding="utf-8"?>
+<file path=ppt/slides/slide4.xml><?xml version="1.0" encoding="utf-8"?>
 <p:sld xmlns:a="http://schemas.openxmlformats.org/drawingml/2006/main" xmlns:r="http://schemas.openxmlformats.org/officeDocument/2006/relationships" xmlns:p="http://schemas.openxmlformats.org/presentationml/2006/main">
   <p:cSld>
     <p:spTree>
@@ -13693,7 +13880,7 @@
             <a:pPr algn="ctr"/>
             <a:r>
               <a:rPr lang="ko-KR" altLang="en-US" sz="2800" dirty="0" smtClean="0"/>
-              <a:t>회원 가입 폼 만들기</a:t>
+              <a:t>폼 만들기</a:t>
             </a:r>
             <a:endParaRPr lang="ko-KR" altLang="en-US" sz="2800" dirty="0"/>
           </a:p>
@@ -13716,7 +13903,626 @@
           <a:p>
             <a:fld id="{1BDE3FE7-3AEA-4B05-AC5A-802D1816ACF0}" type="slidenum">
               <a:rPr lang="ko-KR" altLang="en-US" smtClean="0"/>
-              <a:t>39</a:t>
+              <a:t>4</a:t>
+            </a:fld>
+            <a:endParaRPr lang="ko-KR" altLang="en-US"/>
+          </a:p>
+        </p:txBody>
+      </p:sp>
+      <p:sp>
+        <p:nvSpPr>
+          <p:cNvPr id="3" name="TextBox 2"/>
+          <p:cNvSpPr txBox="1"/>
+          <p:nvPr/>
+        </p:nvSpPr>
+        <p:spPr>
+          <a:xfrm>
+            <a:off x="1136576" y="1175548"/>
+            <a:ext cx="8136904" cy="1292662"/>
+          </a:xfrm>
+          <a:prstGeom prst="rect">
+            <a:avLst/>
+          </a:prstGeom>
+          <a:noFill/>
+        </p:spPr>
+        <p:txBody>
+          <a:bodyPr wrap="square" rtlCol="0">
+            <a:spAutoFit/>
+          </a:bodyPr>
+          <a:lstStyle/>
+          <a:p>
+            <a:pPr marL="342900" indent="-342900">
+              <a:lnSpc>
+                <a:spcPct val="150000"/>
+              </a:lnSpc>
+              <a:buFont typeface="Wingdings" panose="05000000000000000000" pitchFamily="2" charset="2"/>
+              <a:buChar char="l"/>
+            </a:pPr>
+            <a:r>
+              <a:rPr lang="en-US" altLang="ko-KR" sz="2000" b="1" dirty="0" smtClean="0">
+                <a:solidFill>
+                  <a:srgbClr val="C00000"/>
+                </a:solidFill>
+              </a:rPr>
+              <a:t>&lt;form&gt;</a:t>
+            </a:r>
+            <a:r>
+              <a:rPr lang="ko-KR" altLang="en-US" sz="2000" b="1" dirty="0" smtClean="0">
+                <a:solidFill>
+                  <a:srgbClr val="C00000"/>
+                </a:solidFill>
+              </a:rPr>
+              <a:t>태그 </a:t>
+            </a:r>
+            <a:endParaRPr lang="en-US" altLang="ko-KR" sz="2000" b="1" dirty="0" smtClean="0">
+              <a:solidFill>
+                <a:srgbClr val="C00000"/>
+              </a:solidFill>
+            </a:endParaRPr>
+          </a:p>
+          <a:p>
+            <a:pPr marL="742950" lvl="1" indent="-285750">
+              <a:lnSpc>
+                <a:spcPct val="150000"/>
+              </a:lnSpc>
+              <a:buFont typeface="Arial" panose="020B0604020202020204" pitchFamily="34" charset="0"/>
+              <a:buChar char="•"/>
+            </a:pPr>
+            <a:r>
+              <a:rPr lang="en-US" altLang="ko-KR" sz="1600" dirty="0" smtClean="0"/>
+              <a:t>&lt;form</a:t>
+            </a:r>
+            <a:r>
+              <a:rPr lang="ko-KR" altLang="en-US" sz="1600" dirty="0" smtClean="0"/>
+              <a:t> 속성</a:t>
+            </a:r>
+            <a:r>
+              <a:rPr lang="en-US" altLang="ko-KR" sz="1600" dirty="0" smtClean="0"/>
+              <a:t>=“</a:t>
+            </a:r>
+            <a:r>
+              <a:rPr lang="ko-KR" altLang="en-US" sz="1600" dirty="0" smtClean="0"/>
+              <a:t>속성 값</a:t>
+            </a:r>
+            <a:r>
+              <a:rPr lang="en-US" altLang="ko-KR" sz="1600" dirty="0" smtClean="0"/>
+              <a:t>“&gt;</a:t>
+            </a:r>
+            <a:r>
+              <a:rPr lang="ko-KR" altLang="en-US" sz="1600" dirty="0" smtClean="0"/>
+              <a:t>여러 폼 요소 </a:t>
+            </a:r>
+            <a:r>
+              <a:rPr lang="en-US" altLang="ko-KR" sz="1600" dirty="0" smtClean="0"/>
+              <a:t>&lt;/form&gt;</a:t>
+            </a:r>
+          </a:p>
+          <a:p>
+            <a:pPr marL="742950" lvl="1" indent="-285750">
+              <a:lnSpc>
+                <a:spcPct val="150000"/>
+              </a:lnSpc>
+              <a:buFont typeface="Arial" panose="020B0604020202020204" pitchFamily="34" charset="0"/>
+              <a:buChar char="•"/>
+            </a:pPr>
+            <a:r>
+              <a:rPr lang="ko-KR" altLang="en-US" sz="1600" dirty="0" smtClean="0"/>
+              <a:t>몇 가지 속성을 통해 사용자가 입력한 자료들을 </a:t>
+            </a:r>
+            <a:r>
+              <a:rPr lang="ko-KR" altLang="en-US" sz="1600" dirty="0" err="1" smtClean="0"/>
+              <a:t>서버쪽으로</a:t>
+            </a:r>
+            <a:r>
+              <a:rPr lang="ko-KR" altLang="en-US" sz="1600" dirty="0" smtClean="0"/>
+              <a:t> 넘기는데 이용</a:t>
+            </a:r>
+            <a:endParaRPr lang="en-US" altLang="ko-KR" sz="1600" dirty="0" smtClean="0"/>
+          </a:p>
+        </p:txBody>
+      </p:sp>
+      <p:graphicFrame>
+        <p:nvGraphicFramePr>
+          <p:cNvPr id="5" name="표 4"/>
+          <p:cNvGraphicFramePr>
+            <a:graphicFrameLocks noGrp="1"/>
+          </p:cNvGraphicFramePr>
+          <p:nvPr>
+            <p:extLst>
+              <p:ext uri="{D42A27DB-BD31-4B8C-83A1-F6EECF244321}">
+                <p14:modId xmlns:p14="http://schemas.microsoft.com/office/powerpoint/2010/main" val="2706714080"/>
+              </p:ext>
+            </p:extLst>
+          </p:nvPr>
+        </p:nvGraphicFramePr>
+        <p:xfrm>
+          <a:off x="1352600" y="2544688"/>
+          <a:ext cx="7776864" cy="2036440"/>
+        </p:xfrm>
+        <a:graphic>
+          <a:graphicData uri="http://schemas.openxmlformats.org/drawingml/2006/table">
+            <a:tbl>
+              <a:tblPr firstRow="1" bandRow="1">
+                <a:tableStyleId>{5940675A-B579-460E-94D1-54222C63F5DA}</a:tableStyleId>
+              </a:tblPr>
+              <a:tblGrid>
+                <a:gridCol w="1152128">
+                  <a:extLst>
+                    <a:ext uri="{9D8B030D-6E8A-4147-A177-3AD203B41FA5}">
+                      <a16:colId xmlns:a16="http://schemas.microsoft.com/office/drawing/2014/main" val="20000"/>
+                    </a:ext>
+                  </a:extLst>
+                </a:gridCol>
+                <a:gridCol w="6624736">
+                  <a:extLst>
+                    <a:ext uri="{9D8B030D-6E8A-4147-A177-3AD203B41FA5}">
+                      <a16:colId xmlns:a16="http://schemas.microsoft.com/office/drawing/2014/main" val="20001"/>
+                    </a:ext>
+                  </a:extLst>
+                </a:gridCol>
+              </a:tblGrid>
+              <a:tr h="407288">
+                <a:tc>
+                  <a:txBody>
+                    <a:bodyPr/>
+                    <a:lstStyle/>
+                    <a:p>
+                      <a:pPr algn="ctr" latinLnBrk="1"/>
+                      <a:r>
+                        <a:rPr lang="ko-KR" altLang="en-US" sz="1600" dirty="0" smtClean="0"/>
+                        <a:t>속성</a:t>
+                      </a:r>
+                      <a:endParaRPr lang="ko-KR" altLang="en-US" sz="1600" dirty="0"/>
+                    </a:p>
+                  </a:txBody>
+                  <a:tcPr anchor="ctr">
+                    <a:lnL w="12700" cmpd="sng">
+                      <a:noFill/>
+                    </a:lnL>
+                    <a:solidFill>
+                      <a:schemeClr val="bg1">
+                        <a:lumMod val="95000"/>
+                      </a:schemeClr>
+                    </a:solidFill>
+                  </a:tcPr>
+                </a:tc>
+                <a:tc>
+                  <a:txBody>
+                    <a:bodyPr/>
+                    <a:lstStyle/>
+                    <a:p>
+                      <a:pPr algn="ctr" latinLnBrk="1"/>
+                      <a:r>
+                        <a:rPr lang="ko-KR" altLang="en-US" sz="1600" dirty="0" smtClean="0"/>
+                        <a:t>설명</a:t>
+                      </a:r>
+                      <a:endParaRPr lang="ko-KR" altLang="en-US" sz="1600" dirty="0"/>
+                    </a:p>
+                  </a:txBody>
+                  <a:tcPr anchor="ctr">
+                    <a:lnR w="12700" cmpd="sng">
+                      <a:noFill/>
+                    </a:lnR>
+                    <a:solidFill>
+                      <a:schemeClr val="bg1">
+                        <a:lumMod val="95000"/>
+                      </a:schemeClr>
+                    </a:solidFill>
+                  </a:tcPr>
+                </a:tc>
+                <a:extLst>
+                  <a:ext uri="{0D108BD9-81ED-4DB2-BD59-A6C34878D82A}">
+                    <a16:rowId xmlns:a16="http://schemas.microsoft.com/office/drawing/2014/main" val="10000"/>
+                  </a:ext>
+                </a:extLst>
+              </a:tr>
+              <a:tr h="407288">
+                <a:tc rowSpan="2">
+                  <a:txBody>
+                    <a:bodyPr/>
+                    <a:lstStyle/>
+                    <a:p>
+                      <a:pPr algn="ctr" latinLnBrk="1"/>
+                      <a:r>
+                        <a:rPr lang="en-US" altLang="ko-KR" sz="1800" b="1" dirty="0" smtClean="0">
+                          <a:solidFill>
+                            <a:schemeClr val="tx1"/>
+                          </a:solidFill>
+                        </a:rPr>
+                        <a:t>method</a:t>
+                      </a:r>
+                    </a:p>
+                  </a:txBody>
+                  <a:tcPr anchor="ctr">
+                    <a:lnL w="12700" cmpd="sng">
+                      <a:noFill/>
+                    </a:lnL>
+                  </a:tcPr>
+                </a:tc>
+                <a:tc>
+                  <a:txBody>
+                    <a:bodyPr/>
+                    <a:lstStyle/>
+                    <a:p>
+                      <a:pPr algn="l" latinLnBrk="1"/>
+                      <a:r>
+                        <a:rPr lang="en-US" altLang="ko-KR" sz="1600" b="1" dirty="0" smtClean="0"/>
+                        <a:t>get</a:t>
+                      </a:r>
+                      <a:r>
+                        <a:rPr lang="en-US" altLang="ko-KR" sz="1600" dirty="0" smtClean="0"/>
+                        <a:t> – </a:t>
+                      </a:r>
+                      <a:r>
+                        <a:rPr lang="ko-KR" altLang="en-US" sz="1600" dirty="0" smtClean="0"/>
+                        <a:t>주소 표시줄에 사용자가 입력한 내용이 그대로 드러난다</a:t>
+                      </a:r>
+                      <a:r>
+                        <a:rPr lang="en-US" altLang="ko-KR" sz="1600" dirty="0" smtClean="0"/>
+                        <a:t>.</a:t>
+                      </a:r>
+                      <a:endParaRPr lang="ko-KR" altLang="en-US" sz="1600" dirty="0"/>
+                    </a:p>
+                  </a:txBody>
+                  <a:tcPr anchor="ctr">
+                    <a:lnR w="12700" cmpd="sng">
+                      <a:noFill/>
+                    </a:lnR>
+                  </a:tcPr>
+                </a:tc>
+                <a:extLst>
+                  <a:ext uri="{0D108BD9-81ED-4DB2-BD59-A6C34878D82A}">
+                    <a16:rowId xmlns:a16="http://schemas.microsoft.com/office/drawing/2014/main" val="10001"/>
+                  </a:ext>
+                </a:extLst>
+              </a:tr>
+              <a:tr h="407288">
+                <a:tc vMerge="1">
+                  <a:txBody>
+                    <a:bodyPr/>
+                    <a:lstStyle/>
+                    <a:p>
+                      <a:pPr latinLnBrk="1"/>
+                      <a:endParaRPr lang="en-US" altLang="ko-KR" sz="1400" dirty="0" smtClean="0"/>
+                    </a:p>
+                  </a:txBody>
+                  <a:tcPr>
+                    <a:lnL w="12700" cmpd="sng">
+                      <a:noFill/>
+                    </a:lnL>
+                  </a:tcPr>
+                </a:tc>
+                <a:tc>
+                  <a:txBody>
+                    <a:bodyPr/>
+                    <a:lstStyle/>
+                    <a:p>
+                      <a:pPr algn="l" latinLnBrk="1"/>
+                      <a:r>
+                        <a:rPr lang="en-US" altLang="ko-KR" sz="1600" b="1" dirty="0" smtClean="0"/>
+                        <a:t>post</a:t>
+                      </a:r>
+                      <a:r>
+                        <a:rPr lang="en-US" altLang="ko-KR" sz="1600" dirty="0" smtClean="0"/>
+                        <a:t> – </a:t>
+                      </a:r>
+                      <a:r>
+                        <a:rPr lang="ko-KR" altLang="en-US" sz="1600" dirty="0" smtClean="0"/>
+                        <a:t>사용자가</a:t>
+                      </a:r>
+                      <a:r>
+                        <a:rPr lang="en-US" altLang="ko-KR" sz="1600" dirty="0" smtClean="0"/>
+                        <a:t> </a:t>
+                      </a:r>
+                      <a:r>
+                        <a:rPr lang="ko-KR" altLang="en-US" sz="1600" dirty="0" smtClean="0"/>
+                        <a:t>입력한 내용이 드러나지 않는다</a:t>
+                      </a:r>
+                      <a:r>
+                        <a:rPr lang="en-US" altLang="ko-KR" sz="1600" dirty="0" smtClean="0"/>
+                        <a:t>.(</a:t>
+                      </a:r>
+                      <a:r>
+                        <a:rPr lang="ko-KR" altLang="en-US" sz="1600" dirty="0" smtClean="0"/>
+                        <a:t>보안이 필요한 경우</a:t>
+                      </a:r>
+                      <a:r>
+                        <a:rPr lang="en-US" altLang="ko-KR" sz="1600" dirty="0" smtClean="0"/>
+                        <a:t>)</a:t>
+                      </a:r>
+                      <a:endParaRPr lang="ko-KR" altLang="en-US" sz="1600" dirty="0"/>
+                    </a:p>
+                  </a:txBody>
+                  <a:tcPr anchor="ctr">
+                    <a:lnR w="12700" cmpd="sng">
+                      <a:noFill/>
+                    </a:lnR>
+                  </a:tcPr>
+                </a:tc>
+                <a:extLst>
+                  <a:ext uri="{0D108BD9-81ED-4DB2-BD59-A6C34878D82A}">
+                    <a16:rowId xmlns:a16="http://schemas.microsoft.com/office/drawing/2014/main" val="10002"/>
+                  </a:ext>
+                </a:extLst>
+              </a:tr>
+              <a:tr h="407288">
+                <a:tc>
+                  <a:txBody>
+                    <a:bodyPr/>
+                    <a:lstStyle/>
+                    <a:p>
+                      <a:pPr algn="ctr" latinLnBrk="1"/>
+                      <a:r>
+                        <a:rPr lang="en-US" altLang="ko-KR" sz="1800" b="1" dirty="0" smtClean="0">
+                          <a:solidFill>
+                            <a:schemeClr val="tx1"/>
+                          </a:solidFill>
+                        </a:rPr>
+                        <a:t>name</a:t>
+                      </a:r>
+                    </a:p>
+                  </a:txBody>
+                  <a:tcPr anchor="ctr">
+                    <a:lnL w="12700" cmpd="sng">
+                      <a:noFill/>
+                    </a:lnL>
+                  </a:tcPr>
+                </a:tc>
+                <a:tc>
+                  <a:txBody>
+                    <a:bodyPr/>
+                    <a:lstStyle/>
+                    <a:p>
+                      <a:pPr algn="l" latinLnBrk="1"/>
+                      <a:r>
+                        <a:rPr lang="ko-KR" altLang="en-US" sz="1600" dirty="0" smtClean="0"/>
+                        <a:t>폼의 이름을 지정합니다</a:t>
+                      </a:r>
+                      <a:r>
+                        <a:rPr lang="en-US" altLang="ko-KR" sz="1600" dirty="0" smtClean="0"/>
+                        <a:t>.</a:t>
+                      </a:r>
+                      <a:endParaRPr lang="ko-KR" altLang="en-US" sz="1600" dirty="0"/>
+                    </a:p>
+                  </a:txBody>
+                  <a:tcPr anchor="ctr">
+                    <a:lnR w="12700" cmpd="sng">
+                      <a:noFill/>
+                    </a:lnR>
+                  </a:tcPr>
+                </a:tc>
+                <a:extLst>
+                  <a:ext uri="{0D108BD9-81ED-4DB2-BD59-A6C34878D82A}">
+                    <a16:rowId xmlns:a16="http://schemas.microsoft.com/office/drawing/2014/main" val="10003"/>
+                  </a:ext>
+                </a:extLst>
+              </a:tr>
+              <a:tr h="407288">
+                <a:tc>
+                  <a:txBody>
+                    <a:bodyPr/>
+                    <a:lstStyle/>
+                    <a:p>
+                      <a:pPr algn="ctr" latinLnBrk="1"/>
+                      <a:r>
+                        <a:rPr lang="en-US" altLang="ko-KR" sz="1800" b="1" dirty="0" smtClean="0">
+                          <a:solidFill>
+                            <a:schemeClr val="tx1"/>
+                          </a:solidFill>
+                        </a:rPr>
+                        <a:t>action</a:t>
+                      </a:r>
+                    </a:p>
+                  </a:txBody>
+                  <a:tcPr anchor="ctr">
+                    <a:lnL w="12700" cmpd="sng">
+                      <a:noFill/>
+                    </a:lnL>
+                  </a:tcPr>
+                </a:tc>
+                <a:tc>
+                  <a:txBody>
+                    <a:bodyPr/>
+                    <a:lstStyle/>
+                    <a:p>
+                      <a:pPr algn="l" latinLnBrk="1"/>
+                      <a:r>
+                        <a:rPr lang="en-US" altLang="ko-KR" sz="1600" dirty="0" smtClean="0"/>
+                        <a:t>&lt;form&gt; </a:t>
+                      </a:r>
+                      <a:r>
+                        <a:rPr lang="ko-KR" altLang="en-US" sz="1600" dirty="0" smtClean="0"/>
+                        <a:t>태그 안의 내용들을 처리해 줄 서버 상의 경로를 지정한다</a:t>
+                      </a:r>
+                      <a:r>
+                        <a:rPr lang="en-US" altLang="ko-KR" sz="1600" dirty="0" smtClean="0"/>
+                        <a:t>.</a:t>
+                      </a:r>
+                      <a:endParaRPr lang="ko-KR" altLang="en-US" sz="1600" dirty="0"/>
+                    </a:p>
+                  </a:txBody>
+                  <a:tcPr anchor="ctr">
+                    <a:lnR w="12700" cmpd="sng">
+                      <a:noFill/>
+                    </a:lnR>
+                  </a:tcPr>
+                </a:tc>
+                <a:extLst>
+                  <a:ext uri="{0D108BD9-81ED-4DB2-BD59-A6C34878D82A}">
+                    <a16:rowId xmlns:a16="http://schemas.microsoft.com/office/drawing/2014/main" val="10004"/>
+                  </a:ext>
+                </a:extLst>
+              </a:tr>
+            </a:tbl>
+          </a:graphicData>
+        </a:graphic>
+      </p:graphicFrame>
+      <p:pic>
+        <p:nvPicPr>
+          <p:cNvPr id="6" name="그림 5"/>
+          <p:cNvPicPr>
+            <a:picLocks noChangeAspect="1"/>
+          </p:cNvPicPr>
+          <p:nvPr/>
+        </p:nvPicPr>
+        <p:blipFill>
+          <a:blip r:embed="rId2">
+            <a:extLst>
+              <a:ext uri="{28A0092B-C50C-407E-A947-70E740481C1C}">
+                <a14:useLocalDpi xmlns:a14="http://schemas.microsoft.com/office/drawing/2010/main" val="0"/>
+              </a:ext>
+            </a:extLst>
+          </a:blip>
+          <a:stretch>
+            <a:fillRect/>
+          </a:stretch>
+        </p:blipFill>
+        <p:spPr>
+          <a:xfrm>
+            <a:off x="2000672" y="4689512"/>
+            <a:ext cx="5688632" cy="1835832"/>
+          </a:xfrm>
+          <a:prstGeom prst="rect">
+            <a:avLst/>
+          </a:prstGeom>
+          <a:ln>
+            <a:solidFill>
+              <a:schemeClr val="bg1">
+                <a:lumMod val="85000"/>
+              </a:schemeClr>
+            </a:solidFill>
+          </a:ln>
+        </p:spPr>
+      </p:pic>
+      <p:sp>
+        <p:nvSpPr>
+          <p:cNvPr id="7" name="TextBox 6"/>
+          <p:cNvSpPr txBox="1"/>
+          <p:nvPr/>
+        </p:nvSpPr>
+        <p:spPr>
+          <a:xfrm>
+            <a:off x="1831453" y="5635030"/>
+            <a:ext cx="6145883" cy="374571"/>
+          </a:xfrm>
+          <a:prstGeom prst="roundRect">
+            <a:avLst/>
+          </a:prstGeom>
+          <a:noFill/>
+          <a:ln>
+            <a:prstDash val="sysDash"/>
+          </a:ln>
+        </p:spPr>
+        <p:style>
+          <a:lnRef idx="2">
+            <a:schemeClr val="accent2"/>
+          </a:lnRef>
+          <a:fillRef idx="1">
+            <a:schemeClr val="lt1"/>
+          </a:fillRef>
+          <a:effectRef idx="0">
+            <a:schemeClr val="accent2"/>
+          </a:effectRef>
+          <a:fontRef idx="minor">
+            <a:schemeClr val="dk1"/>
+          </a:fontRef>
+        </p:style>
+        <p:txBody>
+          <a:bodyPr wrap="square" rtlCol="0">
+            <a:spAutoFit/>
+          </a:bodyPr>
+          <a:lstStyle/>
+          <a:p>
+            <a:endParaRPr lang="ko-KR" altLang="en-US" sz="1600" dirty="0"/>
+          </a:p>
+        </p:txBody>
+      </p:sp>
+    </p:spTree>
+    <p:extLst>
+      <p:ext uri="{BB962C8B-B14F-4D97-AF65-F5344CB8AC3E}">
+        <p14:creationId xmlns:p14="http://schemas.microsoft.com/office/powerpoint/2010/main" val="1926178300"/>
+      </p:ext>
+    </p:extLst>
+  </p:cSld>
+  <p:clrMapOvr>
+    <a:masterClrMapping/>
+  </p:clrMapOvr>
+  <p:timing>
+    <p:tnLst>
+      <p:par>
+        <p:cTn id="1" dur="indefinite" restart="never" nodeType="tmRoot"/>
+      </p:par>
+    </p:tnLst>
+  </p:timing>
+</p:sld>
+</file>
+
+<file path=ppt/slides/slide40.xml><?xml version="1.0" encoding="utf-8"?>
+<p:sld xmlns:a="http://schemas.openxmlformats.org/drawingml/2006/main" xmlns:r="http://schemas.openxmlformats.org/officeDocument/2006/relationships" xmlns:p="http://schemas.openxmlformats.org/presentationml/2006/main">
+  <p:cSld>
+    <p:spTree>
+      <p:nvGrpSpPr>
+        <p:cNvPr id="1" name=""/>
+        <p:cNvGrpSpPr/>
+        <p:nvPr/>
+      </p:nvGrpSpPr>
+      <p:grpSpPr>
+        <a:xfrm>
+          <a:off x="0" y="0"/>
+          <a:ext cx="0" cy="0"/>
+          <a:chOff x="0" y="0"/>
+          <a:chExt cx="0" cy="0"/>
+        </a:xfrm>
+      </p:grpSpPr>
+      <p:sp>
+        <p:nvSpPr>
+          <p:cNvPr id="2" name="제목 1"/>
+          <p:cNvSpPr>
+            <a:spLocks noGrp="1"/>
+          </p:cNvSpPr>
+          <p:nvPr>
+            <p:ph type="title"/>
+          </p:nvPr>
+        </p:nvSpPr>
+        <p:spPr>
+          <a:xfrm>
+            <a:off x="416497" y="197768"/>
+            <a:ext cx="6412780" cy="854968"/>
+          </a:xfrm>
+        </p:spPr>
+        <p:txBody>
+          <a:bodyPr>
+            <a:noAutofit/>
+          </a:bodyPr>
+          <a:lstStyle/>
+          <a:p>
+            <a:pPr algn="ctr"/>
+            <a:r>
+              <a:rPr lang="ko-KR" altLang="en-US" sz="2800" dirty="0" smtClean="0"/>
+              <a:t>회원 가입 폼 만들기</a:t>
+            </a:r>
+            <a:endParaRPr lang="ko-KR" altLang="en-US" sz="2800" dirty="0"/>
+          </a:p>
+        </p:txBody>
+      </p:sp>
+      <p:sp>
+        <p:nvSpPr>
+          <p:cNvPr id="4" name="슬라이드 번호 개체 틀 3"/>
+          <p:cNvSpPr>
+            <a:spLocks noGrp="1"/>
+          </p:cNvSpPr>
+          <p:nvPr>
+            <p:ph type="sldNum" sz="quarter" idx="12"/>
+          </p:nvPr>
+        </p:nvSpPr>
+        <p:spPr/>
+        <p:txBody>
+          <a:bodyPr/>
+          <a:lstStyle/>
+          <a:p>
+            <a:fld id="{1BDE3FE7-3AEA-4B05-AC5A-802D1816ACF0}" type="slidenum">
+              <a:rPr lang="ko-KR" altLang="en-US" smtClean="0"/>
+              <a:t>40</a:t>
             </a:fld>
             <a:endParaRPr lang="ko-KR" altLang="en-US"/>
           </a:p>
@@ -13948,7 +14754,7 @@
 </p:sld>
 </file>
 
-<file path=ppt/slides/slide4.xml><?xml version="1.0" encoding="utf-8"?>
+<file path=ppt/slides/slide41.xml><?xml version="1.0" encoding="utf-8"?>
 <p:sld xmlns:a="http://schemas.openxmlformats.org/drawingml/2006/main" xmlns:r="http://schemas.openxmlformats.org/officeDocument/2006/relationships" xmlns:p="http://schemas.openxmlformats.org/presentationml/2006/main">
   <p:cSld>
     <p:spTree>
@@ -13990,7 +14796,7 @@
             <a:pPr algn="ctr"/>
             <a:r>
               <a:rPr lang="ko-KR" altLang="en-US" sz="2800" dirty="0" smtClean="0"/>
-              <a:t>폼 만들기</a:t>
+              <a:t>공지 사항 창 만들기</a:t>
             </a:r>
             <a:endParaRPr lang="ko-KR" altLang="en-US" sz="2800" dirty="0"/>
           </a:p>
@@ -14013,426 +14819,15 @@
           <a:p>
             <a:fld id="{1BDE3FE7-3AEA-4B05-AC5A-802D1816ACF0}" type="slidenum">
               <a:rPr lang="ko-KR" altLang="en-US" smtClean="0"/>
-              <a:t>4</a:t>
+              <a:t>41</a:t>
             </a:fld>
             <a:endParaRPr lang="ko-KR" altLang="en-US"/>
           </a:p>
         </p:txBody>
       </p:sp>
-      <p:sp>
-        <p:nvSpPr>
-          <p:cNvPr id="3" name="TextBox 2"/>
-          <p:cNvSpPr txBox="1"/>
-          <p:nvPr/>
-        </p:nvSpPr>
-        <p:spPr>
-          <a:xfrm>
-            <a:off x="1136576" y="1175548"/>
-            <a:ext cx="8136904" cy="1292662"/>
-          </a:xfrm>
-          <a:prstGeom prst="rect">
-            <a:avLst/>
-          </a:prstGeom>
-          <a:noFill/>
-        </p:spPr>
-        <p:txBody>
-          <a:bodyPr wrap="square" rtlCol="0">
-            <a:spAutoFit/>
-          </a:bodyPr>
-          <a:lstStyle/>
-          <a:p>
-            <a:pPr marL="342900" indent="-342900">
-              <a:lnSpc>
-                <a:spcPct val="150000"/>
-              </a:lnSpc>
-              <a:buFont typeface="Wingdings" panose="05000000000000000000" pitchFamily="2" charset="2"/>
-              <a:buChar char="l"/>
-            </a:pPr>
-            <a:r>
-              <a:rPr lang="en-US" altLang="ko-KR" sz="2000" b="1" dirty="0" smtClean="0">
-                <a:solidFill>
-                  <a:srgbClr val="C00000"/>
-                </a:solidFill>
-              </a:rPr>
-              <a:t>&lt;form&gt;</a:t>
-            </a:r>
-            <a:r>
-              <a:rPr lang="ko-KR" altLang="en-US" sz="2000" b="1" dirty="0" smtClean="0">
-                <a:solidFill>
-                  <a:srgbClr val="C00000"/>
-                </a:solidFill>
-              </a:rPr>
-              <a:t>태그 </a:t>
-            </a:r>
-            <a:endParaRPr lang="en-US" altLang="ko-KR" sz="2000" b="1" dirty="0" smtClean="0">
-              <a:solidFill>
-                <a:srgbClr val="C00000"/>
-              </a:solidFill>
-            </a:endParaRPr>
-          </a:p>
-          <a:p>
-            <a:pPr marL="742950" lvl="1" indent="-285750">
-              <a:lnSpc>
-                <a:spcPct val="150000"/>
-              </a:lnSpc>
-              <a:buFont typeface="Arial" panose="020B0604020202020204" pitchFamily="34" charset="0"/>
-              <a:buChar char="•"/>
-            </a:pPr>
-            <a:r>
-              <a:rPr lang="en-US" altLang="ko-KR" sz="1600" dirty="0" smtClean="0"/>
-              <a:t>&lt;form</a:t>
-            </a:r>
-            <a:r>
-              <a:rPr lang="ko-KR" altLang="en-US" sz="1600" dirty="0" smtClean="0"/>
-              <a:t> 속성</a:t>
-            </a:r>
-            <a:r>
-              <a:rPr lang="en-US" altLang="ko-KR" sz="1600" dirty="0" smtClean="0"/>
-              <a:t>=“</a:t>
-            </a:r>
-            <a:r>
-              <a:rPr lang="ko-KR" altLang="en-US" sz="1600" dirty="0" smtClean="0"/>
-              <a:t>속성 값</a:t>
-            </a:r>
-            <a:r>
-              <a:rPr lang="en-US" altLang="ko-KR" sz="1600" dirty="0" smtClean="0"/>
-              <a:t>“&gt;</a:t>
-            </a:r>
-            <a:r>
-              <a:rPr lang="ko-KR" altLang="en-US" sz="1600" dirty="0" smtClean="0"/>
-              <a:t>여러 폼 요소 </a:t>
-            </a:r>
-            <a:r>
-              <a:rPr lang="en-US" altLang="ko-KR" sz="1600" dirty="0" smtClean="0"/>
-              <a:t>&lt;/form&gt;</a:t>
-            </a:r>
-          </a:p>
-          <a:p>
-            <a:pPr marL="742950" lvl="1" indent="-285750">
-              <a:lnSpc>
-                <a:spcPct val="150000"/>
-              </a:lnSpc>
-              <a:buFont typeface="Arial" panose="020B0604020202020204" pitchFamily="34" charset="0"/>
-              <a:buChar char="•"/>
-            </a:pPr>
-            <a:r>
-              <a:rPr lang="ko-KR" altLang="en-US" sz="1600" dirty="0" smtClean="0"/>
-              <a:t>몇 가지 속성을 통해 사용자가 입력한 자료들을 </a:t>
-            </a:r>
-            <a:r>
-              <a:rPr lang="ko-KR" altLang="en-US" sz="1600" dirty="0" err="1" smtClean="0"/>
-              <a:t>서버쪽으로</a:t>
-            </a:r>
-            <a:r>
-              <a:rPr lang="ko-KR" altLang="en-US" sz="1600" dirty="0" smtClean="0"/>
-              <a:t> 넘기는데 이용</a:t>
-            </a:r>
-            <a:endParaRPr lang="en-US" altLang="ko-KR" sz="1600" dirty="0" smtClean="0"/>
-          </a:p>
-        </p:txBody>
-      </p:sp>
-      <p:graphicFrame>
-        <p:nvGraphicFramePr>
-          <p:cNvPr id="5" name="표 4"/>
-          <p:cNvGraphicFramePr>
-            <a:graphicFrameLocks noGrp="1"/>
-          </p:cNvGraphicFramePr>
-          <p:nvPr>
-            <p:extLst>
-              <p:ext uri="{D42A27DB-BD31-4B8C-83A1-F6EECF244321}">
-                <p14:modId xmlns:p14="http://schemas.microsoft.com/office/powerpoint/2010/main" val="2706714080"/>
-              </p:ext>
-            </p:extLst>
-          </p:nvPr>
-        </p:nvGraphicFramePr>
-        <p:xfrm>
-          <a:off x="1352600" y="2544688"/>
-          <a:ext cx="7776864" cy="2036440"/>
-        </p:xfrm>
-        <a:graphic>
-          <a:graphicData uri="http://schemas.openxmlformats.org/drawingml/2006/table">
-            <a:tbl>
-              <a:tblPr firstRow="1" bandRow="1">
-                <a:tableStyleId>{5940675A-B579-460E-94D1-54222C63F5DA}</a:tableStyleId>
-              </a:tblPr>
-              <a:tblGrid>
-                <a:gridCol w="1152128"/>
-                <a:gridCol w="6624736"/>
-              </a:tblGrid>
-              <a:tr h="407288">
-                <a:tc>
-                  <a:txBody>
-                    <a:bodyPr/>
-                    <a:lstStyle/>
-                    <a:p>
-                      <a:pPr algn="ctr" latinLnBrk="1"/>
-                      <a:r>
-                        <a:rPr lang="ko-KR" altLang="en-US" sz="1600" dirty="0" smtClean="0"/>
-                        <a:t>속성</a:t>
-                      </a:r>
-                      <a:endParaRPr lang="ko-KR" altLang="en-US" sz="1600" dirty="0"/>
-                    </a:p>
-                  </a:txBody>
-                  <a:tcPr anchor="ctr">
-                    <a:lnL w="12700" cmpd="sng">
-                      <a:noFill/>
-                    </a:lnL>
-                    <a:solidFill>
-                      <a:schemeClr val="bg1">
-                        <a:lumMod val="95000"/>
-                      </a:schemeClr>
-                    </a:solidFill>
-                  </a:tcPr>
-                </a:tc>
-                <a:tc>
-                  <a:txBody>
-                    <a:bodyPr/>
-                    <a:lstStyle/>
-                    <a:p>
-                      <a:pPr algn="ctr" latinLnBrk="1"/>
-                      <a:r>
-                        <a:rPr lang="ko-KR" altLang="en-US" sz="1600" dirty="0" smtClean="0"/>
-                        <a:t>설명</a:t>
-                      </a:r>
-                      <a:endParaRPr lang="ko-KR" altLang="en-US" sz="1600" dirty="0"/>
-                    </a:p>
-                  </a:txBody>
-                  <a:tcPr anchor="ctr">
-                    <a:lnR w="12700" cmpd="sng">
-                      <a:noFill/>
-                    </a:lnR>
-                    <a:solidFill>
-                      <a:schemeClr val="bg1">
-                        <a:lumMod val="95000"/>
-                      </a:schemeClr>
-                    </a:solidFill>
-                  </a:tcPr>
-                </a:tc>
-              </a:tr>
-              <a:tr h="407288">
-                <a:tc rowSpan="2">
-                  <a:txBody>
-                    <a:bodyPr/>
-                    <a:lstStyle/>
-                    <a:p>
-                      <a:pPr algn="ctr" latinLnBrk="1"/>
-                      <a:r>
-                        <a:rPr lang="en-US" altLang="ko-KR" sz="1800" b="1" dirty="0" smtClean="0">
-                          <a:solidFill>
-                            <a:schemeClr val="tx1"/>
-                          </a:solidFill>
-                        </a:rPr>
-                        <a:t>method</a:t>
-                      </a:r>
-                    </a:p>
-                  </a:txBody>
-                  <a:tcPr anchor="ctr">
-                    <a:lnL w="12700" cmpd="sng">
-                      <a:noFill/>
-                    </a:lnL>
-                  </a:tcPr>
-                </a:tc>
-                <a:tc>
-                  <a:txBody>
-                    <a:bodyPr/>
-                    <a:lstStyle/>
-                    <a:p>
-                      <a:pPr algn="l" latinLnBrk="1"/>
-                      <a:r>
-                        <a:rPr lang="en-US" altLang="ko-KR" sz="1600" b="1" dirty="0" smtClean="0"/>
-                        <a:t>get</a:t>
-                      </a:r>
-                      <a:r>
-                        <a:rPr lang="en-US" altLang="ko-KR" sz="1600" dirty="0" smtClean="0"/>
-                        <a:t> – </a:t>
-                      </a:r>
-                      <a:r>
-                        <a:rPr lang="ko-KR" altLang="en-US" sz="1600" dirty="0" smtClean="0"/>
-                        <a:t>주소 표시줄에 사용자가 입력한 내용이 그대로 드러난다</a:t>
-                      </a:r>
-                      <a:r>
-                        <a:rPr lang="en-US" altLang="ko-KR" sz="1600" dirty="0" smtClean="0"/>
-                        <a:t>.</a:t>
-                      </a:r>
-                      <a:endParaRPr lang="ko-KR" altLang="en-US" sz="1600" dirty="0"/>
-                    </a:p>
-                  </a:txBody>
-                  <a:tcPr anchor="ctr">
-                    <a:lnR w="12700" cmpd="sng">
-                      <a:noFill/>
-                    </a:lnR>
-                  </a:tcPr>
-                </a:tc>
-              </a:tr>
-              <a:tr h="407288">
-                <a:tc vMerge="1">
-                  <a:txBody>
-                    <a:bodyPr/>
-                    <a:lstStyle/>
-                    <a:p>
-                      <a:pPr latinLnBrk="1"/>
-                      <a:endParaRPr lang="en-US" altLang="ko-KR" sz="1400" dirty="0" smtClean="0"/>
-                    </a:p>
-                  </a:txBody>
-                  <a:tcPr>
-                    <a:lnL w="12700" cmpd="sng">
-                      <a:noFill/>
-                    </a:lnL>
-                  </a:tcPr>
-                </a:tc>
-                <a:tc>
-                  <a:txBody>
-                    <a:bodyPr/>
-                    <a:lstStyle/>
-                    <a:p>
-                      <a:pPr algn="l" latinLnBrk="1"/>
-                      <a:r>
-                        <a:rPr lang="en-US" altLang="ko-KR" sz="1600" b="1" dirty="0" smtClean="0"/>
-                        <a:t>post</a:t>
-                      </a:r>
-                      <a:r>
-                        <a:rPr lang="en-US" altLang="ko-KR" sz="1600" dirty="0" smtClean="0"/>
-                        <a:t> – </a:t>
-                      </a:r>
-                      <a:r>
-                        <a:rPr lang="ko-KR" altLang="en-US" sz="1600" dirty="0" smtClean="0"/>
-                        <a:t>사용자가</a:t>
-                      </a:r>
-                      <a:r>
-                        <a:rPr lang="en-US" altLang="ko-KR" sz="1600" dirty="0" smtClean="0"/>
-                        <a:t> </a:t>
-                      </a:r>
-                      <a:r>
-                        <a:rPr lang="ko-KR" altLang="en-US" sz="1600" dirty="0" smtClean="0"/>
-                        <a:t>입력한 내용이 드러나지 않는다</a:t>
-                      </a:r>
-                      <a:r>
-                        <a:rPr lang="en-US" altLang="ko-KR" sz="1600" dirty="0" smtClean="0"/>
-                        <a:t>.(</a:t>
-                      </a:r>
-                      <a:r>
-                        <a:rPr lang="ko-KR" altLang="en-US" sz="1600" dirty="0" smtClean="0"/>
-                        <a:t>보안이 필요한 경우</a:t>
-                      </a:r>
-                      <a:r>
-                        <a:rPr lang="en-US" altLang="ko-KR" sz="1600" dirty="0" smtClean="0"/>
-                        <a:t>)</a:t>
-                      </a:r>
-                      <a:endParaRPr lang="ko-KR" altLang="en-US" sz="1600" dirty="0"/>
-                    </a:p>
-                  </a:txBody>
-                  <a:tcPr anchor="ctr">
-                    <a:lnR w="12700" cmpd="sng">
-                      <a:noFill/>
-                    </a:lnR>
-                  </a:tcPr>
-                </a:tc>
-              </a:tr>
-              <a:tr h="407288">
-                <a:tc>
-                  <a:txBody>
-                    <a:bodyPr/>
-                    <a:lstStyle/>
-                    <a:p>
-                      <a:pPr algn="ctr" latinLnBrk="1"/>
-                      <a:r>
-                        <a:rPr lang="en-US" altLang="ko-KR" sz="1800" b="1" dirty="0" smtClean="0">
-                          <a:solidFill>
-                            <a:schemeClr val="tx1"/>
-                          </a:solidFill>
-                        </a:rPr>
-                        <a:t>name</a:t>
-                      </a:r>
-                    </a:p>
-                  </a:txBody>
-                  <a:tcPr anchor="ctr">
-                    <a:lnL w="12700" cmpd="sng">
-                      <a:noFill/>
-                    </a:lnL>
-                  </a:tcPr>
-                </a:tc>
-                <a:tc>
-                  <a:txBody>
-                    <a:bodyPr/>
-                    <a:lstStyle/>
-                    <a:p>
-                      <a:pPr algn="l" latinLnBrk="1"/>
-                      <a:r>
-                        <a:rPr lang="ko-KR" altLang="en-US" sz="1600" dirty="0" smtClean="0"/>
-                        <a:t>폼의 이름을 지정합니다</a:t>
-                      </a:r>
-                      <a:r>
-                        <a:rPr lang="en-US" altLang="ko-KR" sz="1600" dirty="0" smtClean="0"/>
-                        <a:t>.</a:t>
-                      </a:r>
-                      <a:endParaRPr lang="ko-KR" altLang="en-US" sz="1600" dirty="0"/>
-                    </a:p>
-                  </a:txBody>
-                  <a:tcPr anchor="ctr">
-                    <a:lnR w="12700" cmpd="sng">
-                      <a:noFill/>
-                    </a:lnR>
-                  </a:tcPr>
-                </a:tc>
-              </a:tr>
-              <a:tr h="407288">
-                <a:tc>
-                  <a:txBody>
-                    <a:bodyPr/>
-                    <a:lstStyle/>
-                    <a:p>
-                      <a:pPr algn="ctr" latinLnBrk="1"/>
-                      <a:r>
-                        <a:rPr lang="en-US" altLang="ko-KR" sz="1800" b="1" dirty="0" smtClean="0">
-                          <a:solidFill>
-                            <a:schemeClr val="tx1"/>
-                          </a:solidFill>
-                        </a:rPr>
-                        <a:t>action</a:t>
-                      </a:r>
-                    </a:p>
-                  </a:txBody>
-                  <a:tcPr anchor="ctr">
-                    <a:lnL w="12700" cmpd="sng">
-                      <a:noFill/>
-                    </a:lnL>
-                  </a:tcPr>
-                </a:tc>
-                <a:tc>
-                  <a:txBody>
-                    <a:bodyPr/>
-                    <a:lstStyle/>
-                    <a:p>
-                      <a:pPr algn="l" latinLnBrk="1"/>
-                      <a:r>
-                        <a:rPr lang="en-US" altLang="ko-KR" sz="1600" dirty="0" smtClean="0"/>
-                        <a:t>&lt;form&gt; </a:t>
-                      </a:r>
-                      <a:r>
-                        <a:rPr lang="ko-KR" altLang="en-US" sz="1600" dirty="0" smtClean="0"/>
-                        <a:t>태그 안의 내용들을 처리해 줄 서버 상의 경로를 지정한다</a:t>
-                      </a:r>
-                      <a:r>
-                        <a:rPr lang="en-US" altLang="ko-KR" sz="1600" dirty="0" smtClean="0"/>
-                        <a:t>.</a:t>
-                      </a:r>
-                      <a:endParaRPr lang="ko-KR" altLang="en-US" sz="1600" dirty="0"/>
-                    </a:p>
-                  </a:txBody>
-                  <a:tcPr anchor="ctr">
-                    <a:lnR w="12700" cmpd="sng">
-                      <a:noFill/>
-                    </a:lnR>
-                  </a:tcPr>
-                </a:tc>
-              </a:tr>
-            </a:tbl>
-          </a:graphicData>
-        </a:graphic>
-      </p:graphicFrame>
       <p:pic>
         <p:nvPicPr>
-          <p:cNvPr id="6" name="그림 5"/>
+          <p:cNvPr id="3" name="그림 2"/>
           <p:cNvPicPr>
             <a:picLocks noChangeAspect="1"/>
           </p:cNvPicPr>
@@ -14452,179 +14847,8 @@
         </p:blipFill>
         <p:spPr>
           <a:xfrm>
-            <a:off x="2000672" y="4689512"/>
-            <a:ext cx="5688632" cy="1835832"/>
-          </a:xfrm>
-          <a:prstGeom prst="rect">
-            <a:avLst/>
-          </a:prstGeom>
-          <a:ln>
-            <a:solidFill>
-              <a:schemeClr val="bg1">
-                <a:lumMod val="85000"/>
-              </a:schemeClr>
-            </a:solidFill>
-          </a:ln>
-        </p:spPr>
-      </p:pic>
-      <p:sp>
-        <p:nvSpPr>
-          <p:cNvPr id="7" name="TextBox 6"/>
-          <p:cNvSpPr txBox="1"/>
-          <p:nvPr/>
-        </p:nvSpPr>
-        <p:spPr>
-          <a:xfrm>
-            <a:off x="1831453" y="5635030"/>
-            <a:ext cx="6145883" cy="374571"/>
-          </a:xfrm>
-          <a:prstGeom prst="roundRect">
-            <a:avLst/>
-          </a:prstGeom>
-          <a:noFill/>
-          <a:ln>
-            <a:prstDash val="sysDash"/>
-          </a:ln>
-        </p:spPr>
-        <p:style>
-          <a:lnRef idx="2">
-            <a:schemeClr val="accent2"/>
-          </a:lnRef>
-          <a:fillRef idx="1">
-            <a:schemeClr val="lt1"/>
-          </a:fillRef>
-          <a:effectRef idx="0">
-            <a:schemeClr val="accent2"/>
-          </a:effectRef>
-          <a:fontRef idx="minor">
-            <a:schemeClr val="dk1"/>
-          </a:fontRef>
-        </p:style>
-        <p:txBody>
-          <a:bodyPr wrap="square" rtlCol="0">
-            <a:spAutoFit/>
-          </a:bodyPr>
-          <a:lstStyle/>
-          <a:p>
-            <a:endParaRPr lang="ko-KR" altLang="en-US" sz="1600" dirty="0"/>
-          </a:p>
-        </p:txBody>
-      </p:sp>
-    </p:spTree>
-    <p:extLst>
-      <p:ext uri="{BB962C8B-B14F-4D97-AF65-F5344CB8AC3E}">
-        <p14:creationId xmlns:p14="http://schemas.microsoft.com/office/powerpoint/2010/main" val="1926178300"/>
-      </p:ext>
-    </p:extLst>
-  </p:cSld>
-  <p:clrMapOvr>
-    <a:masterClrMapping/>
-  </p:clrMapOvr>
-  <p:timing>
-    <p:tnLst>
-      <p:par>
-        <p:cTn id="1" dur="indefinite" restart="never" nodeType="tmRoot"/>
-      </p:par>
-    </p:tnLst>
-  </p:timing>
-</p:sld>
-</file>
-
-<file path=ppt/slides/slide40.xml><?xml version="1.0" encoding="utf-8"?>
-<p:sld xmlns:a="http://schemas.openxmlformats.org/drawingml/2006/main" xmlns:r="http://schemas.openxmlformats.org/officeDocument/2006/relationships" xmlns:p="http://schemas.openxmlformats.org/presentationml/2006/main">
-  <p:cSld>
-    <p:spTree>
-      <p:nvGrpSpPr>
-        <p:cNvPr id="1" name=""/>
-        <p:cNvGrpSpPr/>
-        <p:nvPr/>
-      </p:nvGrpSpPr>
-      <p:grpSpPr>
-        <a:xfrm>
-          <a:off x="0" y="0"/>
-          <a:ext cx="0" cy="0"/>
-          <a:chOff x="0" y="0"/>
-          <a:chExt cx="0" cy="0"/>
-        </a:xfrm>
-      </p:grpSpPr>
-      <p:sp>
-        <p:nvSpPr>
-          <p:cNvPr id="2" name="제목 1"/>
-          <p:cNvSpPr>
-            <a:spLocks noGrp="1"/>
-          </p:cNvSpPr>
-          <p:nvPr>
-            <p:ph type="title"/>
-          </p:nvPr>
-        </p:nvSpPr>
-        <p:spPr>
-          <a:xfrm>
-            <a:off x="416497" y="197768"/>
-            <a:ext cx="6412780" cy="854968"/>
-          </a:xfrm>
-        </p:spPr>
-        <p:txBody>
-          <a:bodyPr>
-            <a:noAutofit/>
-          </a:bodyPr>
-          <a:lstStyle/>
-          <a:p>
-            <a:pPr algn="ctr"/>
-            <a:r>
-              <a:rPr lang="ko-KR" altLang="en-US" sz="2800" dirty="0" smtClean="0"/>
-              <a:t>공지 사항 창 만들기</a:t>
-            </a:r>
-            <a:endParaRPr lang="ko-KR" altLang="en-US" sz="2800" dirty="0"/>
-          </a:p>
-        </p:txBody>
-      </p:sp>
-      <p:sp>
-        <p:nvSpPr>
-          <p:cNvPr id="4" name="슬라이드 번호 개체 틀 3"/>
-          <p:cNvSpPr>
-            <a:spLocks noGrp="1"/>
-          </p:cNvSpPr>
-          <p:nvPr>
-            <p:ph type="sldNum" sz="quarter" idx="12"/>
-          </p:nvPr>
-        </p:nvSpPr>
-        <p:spPr/>
-        <p:txBody>
-          <a:bodyPr/>
-          <a:lstStyle/>
-          <a:p>
-            <a:fld id="{1BDE3FE7-3AEA-4B05-AC5A-802D1816ACF0}" type="slidenum">
-              <a:rPr lang="ko-KR" altLang="en-US" smtClean="0"/>
-              <a:t>40</a:t>
-            </a:fld>
-            <a:endParaRPr lang="ko-KR" altLang="en-US"/>
-          </a:p>
-        </p:txBody>
-      </p:sp>
-      <p:pic>
-        <p:nvPicPr>
-          <p:cNvPr id="6" name="그림 5"/>
-          <p:cNvPicPr>
-            <a:picLocks noChangeAspect="1"/>
-          </p:cNvPicPr>
-          <p:nvPr/>
-        </p:nvPicPr>
-        <p:blipFill>
-          <a:blip r:embed="rId2">
-            <a:extLst>
-              <a:ext uri="{28A0092B-C50C-407E-A947-70E740481C1C}">
-                <a14:useLocalDpi xmlns:a14="http://schemas.microsoft.com/office/drawing/2010/main" val="0"/>
-              </a:ext>
-            </a:extLst>
-          </a:blip>
-          <a:stretch>
-            <a:fillRect/>
-          </a:stretch>
-        </p:blipFill>
-        <p:spPr>
-          <a:xfrm>
-            <a:off x="2144688" y="1700808"/>
-            <a:ext cx="3960440" cy="3971627"/>
+            <a:off x="2288704" y="1412776"/>
+            <a:ext cx="4168501" cy="4801016"/>
           </a:xfrm>
           <a:prstGeom prst="rect">
             <a:avLst/>
@@ -14658,7 +14882,7 @@
 </p:sld>
 </file>
 
-<file path=ppt/slides/slide41.xml><?xml version="1.0" encoding="utf-8"?>
+<file path=ppt/slides/slide42.xml><?xml version="1.0" encoding="utf-8"?>
 <p:sld xmlns:a="http://schemas.openxmlformats.org/drawingml/2006/main" xmlns:r="http://schemas.openxmlformats.org/officeDocument/2006/relationships" xmlns:p="http://schemas.openxmlformats.org/presentationml/2006/main">
   <p:cSld>
     <p:spTree>
@@ -14723,7 +14947,7 @@
           <a:p>
             <a:fld id="{1BDE3FE7-3AEA-4B05-AC5A-802D1816ACF0}" type="slidenum">
               <a:rPr lang="ko-KR" altLang="en-US" smtClean="0"/>
-              <a:t>41</a:t>
+              <a:t>42</a:t>
             </a:fld>
             <a:endParaRPr lang="ko-KR" altLang="en-US"/>
           </a:p>
@@ -15140,7 +15364,7 @@
 </p:sld>
 </file>
 
-<file path=ppt/slides/slide42.xml><?xml version="1.0" encoding="utf-8"?>
+<file path=ppt/slides/slide43.xml><?xml version="1.0" encoding="utf-8"?>
 <p:sld xmlns:a="http://schemas.openxmlformats.org/drawingml/2006/main" xmlns:r="http://schemas.openxmlformats.org/officeDocument/2006/relationships" xmlns:p="http://schemas.openxmlformats.org/presentationml/2006/main">
   <p:cSld>
     <p:spTree>
@@ -15205,7 +15429,7 @@
           <a:p>
             <a:fld id="{1BDE3FE7-3AEA-4B05-AC5A-802D1816ACF0}" type="slidenum">
               <a:rPr lang="ko-KR" altLang="en-US" smtClean="0"/>
-              <a:t>42</a:t>
+              <a:t>43</a:t>
             </a:fld>
             <a:endParaRPr lang="ko-KR" altLang="en-US"/>
           </a:p>
@@ -15257,7 +15481,7 @@
       </p:sp>
       <p:pic>
         <p:nvPicPr>
-          <p:cNvPr id="3" name="그림 2"/>
+          <p:cNvPr id="5" name="그림 4"/>
           <p:cNvPicPr>
             <a:picLocks noChangeAspect="1"/>
           </p:cNvPicPr>
@@ -15277,8 +15501,8 @@
         </p:blipFill>
         <p:spPr>
           <a:xfrm>
-            <a:off x="1796743" y="1988840"/>
-            <a:ext cx="4869602" cy="3200678"/>
+            <a:off x="2216696" y="1957224"/>
+            <a:ext cx="4435224" cy="4519052"/>
           </a:xfrm>
           <a:prstGeom prst="rect">
             <a:avLst/>
@@ -15641,8 +15865,20 @@
                 <a:tableStyleId>{5940675A-B579-460E-94D1-54222C63F5DA}</a:tableStyleId>
               </a:tblPr>
               <a:tblGrid>
-                <a:gridCol w="1565379"/>
-                <a:gridCol w="6060673"/>
+                <a:gridCol w="1565379">
+                  <a:extLst>
+                    <a:ext uri="{9D8B030D-6E8A-4147-A177-3AD203B41FA5}">
+                      <a16:colId xmlns:a16="http://schemas.microsoft.com/office/drawing/2014/main" val="20000"/>
+                    </a:ext>
+                  </a:extLst>
+                </a:gridCol>
+                <a:gridCol w="6060673">
+                  <a:extLst>
+                    <a:ext uri="{9D8B030D-6E8A-4147-A177-3AD203B41FA5}">
+                      <a16:colId xmlns:a16="http://schemas.microsoft.com/office/drawing/2014/main" val="20001"/>
+                    </a:ext>
+                  </a:extLst>
+                </a:gridCol>
               </a:tblGrid>
               <a:tr h="383862">
                 <a:tc>
@@ -15693,6 +15929,11 @@
                     </a:solidFill>
                   </a:tcPr>
                 </a:tc>
+                <a:extLst>
+                  <a:ext uri="{0D108BD9-81ED-4DB2-BD59-A6C34878D82A}">
+                    <a16:rowId xmlns:a16="http://schemas.microsoft.com/office/drawing/2014/main" val="10000"/>
+                  </a:ext>
+                </a:extLst>
               </a:tr>
               <a:tr h="418758">
                 <a:tc>
@@ -15736,6 +15977,11 @@
                     </a:lnR>
                   </a:tcPr>
                 </a:tc>
+                <a:extLst>
+                  <a:ext uri="{0D108BD9-81ED-4DB2-BD59-A6C34878D82A}">
+                    <a16:rowId xmlns:a16="http://schemas.microsoft.com/office/drawing/2014/main" val="10001"/>
+                  </a:ext>
+                </a:extLst>
               </a:tr>
               <a:tr h="418758">
                 <a:tc>
@@ -15795,6 +16041,11 @@
                     </a:lnR>
                   </a:tcPr>
                 </a:tc>
+                <a:extLst>
+                  <a:ext uri="{0D108BD9-81ED-4DB2-BD59-A6C34878D82A}">
+                    <a16:rowId xmlns:a16="http://schemas.microsoft.com/office/drawing/2014/main" val="10002"/>
+                  </a:ext>
+                </a:extLst>
               </a:tr>
               <a:tr h="469431">
                 <a:tc>
@@ -15838,6 +16089,11 @@
                     </a:lnR>
                   </a:tcPr>
                 </a:tc>
+                <a:extLst>
+                  <a:ext uri="{0D108BD9-81ED-4DB2-BD59-A6C34878D82A}">
+                    <a16:rowId xmlns:a16="http://schemas.microsoft.com/office/drawing/2014/main" val="10003"/>
+                  </a:ext>
+                </a:extLst>
               </a:tr>
               <a:tr h="469431">
                 <a:tc>
@@ -15893,6 +16149,11 @@
                     </a:lnR>
                   </a:tcPr>
                 </a:tc>
+                <a:extLst>
+                  <a:ext uri="{0D108BD9-81ED-4DB2-BD59-A6C34878D82A}">
+                    <a16:rowId xmlns:a16="http://schemas.microsoft.com/office/drawing/2014/main" val="10004"/>
+                  </a:ext>
+                </a:extLst>
               </a:tr>
               <a:tr h="469431">
                 <a:tc>
@@ -15936,6 +16197,11 @@
                     </a:lnR>
                   </a:tcPr>
                 </a:tc>
+                <a:extLst>
+                  <a:ext uri="{0D108BD9-81ED-4DB2-BD59-A6C34878D82A}">
+                    <a16:rowId xmlns:a16="http://schemas.microsoft.com/office/drawing/2014/main" val="10005"/>
+                  </a:ext>
+                </a:extLst>
               </a:tr>
               <a:tr h="469431">
                 <a:tc>
@@ -15995,6 +16261,11 @@
                     </a:lnR>
                   </a:tcPr>
                 </a:tc>
+                <a:extLst>
+                  <a:ext uri="{0D108BD9-81ED-4DB2-BD59-A6C34878D82A}">
+                    <a16:rowId xmlns:a16="http://schemas.microsoft.com/office/drawing/2014/main" val="10006"/>
+                  </a:ext>
+                </a:extLst>
               </a:tr>
             </a:tbl>
           </a:graphicData>
@@ -16195,8 +16466,20 @@
                 <a:tableStyleId>{5940675A-B579-460E-94D1-54222C63F5DA}</a:tableStyleId>
               </a:tblPr>
               <a:tblGrid>
-                <a:gridCol w="1565379"/>
-                <a:gridCol w="6060673"/>
+                <a:gridCol w="1565379">
+                  <a:extLst>
+                    <a:ext uri="{9D8B030D-6E8A-4147-A177-3AD203B41FA5}">
+                      <a16:colId xmlns:a16="http://schemas.microsoft.com/office/drawing/2014/main" val="20000"/>
+                    </a:ext>
+                  </a:extLst>
+                </a:gridCol>
+                <a:gridCol w="6060673">
+                  <a:extLst>
+                    <a:ext uri="{9D8B030D-6E8A-4147-A177-3AD203B41FA5}">
+                      <a16:colId xmlns:a16="http://schemas.microsoft.com/office/drawing/2014/main" val="20001"/>
+                    </a:ext>
+                  </a:extLst>
+                </a:gridCol>
               </a:tblGrid>
               <a:tr h="379293">
                 <a:tc>
@@ -16247,6 +16530,11 @@
                     </a:solidFill>
                   </a:tcPr>
                 </a:tc>
+                <a:extLst>
+                  <a:ext uri="{0D108BD9-81ED-4DB2-BD59-A6C34878D82A}">
+                    <a16:rowId xmlns:a16="http://schemas.microsoft.com/office/drawing/2014/main" val="10000"/>
+                  </a:ext>
+                </a:extLst>
               </a:tr>
               <a:tr h="488845">
                 <a:tc>
@@ -16299,6 +16587,11 @@
                     </a:lnR>
                   </a:tcPr>
                 </a:tc>
+                <a:extLst>
+                  <a:ext uri="{0D108BD9-81ED-4DB2-BD59-A6C34878D82A}">
+                    <a16:rowId xmlns:a16="http://schemas.microsoft.com/office/drawing/2014/main" val="10001"/>
+                  </a:ext>
+                </a:extLst>
               </a:tr>
               <a:tr h="488845">
                 <a:tc>
@@ -16342,6 +16635,11 @@
                     </a:lnR>
                   </a:tcPr>
                 </a:tc>
+                <a:extLst>
+                  <a:ext uri="{0D108BD9-81ED-4DB2-BD59-A6C34878D82A}">
+                    <a16:rowId xmlns:a16="http://schemas.microsoft.com/office/drawing/2014/main" val="10002"/>
+                  </a:ext>
+                </a:extLst>
               </a:tr>
               <a:tr h="488845">
                 <a:tc>
@@ -16400,6 +16698,11 @@
                     </a:lnR>
                   </a:tcPr>
                 </a:tc>
+                <a:extLst>
+                  <a:ext uri="{0D108BD9-81ED-4DB2-BD59-A6C34878D82A}">
+                    <a16:rowId xmlns:a16="http://schemas.microsoft.com/office/drawing/2014/main" val="10003"/>
+                  </a:ext>
+                </a:extLst>
               </a:tr>
               <a:tr h="488845">
                 <a:tc>
@@ -16467,6 +16770,11 @@
                     </a:lnR>
                   </a:tcPr>
                 </a:tc>
+                <a:extLst>
+                  <a:ext uri="{0D108BD9-81ED-4DB2-BD59-A6C34878D82A}">
+                    <a16:rowId xmlns:a16="http://schemas.microsoft.com/office/drawing/2014/main" val="10004"/>
+                  </a:ext>
+                </a:extLst>
               </a:tr>
               <a:tr h="488845">
                 <a:tc>
@@ -16518,6 +16826,11 @@
                     </a:lnR>
                   </a:tcPr>
                 </a:tc>
+                <a:extLst>
+                  <a:ext uri="{0D108BD9-81ED-4DB2-BD59-A6C34878D82A}">
+                    <a16:rowId xmlns:a16="http://schemas.microsoft.com/office/drawing/2014/main" val="10005"/>
+                  </a:ext>
+                </a:extLst>
               </a:tr>
               <a:tr h="488845">
                 <a:tc>
@@ -16588,6 +16901,11 @@
                     </a:lnR>
                   </a:tcPr>
                 </a:tc>
+                <a:extLst>
+                  <a:ext uri="{0D108BD9-81ED-4DB2-BD59-A6C34878D82A}">
+                    <a16:rowId xmlns:a16="http://schemas.microsoft.com/office/drawing/2014/main" val="10006"/>
+                  </a:ext>
+                </a:extLst>
               </a:tr>
               <a:tr h="488845">
                 <a:tc>
@@ -16650,6 +16968,11 @@
                     </a:lnR>
                   </a:tcPr>
                 </a:tc>
+                <a:extLst>
+                  <a:ext uri="{0D108BD9-81ED-4DB2-BD59-A6C34878D82A}">
+                    <a16:rowId xmlns:a16="http://schemas.microsoft.com/office/drawing/2014/main" val="10007"/>
+                  </a:ext>
+                </a:extLst>
               </a:tr>
               <a:tr h="488845">
                 <a:tc>
@@ -16717,6 +17040,11 @@
                     </a:lnR>
                   </a:tcPr>
                 </a:tc>
+                <a:extLst>
+                  <a:ext uri="{0D108BD9-81ED-4DB2-BD59-A6C34878D82A}">
+                    <a16:rowId xmlns:a16="http://schemas.microsoft.com/office/drawing/2014/main" val="10008"/>
+                  </a:ext>
+                </a:extLst>
               </a:tr>
             </a:tbl>
           </a:graphicData>
@@ -16958,15 +17286,7 @@
             </a:r>
             <a:r>
               <a:rPr lang="ko-KR" altLang="en-US" sz="1600" dirty="0" smtClean="0"/>
-              <a:t>지정했기 때문에 내용을 입력하고 검색버튼을 누르면 그 값이 </a:t>
-            </a:r>
-            <a:r>
-              <a:rPr lang="ko-KR" altLang="en-US" sz="1600" dirty="0" err="1" smtClean="0"/>
-              <a:t>웹서버에</a:t>
-            </a:r>
-            <a:r>
-              <a:rPr lang="ko-KR" altLang="en-US" sz="1600" dirty="0" smtClean="0"/>
-              <a:t> 있는 </a:t>
+              <a:t>지정했기 때문에 내용을 입력하고 검색버튼을 누르면 그 값이 웹 서버에 있는 </a:t>
             </a:r>
             <a:r>
               <a:rPr lang="en-US" altLang="ko-KR" sz="1600" dirty="0" err="1" smtClean="0"/>
@@ -17538,12 +17858,20 @@
               <a:t>과 </a:t>
             </a:r>
             <a:r>
+              <a:rPr lang="en-US" altLang="ko-KR" sz="2000" b="1" dirty="0">
+                <a:solidFill>
+                  <a:srgbClr val="C00000"/>
+                </a:solidFill>
+              </a:rPr>
+              <a:t>p</a:t>
+            </a:r>
+            <a:r>
               <a:rPr lang="en-US" altLang="ko-KR" sz="2000" b="1" dirty="0" smtClean="0">
                 <a:solidFill>
                   <a:srgbClr val="C00000"/>
                 </a:solidFill>
               </a:rPr>
-              <a:t>Post </a:t>
+              <a:t>ost </a:t>
             </a:r>
           </a:p>
         </p:txBody>
@@ -17787,11 +18115,11 @@
             </a:pPr>
             <a:r>
               <a:rPr lang="ko-KR" altLang="en-US" sz="1600" dirty="0" smtClean="0"/>
-              <a:t>스마트 </a:t>
+              <a:t>스마트 폰 </a:t>
             </a:r>
             <a:r>
               <a:rPr lang="ko-KR" altLang="en-US" sz="1600" dirty="0" err="1" smtClean="0"/>
-              <a:t>폰처럼</a:t>
+              <a:t>처럼</a:t>
             </a:r>
             <a:r>
               <a:rPr lang="ko-KR" altLang="en-US" sz="1600" dirty="0" smtClean="0"/>

--- a/html-css_ppt/7강. html 폼.pptx
+++ b/html-css_ppt/7강. html 폼.pptx
@@ -250,7 +250,7 @@
           <a:p>
             <a:fld id="{7665CDAC-D627-4E87-877A-1B781DD4CADC}" type="datetimeFigureOut">
               <a:rPr lang="ko-KR" altLang="en-US" smtClean="0"/>
-              <a:t>2023-03-23</a:t>
+              <a:t>2023-03-27</a:t>
             </a:fld>
             <a:endParaRPr lang="ko-KR" altLang="en-US"/>
           </a:p>
@@ -664,7 +664,7 @@
           <a:p>
             <a:fld id="{C25BCFD5-C4DF-4EBC-B718-C69ED2FBDE6F}" type="datetime1">
               <a:rPr lang="ko-KR" altLang="en-US" smtClean="0"/>
-              <a:t>2023-03-23</a:t>
+              <a:t>2023-03-27</a:t>
             </a:fld>
             <a:endParaRPr lang="ko-KR" altLang="en-US"/>
           </a:p>
@@ -1082,7 +1082,7 @@
           <a:p>
             <a:fld id="{AB448CD7-D367-43D5-B461-ACE552E75063}" type="datetime1">
               <a:rPr lang="ko-KR" altLang="en-US" smtClean="0"/>
-              <a:t>2023-03-23</a:t>
+              <a:t>2023-03-27</a:t>
             </a:fld>
             <a:endParaRPr lang="ko-KR" altLang="en-US"/>
           </a:p>
@@ -1262,7 +1262,7 @@
           <a:p>
             <a:fld id="{B6E49E79-7361-4780-8BEF-7EDE3708298A}" type="datetime1">
               <a:rPr lang="ko-KR" altLang="en-US" smtClean="0"/>
-              <a:t>2023-03-23</a:t>
+              <a:t>2023-03-27</a:t>
             </a:fld>
             <a:endParaRPr lang="ko-KR" altLang="en-US"/>
           </a:p>
@@ -1436,7 +1436,7 @@
           <a:p>
             <a:fld id="{A4D42E3C-B70B-437C-85CF-1286301B9CBA}" type="datetime1">
               <a:rPr lang="ko-KR" altLang="en-US" smtClean="0"/>
-              <a:t>2023-03-23</a:t>
+              <a:t>2023-03-27</a:t>
             </a:fld>
             <a:endParaRPr lang="ko-KR" altLang="en-US"/>
           </a:p>
@@ -1682,7 +1682,7 @@
           <a:p>
             <a:fld id="{B3369A20-5B3D-4D98-A822-26B93D177A40}" type="datetime1">
               <a:rPr lang="ko-KR" altLang="en-US" smtClean="0"/>
-              <a:t>2023-03-23</a:t>
+              <a:t>2023-03-27</a:t>
             </a:fld>
             <a:endParaRPr lang="ko-KR" altLang="en-US"/>
           </a:p>
@@ -1970,7 +1970,7 @@
           <a:p>
             <a:fld id="{685CD4CE-9E43-4F70-A9D8-A2130CA7D92A}" type="datetime1">
               <a:rPr lang="ko-KR" altLang="en-US" smtClean="0"/>
-              <a:t>2023-03-23</a:t>
+              <a:t>2023-03-27</a:t>
             </a:fld>
             <a:endParaRPr lang="ko-KR" altLang="en-US"/>
           </a:p>
@@ -2392,7 +2392,7 @@
           <a:p>
             <a:fld id="{F752BD92-DA3E-4A0B-90C9-7DE5E15B6E96}" type="datetime1">
               <a:rPr lang="ko-KR" altLang="en-US" smtClean="0"/>
-              <a:t>2023-03-23</a:t>
+              <a:t>2023-03-27</a:t>
             </a:fld>
             <a:endParaRPr lang="ko-KR" altLang="en-US"/>
           </a:p>
@@ -2510,7 +2510,7 @@
           <a:p>
             <a:fld id="{8EA2B83A-F366-424E-B742-340ACF856BB5}" type="datetime1">
               <a:rPr lang="ko-KR" altLang="en-US" smtClean="0"/>
-              <a:t>2023-03-23</a:t>
+              <a:t>2023-03-27</a:t>
             </a:fld>
             <a:endParaRPr lang="ko-KR" altLang="en-US"/>
           </a:p>
@@ -2605,7 +2605,7 @@
           <a:p>
             <a:fld id="{9A49D68B-5DBD-48E9-A8D4-FCBC4B3DD9C6}" type="datetime1">
               <a:rPr lang="ko-KR" altLang="en-US" smtClean="0"/>
-              <a:t>2023-03-23</a:t>
+              <a:t>2023-03-27</a:t>
             </a:fld>
             <a:endParaRPr lang="ko-KR" altLang="en-US"/>
           </a:p>
@@ -2882,7 +2882,7 @@
           <a:p>
             <a:fld id="{4CAB534F-7D16-467B-9320-91F98915D181}" type="datetime1">
               <a:rPr lang="ko-KR" altLang="en-US" smtClean="0"/>
-              <a:t>2023-03-23</a:t>
+              <a:t>2023-03-27</a:t>
             </a:fld>
             <a:endParaRPr lang="ko-KR" altLang="en-US"/>
           </a:p>
@@ -3135,7 +3135,7 @@
           <a:p>
             <a:fld id="{A390A91F-2F8D-4486-A69D-D680F95444B0}" type="datetime1">
               <a:rPr lang="ko-KR" altLang="en-US" smtClean="0"/>
-              <a:t>2023-03-23</a:t>
+              <a:t>2023-03-27</a:t>
             </a:fld>
             <a:endParaRPr lang="ko-KR" altLang="en-US"/>
           </a:p>
@@ -3315,7 +3315,7 @@
           <a:p>
             <a:fld id="{2238BBEA-E8DD-414A-BF68-FC2AFA7CFF2D}" type="datetime1">
               <a:rPr lang="ko-KR" altLang="en-US" smtClean="0"/>
-              <a:t>2023-03-23</a:t>
+              <a:t>2023-03-27</a:t>
             </a:fld>
             <a:endParaRPr lang="ko-KR" altLang="en-US"/>
           </a:p>
@@ -15001,9 +15001,53 @@
           </a:p>
         </p:txBody>
       </p:sp>
+      <p:sp>
+        <p:nvSpPr>
+          <p:cNvPr id="8" name="TextBox 7"/>
+          <p:cNvSpPr txBox="1"/>
+          <p:nvPr/>
+        </p:nvSpPr>
+        <p:spPr>
+          <a:xfrm>
+            <a:off x="1017866" y="3429000"/>
+            <a:ext cx="1512167" cy="374571"/>
+          </a:xfrm>
+          <a:prstGeom prst="roundRect">
+            <a:avLst/>
+          </a:prstGeom>
+        </p:spPr>
+        <p:style>
+          <a:lnRef idx="2">
+            <a:schemeClr val="accent2"/>
+          </a:lnRef>
+          <a:fillRef idx="1">
+            <a:schemeClr val="lt1"/>
+          </a:fillRef>
+          <a:effectRef idx="0">
+            <a:schemeClr val="accent2"/>
+          </a:effectRef>
+          <a:fontRef idx="minor">
+            <a:schemeClr val="dk1"/>
+          </a:fontRef>
+        </p:style>
+        <p:txBody>
+          <a:bodyPr wrap="square" rtlCol="0">
+            <a:spAutoFit/>
+          </a:bodyPr>
+          <a:lstStyle/>
+          <a:p>
+            <a:pPr algn="ctr"/>
+            <a:r>
+              <a:rPr lang="en-US" altLang="ko-KR" sz="1600" dirty="0" smtClean="0"/>
+              <a:t>notice.html</a:t>
+            </a:r>
+            <a:endParaRPr lang="ko-KR" altLang="en-US" sz="1600" dirty="0"/>
+          </a:p>
+        </p:txBody>
+      </p:sp>
       <p:pic>
         <p:nvPicPr>
-          <p:cNvPr id="7" name="그림 6"/>
+          <p:cNvPr id="3" name="그림 2"/>
           <p:cNvPicPr>
             <a:picLocks noChangeAspect="1"/>
           </p:cNvPicPr>
@@ -15023,8 +15067,8 @@
         </p:blipFill>
         <p:spPr>
           <a:xfrm>
-            <a:off x="975012" y="2132856"/>
-            <a:ext cx="7559696" cy="899238"/>
+            <a:off x="1741819" y="4005064"/>
+            <a:ext cx="2217612" cy="1821338"/>
           </a:xfrm>
           <a:prstGeom prst="rect">
             <a:avLst/>
@@ -15038,85 +15082,28 @@
           </a:ln>
         </p:spPr>
       </p:pic>
-      <p:sp>
-        <p:nvSpPr>
-          <p:cNvPr id="8" name="TextBox 7"/>
-          <p:cNvSpPr txBox="1"/>
-          <p:nvPr/>
-        </p:nvSpPr>
-        <p:spPr>
-          <a:xfrm>
-            <a:off x="1017866" y="3429000"/>
-            <a:ext cx="1512167" cy="374571"/>
-          </a:xfrm>
-          <a:prstGeom prst="roundRect">
-            <a:avLst/>
-          </a:prstGeom>
-        </p:spPr>
-        <p:style>
-          <a:lnRef idx="2">
-            <a:schemeClr val="accent2"/>
-          </a:lnRef>
-          <a:fillRef idx="1">
-            <a:schemeClr val="lt1"/>
-          </a:fillRef>
-          <a:effectRef idx="0">
-            <a:schemeClr val="accent2"/>
-          </a:effectRef>
-          <a:fontRef idx="minor">
-            <a:schemeClr val="dk1"/>
-          </a:fontRef>
-        </p:style>
-        <p:txBody>
-          <a:bodyPr wrap="square" rtlCol="0">
-            <a:spAutoFit/>
-          </a:bodyPr>
-          <a:lstStyle/>
-          <a:p>
-            <a:pPr algn="ctr"/>
-            <a:r>
-              <a:rPr lang="en-US" altLang="ko-KR" sz="1600" dirty="0" smtClean="0"/>
-              <a:t>notice.html</a:t>
-            </a:r>
-            <a:endParaRPr lang="ko-KR" altLang="en-US" sz="1600" dirty="0"/>
-          </a:p>
-        </p:txBody>
-      </p:sp>
       <p:pic>
         <p:nvPicPr>
-          <p:cNvPr id="3" name="그림 2"/>
+          <p:cNvPr id="5" name="그림 4"/>
           <p:cNvPicPr>
             <a:picLocks noChangeAspect="1"/>
           </p:cNvPicPr>
           <p:nvPr/>
         </p:nvPicPr>
         <p:blipFill>
-          <a:blip r:embed="rId3">
-            <a:extLst>
-              <a:ext uri="{28A0092B-C50C-407E-A947-70E740481C1C}">
-                <a14:useLocalDpi xmlns:a14="http://schemas.microsoft.com/office/drawing/2010/main" val="0"/>
-              </a:ext>
-            </a:extLst>
-          </a:blip>
+          <a:blip r:embed="rId3"/>
           <a:stretch>
             <a:fillRect/>
           </a:stretch>
         </p:blipFill>
         <p:spPr>
           <a:xfrm>
-            <a:off x="1741819" y="4005064"/>
-            <a:ext cx="2217612" cy="1821338"/>
+            <a:off x="1136576" y="2212057"/>
+            <a:ext cx="8116318" cy="547090"/>
           </a:xfrm>
           <a:prstGeom prst="rect">
             <a:avLst/>
           </a:prstGeom>
-          <a:ln>
-            <a:solidFill>
-              <a:schemeClr val="bg1">
-                <a:lumMod val="85000"/>
-              </a:schemeClr>
-            </a:solidFill>
-          </a:ln>
         </p:spPr>
       </p:pic>
     </p:spTree>
